--- a/ExamplePipelineStructures.pptx
+++ b/ExamplePipelineStructures.pptx
@@ -5,9 +5,10 @@
     <p:sldMasterId id="2147483648" r:id="rId1"/>
   </p:sldMasterIdLst>
   <p:sldIdLst>
-    <p:sldId id="257" r:id="rId2"/>
-    <p:sldId id="256" r:id="rId3"/>
-    <p:sldId id="259" r:id="rId4"/>
+    <p:sldId id="260" r:id="rId2"/>
+    <p:sldId id="257" r:id="rId3"/>
+    <p:sldId id="256" r:id="rId4"/>
+    <p:sldId id="259" r:id="rId5"/>
   </p:sldIdLst>
   <p:sldSz cx="12192000" cy="6858000"/>
   <p:notesSz cx="6858000" cy="9144000"/>
@@ -3328,7 +3329,7 @@
           <p:cNvPr id="4" name="Rectangle 3">
             <a:extLst>
               <a:ext uri="{FF2B5EF4-FFF2-40B4-BE49-F238E27FC236}">
-                <a16:creationId xmlns:a16="http://schemas.microsoft.com/office/drawing/2014/main" id="{A8CDE512-E1CD-D84B-ADEF-5DB06109A95B}"/>
+                <a16:creationId xmlns:a16="http://schemas.microsoft.com/office/drawing/2014/main" id="{8856C6DE-5624-5F41-A32F-0CECD3CC08AB}"/>
               </a:ext>
             </a:extLst>
           </p:cNvPr>
@@ -3337,13 +3338,12 @@
         </p:nvSpPr>
         <p:spPr>
           <a:xfrm>
-            <a:off x="207281" y="129054"/>
-            <a:ext cx="6334837" cy="830997"/>
+            <a:off x="81720" y="130629"/>
+            <a:ext cx="11087024" cy="5863144"/>
           </a:xfrm>
           <a:prstGeom prst="rect">
             <a:avLst/>
           </a:prstGeom>
-          <a:effectLst/>
         </p:spPr>
         <p:txBody>
           <a:bodyPr wrap="square">
@@ -3352,1276 +3352,232 @@
           <a:lstStyle/>
           <a:p>
             <a:r>
-              <a:rPr lang="en-US" sz="2000" b="1" dirty="0"/>
-              <a:t>Example Pipeline 1</a:t>
+              <a:rPr lang="en-GB" sz="2400" b="1" u="sng" dirty="0">
+                <a:latin typeface="Calibri" panose="020F0502020204030204" pitchFamily="34" charset="0"/>
+                <a:ea typeface="Calibri" panose="020F0502020204030204" pitchFamily="34" charset="0"/>
+                <a:cs typeface="Times New Roman" panose="02020603050405020304" pitchFamily="18" charset="0"/>
+              </a:rPr>
+              <a:t>DOT-HUB Toolbox</a:t>
             </a:r>
           </a:p>
           <a:p>
             <a:pPr marL="285750" indent="-285750">
+              <a:spcAft>
+                <a:spcPts val="600"/>
+              </a:spcAft>
               <a:buFont typeface="Arial" panose="020B0604020202020204" pitchFamily="34" charset="0"/>
               <a:buChar char="•"/>
             </a:pPr>
             <a:r>
-              <a:rPr lang="en-US" sz="1400" dirty="0"/>
-              <a:t>Individual positioning data</a:t>
+              <a:rPr lang="en-GB" sz="1600" dirty="0"/>
+              <a:t>The toolbox is designed primarily to simplify and standardize the reconstruction processes being undertaken within DOT-HUB.</a:t>
             </a:r>
           </a:p>
           <a:p>
             <a:pPr marL="285750" indent="-285750">
+              <a:spcAft>
+                <a:spcPts val="600"/>
+              </a:spcAft>
               <a:buFont typeface="Arial" panose="020B0604020202020204" pitchFamily="34" charset="0"/>
               <a:buChar char="•"/>
             </a:pPr>
             <a:r>
-              <a:rPr lang="en-US" sz="1400" dirty="0"/>
-              <a:t>Individual head model .</a:t>
-            </a:r>
-            <a:r>
-              <a:rPr lang="en-US" sz="1400" dirty="0" err="1"/>
-              <a:t>mshs</a:t>
-            </a:r>
-            <a:endParaRPr lang="en-US" sz="1400" dirty="0"/>
-          </a:p>
-        </p:txBody>
-      </p:sp>
-      <p:sp>
-        <p:nvSpPr>
-          <p:cNvPr id="5" name="Rectangle 4">
-            <a:extLst>
-              <a:ext uri="{FF2B5EF4-FFF2-40B4-BE49-F238E27FC236}">
-                <a16:creationId xmlns:a16="http://schemas.microsoft.com/office/drawing/2014/main" id="{6A0D9DE5-1B35-0842-96A6-55B75C056574}"/>
-              </a:ext>
-            </a:extLst>
-          </p:cNvPr>
-          <p:cNvSpPr/>
-          <p:nvPr/>
-        </p:nvSpPr>
-        <p:spPr>
-          <a:xfrm>
-            <a:off x="8756445" y="517588"/>
-            <a:ext cx="2775858" cy="5953451"/>
-          </a:xfrm>
-          <a:prstGeom prst="rect">
-            <a:avLst/>
-          </a:prstGeom>
-          <a:noFill/>
-          <a:ln w="28575">
-            <a:solidFill>
-              <a:schemeClr val="tx1"/>
-            </a:solidFill>
-            <a:prstDash val="sysDot"/>
-          </a:ln>
-          <a:effectLst/>
-        </p:spPr>
-        <p:style>
-          <a:lnRef idx="1">
-            <a:schemeClr val="accent1"/>
-          </a:lnRef>
-          <a:fillRef idx="3">
-            <a:schemeClr val="accent1"/>
-          </a:fillRef>
-          <a:effectRef idx="2">
-            <a:schemeClr val="accent1"/>
-          </a:effectRef>
-          <a:fontRef idx="minor">
-            <a:schemeClr val="lt1"/>
-          </a:fontRef>
-        </p:style>
-        <p:txBody>
-          <a:bodyPr rtlCol="0" anchor="t"/>
-          <a:lstStyle/>
-          <a:p>
-            <a:pPr algn="ctr"/>
-            <a:endParaRPr lang="en-US" sz="1200" dirty="0">
-              <a:solidFill>
-                <a:schemeClr val="tx1"/>
-              </a:solidFill>
-            </a:endParaRPr>
-          </a:p>
-        </p:txBody>
-      </p:sp>
-      <p:sp>
-        <p:nvSpPr>
-          <p:cNvPr id="6" name="Rectangle 5">
-            <a:extLst>
-              <a:ext uri="{FF2B5EF4-FFF2-40B4-BE49-F238E27FC236}">
-                <a16:creationId xmlns:a16="http://schemas.microsoft.com/office/drawing/2014/main" id="{121E5FDD-CD9E-F744-A864-6580FD69F7D0}"/>
-              </a:ext>
-            </a:extLst>
-          </p:cNvPr>
-          <p:cNvSpPr/>
-          <p:nvPr/>
-        </p:nvSpPr>
-        <p:spPr>
-          <a:xfrm>
-            <a:off x="9310203" y="606914"/>
-            <a:ext cx="1668342" cy="400110"/>
-          </a:xfrm>
-          <a:prstGeom prst="rect">
-            <a:avLst/>
-          </a:prstGeom>
-          <a:effectLst/>
-        </p:spPr>
-        <p:txBody>
-          <a:bodyPr wrap="none">
-            <a:spAutoFit/>
-          </a:bodyPr>
-          <a:lstStyle/>
-          <a:p>
-            <a:pPr algn="ctr"/>
-            <a:r>
-              <a:rPr lang="en-US" sz="2000" b="1" u="sng" dirty="0"/>
-              <a:t>Subject folder</a:t>
-            </a:r>
-          </a:p>
-        </p:txBody>
-      </p:sp>
-      <p:sp>
-        <p:nvSpPr>
-          <p:cNvPr id="7" name="Rectangle 6">
-            <a:extLst>
-              <a:ext uri="{FF2B5EF4-FFF2-40B4-BE49-F238E27FC236}">
-                <a16:creationId xmlns:a16="http://schemas.microsoft.com/office/drawing/2014/main" id="{EA65AD1B-3C27-2844-9DCB-EAE524429CA9}"/>
-              </a:ext>
-            </a:extLst>
-          </p:cNvPr>
-          <p:cNvSpPr/>
-          <p:nvPr/>
-        </p:nvSpPr>
-        <p:spPr>
-          <a:xfrm>
-            <a:off x="9129967" y="1133140"/>
-            <a:ext cx="2016407" cy="307777"/>
-          </a:xfrm>
-          <a:prstGeom prst="rect">
-            <a:avLst/>
-          </a:prstGeom>
-          <a:solidFill>
-            <a:schemeClr val="accent2">
-              <a:lumMod val="20000"/>
-              <a:lumOff val="80000"/>
-            </a:schemeClr>
-          </a:solidFill>
-          <a:ln w="38100">
-            <a:solidFill>
-              <a:schemeClr val="tx1"/>
-            </a:solidFill>
-          </a:ln>
-          <a:effectLst/>
-        </p:spPr>
-        <p:txBody>
-          <a:bodyPr wrap="square">
-            <a:spAutoFit/>
-          </a:bodyPr>
-          <a:lstStyle/>
-          <a:p>
-            <a:pPr algn="ctr"/>
-            <a:r>
-              <a:rPr lang="en-US" sz="1400" dirty="0"/>
-              <a:t>.</a:t>
-            </a:r>
-            <a:r>
-              <a:rPr lang="en-US" sz="1400" dirty="0" err="1"/>
-              <a:t>nirs</a:t>
-            </a:r>
-            <a:r>
-              <a:rPr lang="en-US" sz="1400" dirty="0"/>
+              <a:rPr lang="en-GB" sz="1600" dirty="0"/>
+              <a:t>The toolbox consists of a range of </a:t>
+            </a:r>
+            <a:r>
+              <a:rPr lang="en-GB" sz="1600" dirty="0" err="1"/>
+              <a:t>Matlab</a:t>
+            </a:r>
+            <a:r>
+              <a:rPr lang="en-GB" sz="1600" dirty="0"/>
+              <a:t> functions and scripts for the pre-processing, structuring, reconstruction and visualization of DOT data.  </a:t>
+            </a:r>
+          </a:p>
+          <a:p>
+            <a:pPr marL="285750" indent="-285750">
+              <a:spcAft>
+                <a:spcPts val="600"/>
+              </a:spcAft>
+              <a:buFont typeface="Arial" panose="020B0604020202020204" pitchFamily="34" charset="0"/>
+              <a:buChar char="•"/>
+            </a:pPr>
+            <a:r>
+              <a:rPr lang="en-GB" sz="1600" dirty="0"/>
+              <a:t>All under one repository on </a:t>
+            </a:r>
+            <a:r>
+              <a:rPr lang="en-GB" sz="1600" dirty="0" err="1"/>
+              <a:t>Github</a:t>
+            </a:r>
+            <a:endParaRPr lang="en-GB" sz="1600" dirty="0"/>
+          </a:p>
+          <a:p>
+            <a:pPr marL="285750" indent="-285750">
+              <a:spcAft>
+                <a:spcPts val="600"/>
+              </a:spcAft>
+              <a:buFont typeface="Arial" panose="020B0604020202020204" pitchFamily="34" charset="0"/>
+              <a:buChar char="•"/>
+            </a:pPr>
+            <a:r>
+              <a:rPr lang="en-GB" sz="1600" dirty="0"/>
+              <a:t>Includes </a:t>
+            </a:r>
+            <a:r>
+              <a:rPr lang="en-GB" sz="1600" b="1" i="1" dirty="0" err="1"/>
+              <a:t>LUMO_toolbox</a:t>
+            </a:r>
+            <a:r>
+              <a:rPr lang="en-GB" sz="1600" b="1" i="1" dirty="0"/>
               <a:t> </a:t>
             </a:r>
-          </a:p>
-        </p:txBody>
-      </p:sp>
-      <p:sp>
-        <p:nvSpPr>
-          <p:cNvPr id="8" name="Rectangle 7">
-            <a:extLst>
-              <a:ext uri="{FF2B5EF4-FFF2-40B4-BE49-F238E27FC236}">
-                <a16:creationId xmlns:a16="http://schemas.microsoft.com/office/drawing/2014/main" id="{96D81A0E-202B-5C4A-AD78-5E683BB91210}"/>
-              </a:ext>
-            </a:extLst>
-          </p:cNvPr>
-          <p:cNvSpPr/>
-          <p:nvPr/>
-        </p:nvSpPr>
-        <p:spPr>
-          <a:xfrm>
-            <a:off x="9129967" y="1584915"/>
-            <a:ext cx="2016407" cy="307777"/>
-          </a:xfrm>
-          <a:prstGeom prst="rect">
-            <a:avLst/>
-          </a:prstGeom>
-          <a:solidFill>
-            <a:schemeClr val="accent2">
-              <a:lumMod val="20000"/>
-              <a:lumOff val="80000"/>
-            </a:schemeClr>
-          </a:solidFill>
-          <a:ln w="38100">
-            <a:solidFill>
-              <a:schemeClr val="tx1"/>
-            </a:solidFill>
-          </a:ln>
-          <a:effectLst/>
-        </p:spPr>
-        <p:txBody>
-          <a:bodyPr wrap="square">
-            <a:spAutoFit/>
-          </a:bodyPr>
-          <a:lstStyle/>
-          <a:p>
-            <a:pPr algn="ctr"/>
-            <a:r>
-              <a:rPr lang="en-US" sz="1400" dirty="0"/>
-              <a:t>.SD3D </a:t>
-            </a:r>
-          </a:p>
-        </p:txBody>
-      </p:sp>
-      <p:sp>
-        <p:nvSpPr>
-          <p:cNvPr id="9" name="Rectangle 8">
-            <a:extLst>
-              <a:ext uri="{FF2B5EF4-FFF2-40B4-BE49-F238E27FC236}">
-                <a16:creationId xmlns:a16="http://schemas.microsoft.com/office/drawing/2014/main" id="{F9CE3692-F21D-F14B-B3A8-78AB98A96361}"/>
-              </a:ext>
-            </a:extLst>
-          </p:cNvPr>
-          <p:cNvSpPr/>
-          <p:nvPr/>
-        </p:nvSpPr>
-        <p:spPr>
-          <a:xfrm>
-            <a:off x="9259676" y="2043172"/>
-            <a:ext cx="1748490" cy="1090486"/>
-          </a:xfrm>
-          <a:prstGeom prst="rect">
-            <a:avLst/>
-          </a:prstGeom>
-          <a:noFill/>
-          <a:ln w="38100">
-            <a:solidFill>
-              <a:schemeClr val="tx1"/>
-            </a:solidFill>
-            <a:prstDash val="sysDash"/>
-          </a:ln>
-          <a:effectLst/>
-        </p:spPr>
-        <p:style>
-          <a:lnRef idx="1">
-            <a:schemeClr val="accent1"/>
-          </a:lnRef>
-          <a:fillRef idx="3">
-            <a:schemeClr val="accent1"/>
-          </a:fillRef>
-          <a:effectRef idx="2">
-            <a:schemeClr val="accent1"/>
-          </a:effectRef>
-          <a:fontRef idx="minor">
-            <a:schemeClr val="lt1"/>
-          </a:fontRef>
-        </p:style>
-        <p:txBody>
-          <a:bodyPr rtlCol="0" anchor="ctr"/>
-          <a:lstStyle/>
-          <a:p>
-            <a:pPr algn="ctr"/>
-            <a:r>
-              <a:rPr lang="en-US" sz="1200" b="1" dirty="0">
-                <a:solidFill>
-                  <a:schemeClr val="tx1"/>
-                </a:solidFill>
-              </a:rPr>
-              <a:t>Subject#.mshs</a:t>
-            </a:r>
-            <a:br>
-              <a:rPr lang="en-US" sz="1200" dirty="0">
-                <a:solidFill>
-                  <a:schemeClr val="tx1"/>
-                </a:solidFill>
-              </a:rPr>
-            </a:br>
-            <a:r>
-              <a:rPr lang="en-US" sz="900" dirty="0" err="1">
-                <a:solidFill>
-                  <a:schemeClr val="tx1"/>
-                </a:solidFill>
-              </a:rPr>
-              <a:t>HeadVolumeMesh</a:t>
-            </a:r>
-            <a:endParaRPr lang="en-US" sz="900" dirty="0">
-              <a:solidFill>
-                <a:schemeClr val="tx1"/>
-              </a:solidFill>
-            </a:endParaRPr>
-          </a:p>
-          <a:p>
-            <a:pPr algn="ctr"/>
-            <a:r>
-              <a:rPr lang="en-US" sz="900" dirty="0" err="1">
-                <a:solidFill>
-                  <a:schemeClr val="tx1"/>
-                </a:solidFill>
-              </a:rPr>
-              <a:t>GMSurfaceMesh</a:t>
-            </a:r>
-            <a:endParaRPr lang="en-US" sz="900" dirty="0">
-              <a:solidFill>
-                <a:schemeClr val="tx1"/>
-              </a:solidFill>
-            </a:endParaRPr>
-          </a:p>
-          <a:p>
-            <a:pPr algn="ctr"/>
-            <a:r>
-              <a:rPr lang="en-US" sz="900" dirty="0" err="1">
-                <a:solidFill>
-                  <a:schemeClr val="tx1"/>
-                </a:solidFill>
-              </a:rPr>
-              <a:t>ScalpSurfaceMesh</a:t>
-            </a:r>
-            <a:endParaRPr lang="en-US" sz="900" dirty="0">
-              <a:solidFill>
-                <a:schemeClr val="tx1"/>
-              </a:solidFill>
-            </a:endParaRPr>
-          </a:p>
-          <a:p>
-            <a:pPr algn="ctr"/>
-            <a:r>
-              <a:rPr lang="en-US" sz="900" dirty="0">
-                <a:solidFill>
-                  <a:schemeClr val="tx1"/>
-                </a:solidFill>
-              </a:rPr>
-              <a:t>landmarks</a:t>
-            </a:r>
-          </a:p>
-          <a:p>
-            <a:pPr algn="ctr"/>
-            <a:r>
-              <a:rPr lang="en-US" sz="900" dirty="0">
-                <a:solidFill>
-                  <a:schemeClr val="tx1"/>
-                </a:solidFill>
-              </a:rPr>
-              <a:t>vol2gm</a:t>
-            </a:r>
-          </a:p>
-        </p:txBody>
-      </p:sp>
-      <p:sp>
-        <p:nvSpPr>
-          <p:cNvPr id="10" name="Rectangle 9">
-            <a:extLst>
-              <a:ext uri="{FF2B5EF4-FFF2-40B4-BE49-F238E27FC236}">
-                <a16:creationId xmlns:a16="http://schemas.microsoft.com/office/drawing/2014/main" id="{1664CBF5-0EAC-2844-88DD-24679F894F05}"/>
-              </a:ext>
-            </a:extLst>
-          </p:cNvPr>
-          <p:cNvSpPr/>
-          <p:nvPr/>
-        </p:nvSpPr>
-        <p:spPr>
-          <a:xfrm>
-            <a:off x="2816288" y="517588"/>
-            <a:ext cx="2775858" cy="5953451"/>
-          </a:xfrm>
-          <a:prstGeom prst="rect">
-            <a:avLst/>
-          </a:prstGeom>
-          <a:noFill/>
-          <a:ln w="28575">
-            <a:solidFill>
-              <a:schemeClr val="tx1"/>
-            </a:solidFill>
-            <a:prstDash val="sysDot"/>
-          </a:ln>
-          <a:effectLst/>
-        </p:spPr>
-        <p:style>
-          <a:lnRef idx="1">
-            <a:schemeClr val="accent1"/>
-          </a:lnRef>
-          <a:fillRef idx="3">
-            <a:schemeClr val="accent1"/>
-          </a:fillRef>
-          <a:effectRef idx="2">
-            <a:schemeClr val="accent1"/>
-          </a:effectRef>
-          <a:fontRef idx="minor">
-            <a:schemeClr val="lt1"/>
-          </a:fontRef>
-        </p:style>
-        <p:txBody>
-          <a:bodyPr rtlCol="0" anchor="t"/>
-          <a:lstStyle/>
-          <a:p>
-            <a:pPr algn="ctr"/>
-            <a:endParaRPr lang="en-US" sz="1200" dirty="0">
-              <a:solidFill>
-                <a:schemeClr val="tx1"/>
-              </a:solidFill>
-            </a:endParaRPr>
-          </a:p>
-        </p:txBody>
-      </p:sp>
-      <p:sp>
-        <p:nvSpPr>
-          <p:cNvPr id="11" name="Rectangle 10">
-            <a:extLst>
-              <a:ext uri="{FF2B5EF4-FFF2-40B4-BE49-F238E27FC236}">
-                <a16:creationId xmlns:a16="http://schemas.microsoft.com/office/drawing/2014/main" id="{EB256E60-9EEA-7946-9D02-3FFA8866EB7A}"/>
-              </a:ext>
-            </a:extLst>
-          </p:cNvPr>
-          <p:cNvSpPr/>
-          <p:nvPr/>
-        </p:nvSpPr>
-        <p:spPr>
-          <a:xfrm>
-            <a:off x="3026173" y="606914"/>
-            <a:ext cx="2356094" cy="400110"/>
-          </a:xfrm>
-          <a:prstGeom prst="rect">
-            <a:avLst/>
-          </a:prstGeom>
-          <a:effectLst/>
-        </p:spPr>
-        <p:txBody>
-          <a:bodyPr wrap="none">
-            <a:spAutoFit/>
-          </a:bodyPr>
-          <a:lstStyle/>
-          <a:p>
-            <a:pPr algn="ctr"/>
-            <a:r>
-              <a:rPr lang="en-US" sz="2000" b="1" u="sng" dirty="0"/>
-              <a:t>Group folder / other</a:t>
-            </a:r>
-          </a:p>
-        </p:txBody>
-      </p:sp>
-      <p:sp>
-        <p:nvSpPr>
-          <p:cNvPr id="16" name="Rectangle 15">
-            <a:extLst>
-              <a:ext uri="{FF2B5EF4-FFF2-40B4-BE49-F238E27FC236}">
-                <a16:creationId xmlns:a16="http://schemas.microsoft.com/office/drawing/2014/main" id="{8E956AAF-925A-0748-B51B-85C58D4F7755}"/>
-              </a:ext>
-            </a:extLst>
-          </p:cNvPr>
-          <p:cNvSpPr/>
-          <p:nvPr/>
-        </p:nvSpPr>
-        <p:spPr>
-          <a:xfrm>
-            <a:off x="9164692" y="4590588"/>
-            <a:ext cx="2016407" cy="307777"/>
-          </a:xfrm>
-          <a:prstGeom prst="rect">
-            <a:avLst/>
-          </a:prstGeom>
-          <a:solidFill>
-            <a:schemeClr val="accent2">
-              <a:lumMod val="20000"/>
-              <a:lumOff val="80000"/>
-            </a:schemeClr>
-          </a:solidFill>
-          <a:ln w="38100">
-            <a:solidFill>
-              <a:schemeClr val="tx1"/>
-            </a:solidFill>
-          </a:ln>
-          <a:effectLst/>
-        </p:spPr>
-        <p:txBody>
-          <a:bodyPr wrap="square">
-            <a:spAutoFit/>
-          </a:bodyPr>
-          <a:lstStyle/>
-          <a:p>
-            <a:pPr algn="ctr"/>
-            <a:r>
-              <a:rPr lang="en-US" sz="1400" dirty="0"/>
-              <a:t>.</a:t>
-            </a:r>
-            <a:r>
-              <a:rPr lang="en-US" sz="1400" dirty="0" err="1"/>
-              <a:t>rmap</a:t>
-            </a:r>
-            <a:endParaRPr lang="en-US" sz="1400" dirty="0"/>
-          </a:p>
-        </p:txBody>
-      </p:sp>
-      <p:sp>
-        <p:nvSpPr>
-          <p:cNvPr id="17" name="Rectangle 16">
-            <a:extLst>
-              <a:ext uri="{FF2B5EF4-FFF2-40B4-BE49-F238E27FC236}">
-                <a16:creationId xmlns:a16="http://schemas.microsoft.com/office/drawing/2014/main" id="{39D79005-C1D2-6C46-A67F-FDDBE9F6BF7D}"/>
-              </a:ext>
-            </a:extLst>
-          </p:cNvPr>
-          <p:cNvSpPr/>
-          <p:nvPr/>
-        </p:nvSpPr>
-        <p:spPr>
-          <a:xfrm>
-            <a:off x="9164692" y="5042363"/>
-            <a:ext cx="2016407" cy="307777"/>
-          </a:xfrm>
-          <a:prstGeom prst="rect">
-            <a:avLst/>
-          </a:prstGeom>
-          <a:solidFill>
-            <a:schemeClr val="accent2">
-              <a:lumMod val="20000"/>
-              <a:lumOff val="80000"/>
-            </a:schemeClr>
-          </a:solidFill>
-          <a:ln w="38100">
-            <a:solidFill>
-              <a:schemeClr val="tx1"/>
-            </a:solidFill>
-          </a:ln>
-          <a:effectLst/>
-        </p:spPr>
-        <p:txBody>
-          <a:bodyPr wrap="square">
-            <a:spAutoFit/>
-          </a:bodyPr>
-          <a:lstStyle/>
-          <a:p>
-            <a:pPr algn="ctr"/>
-            <a:r>
-              <a:rPr lang="en-US" sz="1400" dirty="0"/>
-              <a:t>.</a:t>
-            </a:r>
-            <a:r>
-              <a:rPr lang="en-US" sz="1400" dirty="0" err="1"/>
-              <a:t>jac</a:t>
-            </a:r>
-            <a:endParaRPr lang="en-US" sz="1400" dirty="0"/>
-          </a:p>
-        </p:txBody>
-      </p:sp>
-      <p:sp>
-        <p:nvSpPr>
-          <p:cNvPr id="18" name="Rectangle 17">
-            <a:extLst>
-              <a:ext uri="{FF2B5EF4-FFF2-40B4-BE49-F238E27FC236}">
-                <a16:creationId xmlns:a16="http://schemas.microsoft.com/office/drawing/2014/main" id="{5671EC4E-FC82-224D-B1EB-4450AC3169A8}"/>
-              </a:ext>
-            </a:extLst>
-          </p:cNvPr>
-          <p:cNvSpPr/>
-          <p:nvPr/>
-        </p:nvSpPr>
-        <p:spPr>
-          <a:xfrm>
-            <a:off x="9164691" y="5482738"/>
-            <a:ext cx="2016407" cy="307777"/>
-          </a:xfrm>
-          <a:prstGeom prst="rect">
-            <a:avLst/>
-          </a:prstGeom>
-          <a:solidFill>
-            <a:schemeClr val="accent2">
-              <a:lumMod val="20000"/>
-              <a:lumOff val="80000"/>
-            </a:schemeClr>
-          </a:solidFill>
-          <a:ln w="38100">
-            <a:solidFill>
-              <a:schemeClr val="tx1"/>
-            </a:solidFill>
-          </a:ln>
-          <a:effectLst/>
-        </p:spPr>
-        <p:txBody>
-          <a:bodyPr wrap="square">
-            <a:spAutoFit/>
-          </a:bodyPr>
-          <a:lstStyle/>
-          <a:p>
-            <a:pPr algn="ctr"/>
-            <a:r>
-              <a:rPr lang="en-US" sz="1400" dirty="0"/>
-              <a:t>.</a:t>
-            </a:r>
-            <a:r>
-              <a:rPr lang="en-US" sz="1400" dirty="0" err="1"/>
-              <a:t>invjac</a:t>
-            </a:r>
-            <a:endParaRPr lang="en-US" sz="1400" dirty="0"/>
-          </a:p>
-        </p:txBody>
-      </p:sp>
-      <p:sp>
-        <p:nvSpPr>
-          <p:cNvPr id="19" name="Rectangle 18">
-            <a:extLst>
-              <a:ext uri="{FF2B5EF4-FFF2-40B4-BE49-F238E27FC236}">
-                <a16:creationId xmlns:a16="http://schemas.microsoft.com/office/drawing/2014/main" id="{9F47F780-2BEF-F748-80B1-C802E5CDCA8C}"/>
-              </a:ext>
-            </a:extLst>
-          </p:cNvPr>
-          <p:cNvSpPr/>
-          <p:nvPr/>
-        </p:nvSpPr>
-        <p:spPr>
-          <a:xfrm>
-            <a:off x="9164691" y="5923113"/>
-            <a:ext cx="2016407" cy="307777"/>
-          </a:xfrm>
-          <a:prstGeom prst="rect">
-            <a:avLst/>
-          </a:prstGeom>
-          <a:solidFill>
-            <a:schemeClr val="accent2">
-              <a:lumMod val="20000"/>
-              <a:lumOff val="80000"/>
-            </a:schemeClr>
-          </a:solidFill>
-          <a:ln w="38100">
-            <a:solidFill>
-              <a:schemeClr val="tx1"/>
-            </a:solidFill>
-          </a:ln>
-          <a:effectLst/>
-        </p:spPr>
-        <p:txBody>
-          <a:bodyPr wrap="square">
-            <a:spAutoFit/>
-          </a:bodyPr>
-          <a:lstStyle/>
-          <a:p>
-            <a:pPr algn="ctr"/>
-            <a:r>
-              <a:rPr lang="en-US" sz="1400" dirty="0"/>
-              <a:t>.</a:t>
-            </a:r>
-            <a:r>
-              <a:rPr lang="en-US" sz="1400" dirty="0" err="1"/>
-              <a:t>dotimg</a:t>
-            </a:r>
-            <a:endParaRPr lang="en-US" sz="1400" dirty="0"/>
-          </a:p>
-        </p:txBody>
-      </p:sp>
-      <p:sp>
-        <p:nvSpPr>
-          <p:cNvPr id="20" name="Rectangle 19">
-            <a:extLst>
-              <a:ext uri="{FF2B5EF4-FFF2-40B4-BE49-F238E27FC236}">
-                <a16:creationId xmlns:a16="http://schemas.microsoft.com/office/drawing/2014/main" id="{F76919EB-8677-3042-870D-992D0FC01213}"/>
-              </a:ext>
-            </a:extLst>
-          </p:cNvPr>
-          <p:cNvSpPr/>
-          <p:nvPr/>
-        </p:nvSpPr>
-        <p:spPr>
-          <a:xfrm>
-            <a:off x="6016045" y="2720240"/>
-            <a:ext cx="2250000" cy="374514"/>
-          </a:xfrm>
-          <a:prstGeom prst="rect">
-            <a:avLst/>
-          </a:prstGeom>
-          <a:solidFill>
-            <a:srgbClr val="92D050"/>
-          </a:solidFill>
-          <a:effectLst/>
-        </p:spPr>
-        <p:style>
-          <a:lnRef idx="1">
-            <a:schemeClr val="accent1"/>
-          </a:lnRef>
-          <a:fillRef idx="3">
-            <a:schemeClr val="accent1"/>
-          </a:fillRef>
-          <a:effectRef idx="2">
-            <a:schemeClr val="accent1"/>
-          </a:effectRef>
-          <a:fontRef idx="minor">
-            <a:schemeClr val="lt1"/>
-          </a:fontRef>
-        </p:style>
-        <p:txBody>
-          <a:bodyPr rtlCol="0" anchor="ctr"/>
-          <a:lstStyle/>
-          <a:p>
-            <a:pPr algn="ctr"/>
-            <a:r>
-              <a:rPr lang="en-US" sz="1200" b="1" dirty="0" err="1">
-                <a:solidFill>
-                  <a:schemeClr val="tx1"/>
-                </a:solidFill>
-              </a:rPr>
-              <a:t>DOTHUB_meshRegistration</a:t>
-            </a:r>
-            <a:endParaRPr lang="en-US" sz="1200" b="1" dirty="0">
-              <a:solidFill>
-                <a:schemeClr val="tx1"/>
-              </a:solidFill>
-            </a:endParaRPr>
-          </a:p>
-        </p:txBody>
-      </p:sp>
-      <p:sp>
-        <p:nvSpPr>
-          <p:cNvPr id="21" name="Rectangle 20">
-            <a:extLst>
-              <a:ext uri="{FF2B5EF4-FFF2-40B4-BE49-F238E27FC236}">
-                <a16:creationId xmlns:a16="http://schemas.microsoft.com/office/drawing/2014/main" id="{FB861A23-9EF3-0944-9104-EA65EC94996A}"/>
-              </a:ext>
-            </a:extLst>
-          </p:cNvPr>
-          <p:cNvSpPr/>
-          <p:nvPr/>
-        </p:nvSpPr>
-        <p:spPr>
-          <a:xfrm>
-            <a:off x="6016044" y="3137846"/>
-            <a:ext cx="2250000" cy="374514"/>
-          </a:xfrm>
-          <a:prstGeom prst="rect">
-            <a:avLst/>
-          </a:prstGeom>
-          <a:solidFill>
-            <a:srgbClr val="92D050"/>
-          </a:solidFill>
-          <a:effectLst/>
-        </p:spPr>
-        <p:style>
-          <a:lnRef idx="1">
-            <a:schemeClr val="accent1"/>
-          </a:lnRef>
-          <a:fillRef idx="3">
-            <a:schemeClr val="accent1"/>
-          </a:fillRef>
-          <a:effectRef idx="2">
-            <a:schemeClr val="accent1"/>
-          </a:effectRef>
-          <a:fontRef idx="minor">
-            <a:schemeClr val="lt1"/>
-          </a:fontRef>
-        </p:style>
-        <p:txBody>
-          <a:bodyPr rtlCol="0" anchor="ctr"/>
-          <a:lstStyle/>
-          <a:p>
-            <a:pPr algn="ctr"/>
-            <a:r>
-              <a:rPr lang="en-US" sz="1200" b="1" dirty="0" err="1">
-                <a:solidFill>
-                  <a:schemeClr val="tx1"/>
-                </a:solidFill>
-              </a:rPr>
-              <a:t>DOTHUB_makeToastJacobian</a:t>
-            </a:r>
-            <a:endParaRPr lang="en-US" sz="1200" b="1" dirty="0">
-              <a:solidFill>
-                <a:schemeClr val="tx1"/>
-              </a:solidFill>
-            </a:endParaRPr>
-          </a:p>
-        </p:txBody>
-      </p:sp>
-      <p:sp>
-        <p:nvSpPr>
-          <p:cNvPr id="22" name="Rectangle 21">
-            <a:extLst>
-              <a:ext uri="{FF2B5EF4-FFF2-40B4-BE49-F238E27FC236}">
-                <a16:creationId xmlns:a16="http://schemas.microsoft.com/office/drawing/2014/main" id="{F3B77052-5CF0-D848-BB87-BC1FD6310D2A}"/>
-              </a:ext>
-            </a:extLst>
-          </p:cNvPr>
-          <p:cNvSpPr/>
-          <p:nvPr/>
-        </p:nvSpPr>
-        <p:spPr>
-          <a:xfrm>
-            <a:off x="6016045" y="3555452"/>
-            <a:ext cx="2250000" cy="374514"/>
-          </a:xfrm>
-          <a:prstGeom prst="rect">
-            <a:avLst/>
-          </a:prstGeom>
-          <a:solidFill>
-            <a:srgbClr val="92D050"/>
-          </a:solidFill>
-          <a:effectLst/>
-        </p:spPr>
-        <p:style>
-          <a:lnRef idx="1">
-            <a:schemeClr val="accent1"/>
-          </a:lnRef>
-          <a:fillRef idx="3">
-            <a:schemeClr val="accent1"/>
-          </a:fillRef>
-          <a:effectRef idx="2">
-            <a:schemeClr val="accent1"/>
-          </a:effectRef>
-          <a:fontRef idx="minor">
-            <a:schemeClr val="lt1"/>
-          </a:fontRef>
-        </p:style>
-        <p:txBody>
-          <a:bodyPr rtlCol="0" anchor="ctr"/>
-          <a:lstStyle/>
-          <a:p>
-            <a:pPr algn="ctr"/>
-            <a:r>
-              <a:rPr lang="en-US" sz="1200" b="1" dirty="0" err="1">
-                <a:solidFill>
-                  <a:schemeClr val="tx1"/>
-                </a:solidFill>
-              </a:rPr>
-              <a:t>DOTHUB_invertJacobian</a:t>
-            </a:r>
-            <a:endParaRPr lang="en-US" sz="1200" b="1" dirty="0">
-              <a:solidFill>
-                <a:schemeClr val="tx1"/>
-              </a:solidFill>
-            </a:endParaRPr>
-          </a:p>
-        </p:txBody>
-      </p:sp>
-      <p:sp>
-        <p:nvSpPr>
-          <p:cNvPr id="23" name="Rectangle 22">
-            <a:extLst>
-              <a:ext uri="{FF2B5EF4-FFF2-40B4-BE49-F238E27FC236}">
-                <a16:creationId xmlns:a16="http://schemas.microsoft.com/office/drawing/2014/main" id="{FFCD128E-D91C-364F-A27E-F75577B5697A}"/>
-              </a:ext>
-            </a:extLst>
-          </p:cNvPr>
-          <p:cNvSpPr/>
-          <p:nvPr/>
-        </p:nvSpPr>
-        <p:spPr>
-          <a:xfrm>
-            <a:off x="6016044" y="2267694"/>
-            <a:ext cx="2250000" cy="409454"/>
-          </a:xfrm>
-          <a:prstGeom prst="rect">
-            <a:avLst/>
-          </a:prstGeom>
-          <a:solidFill>
-            <a:srgbClr val="92D050"/>
-          </a:solidFill>
-          <a:effectLst/>
-        </p:spPr>
-        <p:style>
-          <a:lnRef idx="1">
-            <a:schemeClr val="accent1"/>
-          </a:lnRef>
-          <a:fillRef idx="3">
-            <a:schemeClr val="accent1"/>
-          </a:fillRef>
-          <a:effectRef idx="2">
-            <a:schemeClr val="accent1"/>
-          </a:effectRef>
-          <a:fontRef idx="minor">
-            <a:schemeClr val="lt1"/>
-          </a:fontRef>
-        </p:style>
-        <p:txBody>
-          <a:bodyPr rtlCol="0" anchor="ctr"/>
-          <a:lstStyle/>
-          <a:p>
-            <a:pPr algn="ctr"/>
-            <a:r>
-              <a:rPr lang="en-US" sz="1200" b="1" dirty="0" err="1">
-                <a:solidFill>
-                  <a:schemeClr val="tx1"/>
-                </a:solidFill>
-              </a:rPr>
-              <a:t>DOTHUB_runHomerPrepro</a:t>
-            </a:r>
-            <a:endParaRPr lang="en-US" sz="1200" b="1" dirty="0">
-              <a:solidFill>
-                <a:schemeClr val="tx1"/>
-              </a:solidFill>
-            </a:endParaRPr>
-          </a:p>
-        </p:txBody>
-      </p:sp>
-      <p:sp>
-        <p:nvSpPr>
-          <p:cNvPr id="24" name="Rectangle 23">
-            <a:extLst>
-              <a:ext uri="{FF2B5EF4-FFF2-40B4-BE49-F238E27FC236}">
-                <a16:creationId xmlns:a16="http://schemas.microsoft.com/office/drawing/2014/main" id="{622103C7-D919-7445-BB61-1E3AD39778E0}"/>
-              </a:ext>
-            </a:extLst>
-          </p:cNvPr>
-          <p:cNvSpPr/>
-          <p:nvPr/>
-        </p:nvSpPr>
-        <p:spPr>
-          <a:xfrm>
-            <a:off x="6016044" y="3973058"/>
-            <a:ext cx="2250000" cy="374514"/>
-          </a:xfrm>
-          <a:prstGeom prst="rect">
-            <a:avLst/>
-          </a:prstGeom>
-          <a:solidFill>
-            <a:srgbClr val="92D050"/>
-          </a:solidFill>
-          <a:effectLst/>
-        </p:spPr>
-        <p:style>
-          <a:lnRef idx="1">
-            <a:schemeClr val="accent1"/>
-          </a:lnRef>
-          <a:fillRef idx="3">
-            <a:schemeClr val="accent1"/>
-          </a:fillRef>
-          <a:effectRef idx="2">
-            <a:schemeClr val="accent1"/>
-          </a:effectRef>
-          <a:fontRef idx="minor">
-            <a:schemeClr val="lt1"/>
-          </a:fontRef>
-        </p:style>
-        <p:txBody>
-          <a:bodyPr rtlCol="0" anchor="ctr"/>
-          <a:lstStyle/>
-          <a:p>
-            <a:pPr algn="ctr"/>
-            <a:r>
-              <a:rPr lang="en-US" sz="1200" b="1" dirty="0" err="1">
-                <a:solidFill>
-                  <a:schemeClr val="tx1"/>
-                </a:solidFill>
-              </a:rPr>
-              <a:t>DOTHUB_reconstruction</a:t>
-            </a:r>
-            <a:endParaRPr lang="en-US" sz="1200" b="1" dirty="0">
-              <a:solidFill>
-                <a:schemeClr val="tx1"/>
-              </a:solidFill>
-            </a:endParaRPr>
-          </a:p>
-        </p:txBody>
-      </p:sp>
-      <p:sp>
-        <p:nvSpPr>
-          <p:cNvPr id="25" name="Rectangle 24">
-            <a:extLst>
-              <a:ext uri="{FF2B5EF4-FFF2-40B4-BE49-F238E27FC236}">
-                <a16:creationId xmlns:a16="http://schemas.microsoft.com/office/drawing/2014/main" id="{206401C9-00CB-F346-99B7-C496493FA29C}"/>
-              </a:ext>
-            </a:extLst>
-          </p:cNvPr>
-          <p:cNvSpPr/>
-          <p:nvPr/>
-        </p:nvSpPr>
-        <p:spPr>
-          <a:xfrm>
-            <a:off x="9164690" y="4138813"/>
-            <a:ext cx="2016407" cy="307777"/>
-          </a:xfrm>
-          <a:prstGeom prst="rect">
-            <a:avLst/>
-          </a:prstGeom>
-          <a:solidFill>
-            <a:schemeClr val="accent2">
-              <a:lumMod val="20000"/>
-              <a:lumOff val="80000"/>
-            </a:schemeClr>
-          </a:solidFill>
-          <a:ln w="38100">
-            <a:solidFill>
-              <a:schemeClr val="tx1"/>
-            </a:solidFill>
-          </a:ln>
-          <a:effectLst/>
-        </p:spPr>
-        <p:txBody>
-          <a:bodyPr wrap="square">
-            <a:spAutoFit/>
-          </a:bodyPr>
-          <a:lstStyle/>
-          <a:p>
-            <a:pPr algn="ctr"/>
-            <a:r>
-              <a:rPr lang="en-US" sz="1400" dirty="0"/>
-              <a:t>.</a:t>
-            </a:r>
-            <a:r>
-              <a:rPr lang="en-US" sz="1400" dirty="0" err="1"/>
-              <a:t>prepro</a:t>
-            </a:r>
-            <a:endParaRPr lang="en-US" sz="1400" dirty="0"/>
-          </a:p>
-        </p:txBody>
-      </p:sp>
-      <p:cxnSp>
-        <p:nvCxnSpPr>
-          <p:cNvPr id="27" name="Elbow Connector 26">
-            <a:extLst>
-              <a:ext uri="{FF2B5EF4-FFF2-40B4-BE49-F238E27FC236}">
-                <a16:creationId xmlns:a16="http://schemas.microsoft.com/office/drawing/2014/main" id="{E6A6E913-0BCB-5C41-AA4E-69D5E5B6AC87}"/>
-              </a:ext>
-            </a:extLst>
-          </p:cNvPr>
-          <p:cNvCxnSpPr>
-            <a:cxnSpLocks/>
-            <a:stCxn id="7" idx="1"/>
-            <a:endCxn id="29" idx="1"/>
-          </p:cNvCxnSpPr>
-          <p:nvPr/>
-        </p:nvCxnSpPr>
-        <p:spPr>
-          <a:xfrm rot="10800000" flipV="1">
-            <a:off x="6600399" y="1287028"/>
-            <a:ext cx="2529568" cy="761903"/>
-          </a:xfrm>
-          <a:prstGeom prst="bentConnector3">
-            <a:avLst>
-              <a:gd name="adj1" fmla="val 109037"/>
-            </a:avLst>
-          </a:prstGeom>
-          <a:ln>
-            <a:tailEnd type="triangle"/>
-          </a:ln>
-        </p:spPr>
-        <p:style>
-          <a:lnRef idx="1">
-            <a:schemeClr val="accent1"/>
-          </a:lnRef>
-          <a:fillRef idx="0">
-            <a:schemeClr val="accent1"/>
-          </a:fillRef>
-          <a:effectRef idx="0">
-            <a:schemeClr val="accent1"/>
-          </a:effectRef>
-          <a:fontRef idx="minor">
-            <a:schemeClr val="tx1"/>
-          </a:fontRef>
-        </p:style>
-      </p:cxnSp>
-      <p:sp>
-        <p:nvSpPr>
-          <p:cNvPr id="29" name="Rectangle 28">
-            <a:extLst>
-              <a:ext uri="{FF2B5EF4-FFF2-40B4-BE49-F238E27FC236}">
-                <a16:creationId xmlns:a16="http://schemas.microsoft.com/office/drawing/2014/main" id="{C48091F8-E78F-0A4F-BAD9-6BC8A165D3BC}"/>
-              </a:ext>
-            </a:extLst>
-          </p:cNvPr>
-          <p:cNvSpPr/>
-          <p:nvPr/>
-        </p:nvSpPr>
-        <p:spPr>
-          <a:xfrm>
-            <a:off x="6600399" y="1848877"/>
-            <a:ext cx="1043876" cy="400110"/>
-          </a:xfrm>
-          <a:prstGeom prst="rect">
-            <a:avLst/>
-          </a:prstGeom>
-          <a:effectLst/>
-        </p:spPr>
-        <p:txBody>
-          <a:bodyPr wrap="none">
-            <a:spAutoFit/>
-          </a:bodyPr>
-          <a:lstStyle/>
-          <a:p>
-            <a:pPr algn="ctr"/>
-            <a:r>
-              <a:rPr lang="en-US" sz="2000" b="1" u="sng" dirty="0"/>
-              <a:t>Pipeline</a:t>
-            </a:r>
-          </a:p>
-        </p:txBody>
-      </p:sp>
-      <p:cxnSp>
-        <p:nvCxnSpPr>
-          <p:cNvPr id="31" name="Elbow Connector 30">
-            <a:extLst>
-              <a:ext uri="{FF2B5EF4-FFF2-40B4-BE49-F238E27FC236}">
-                <a16:creationId xmlns:a16="http://schemas.microsoft.com/office/drawing/2014/main" id="{7A9230F8-B125-594B-BEEF-0CF195B19840}"/>
-              </a:ext>
-            </a:extLst>
-          </p:cNvPr>
-          <p:cNvCxnSpPr>
-            <a:cxnSpLocks/>
-            <a:stCxn id="8" idx="1"/>
-            <a:endCxn id="29" idx="0"/>
-          </p:cNvCxnSpPr>
-          <p:nvPr/>
-        </p:nvCxnSpPr>
-        <p:spPr>
-          <a:xfrm rot="10800000" flipV="1">
-            <a:off x="7122337" y="1738803"/>
-            <a:ext cx="2007630" cy="110073"/>
-          </a:xfrm>
-          <a:prstGeom prst="bentConnector2">
-            <a:avLst/>
-          </a:prstGeom>
-          <a:ln>
-            <a:tailEnd type="triangle"/>
-          </a:ln>
-        </p:spPr>
-        <p:style>
-          <a:lnRef idx="1">
-            <a:schemeClr val="accent1"/>
-          </a:lnRef>
-          <a:fillRef idx="0">
-            <a:schemeClr val="accent1"/>
-          </a:fillRef>
-          <a:effectRef idx="0">
-            <a:schemeClr val="accent1"/>
-          </a:effectRef>
-          <a:fontRef idx="minor">
-            <a:schemeClr val="tx1"/>
-          </a:fontRef>
-        </p:style>
-      </p:cxnSp>
-      <p:cxnSp>
-        <p:nvCxnSpPr>
-          <p:cNvPr id="34" name="Elbow Connector 33">
-            <a:extLst>
-              <a:ext uri="{FF2B5EF4-FFF2-40B4-BE49-F238E27FC236}">
-                <a16:creationId xmlns:a16="http://schemas.microsoft.com/office/drawing/2014/main" id="{F5D2219A-9069-FC4C-993C-513934378373}"/>
-              </a:ext>
-            </a:extLst>
-          </p:cNvPr>
-          <p:cNvCxnSpPr>
-            <a:cxnSpLocks/>
-            <a:stCxn id="9" idx="1"/>
-            <a:endCxn id="29" idx="3"/>
-          </p:cNvCxnSpPr>
-          <p:nvPr/>
-        </p:nvCxnSpPr>
-        <p:spPr>
-          <a:xfrm rot="10800000">
-            <a:off x="7644276" y="2048933"/>
-            <a:ext cx="1615401" cy="539483"/>
-          </a:xfrm>
-          <a:prstGeom prst="bentConnector3">
-            <a:avLst>
-              <a:gd name="adj1" fmla="val 50000"/>
-            </a:avLst>
-          </a:prstGeom>
-          <a:ln>
-            <a:tailEnd type="triangle"/>
-          </a:ln>
-        </p:spPr>
-        <p:style>
-          <a:lnRef idx="1">
-            <a:schemeClr val="accent1"/>
-          </a:lnRef>
-          <a:fillRef idx="0">
-            <a:schemeClr val="accent1"/>
-          </a:fillRef>
-          <a:effectRef idx="0">
-            <a:schemeClr val="accent1"/>
-          </a:effectRef>
-          <a:fontRef idx="minor">
-            <a:schemeClr val="tx1"/>
-          </a:fontRef>
-        </p:style>
-      </p:cxnSp>
-      <p:cxnSp>
-        <p:nvCxnSpPr>
-          <p:cNvPr id="40" name="Elbow Connector 39">
-            <a:extLst>
-              <a:ext uri="{FF2B5EF4-FFF2-40B4-BE49-F238E27FC236}">
-                <a16:creationId xmlns:a16="http://schemas.microsoft.com/office/drawing/2014/main" id="{767AC985-36B1-EF42-A766-63B09159D606}"/>
-              </a:ext>
-            </a:extLst>
-          </p:cNvPr>
-          <p:cNvCxnSpPr>
-            <a:cxnSpLocks/>
-            <a:stCxn id="24" idx="2"/>
-            <a:endCxn id="43" idx="1"/>
-          </p:cNvCxnSpPr>
-          <p:nvPr/>
-        </p:nvCxnSpPr>
-        <p:spPr>
-          <a:xfrm rot="16200000" flipH="1">
-            <a:off x="7603885" y="3884730"/>
-            <a:ext cx="804633" cy="1730315"/>
-          </a:xfrm>
-          <a:prstGeom prst="bentConnector2">
-            <a:avLst/>
-          </a:prstGeom>
-          <a:ln>
-            <a:tailEnd type="triangle"/>
-          </a:ln>
-        </p:spPr>
-        <p:style>
-          <a:lnRef idx="1">
-            <a:schemeClr val="accent1"/>
-          </a:lnRef>
-          <a:fillRef idx="0">
-            <a:schemeClr val="accent1"/>
-          </a:fillRef>
-          <a:effectRef idx="0">
-            <a:schemeClr val="accent1"/>
-          </a:effectRef>
-          <a:fontRef idx="minor">
-            <a:schemeClr val="tx1"/>
-          </a:fontRef>
-        </p:style>
-      </p:cxnSp>
-      <p:sp>
-        <p:nvSpPr>
-          <p:cNvPr id="43" name="Left Brace 42">
-            <a:extLst>
-              <a:ext uri="{FF2B5EF4-FFF2-40B4-BE49-F238E27FC236}">
-                <a16:creationId xmlns:a16="http://schemas.microsoft.com/office/drawing/2014/main" id="{A3AE47F3-A02D-DE46-BE07-9355384FB6C1}"/>
-              </a:ext>
-            </a:extLst>
-          </p:cNvPr>
-          <p:cNvSpPr/>
-          <p:nvPr/>
-        </p:nvSpPr>
-        <p:spPr>
-          <a:xfrm>
-            <a:off x="8871359" y="3973058"/>
-            <a:ext cx="316483" cy="2358294"/>
-          </a:xfrm>
-          <a:prstGeom prst="leftBrace">
-            <a:avLst/>
-          </a:prstGeom>
-        </p:spPr>
-        <p:style>
-          <a:lnRef idx="1">
-            <a:schemeClr val="accent1"/>
-          </a:lnRef>
-          <a:fillRef idx="0">
-            <a:schemeClr val="accent1"/>
-          </a:fillRef>
-          <a:effectRef idx="0">
-            <a:schemeClr val="accent1"/>
-          </a:effectRef>
-          <a:fontRef idx="minor">
-            <a:schemeClr val="tx1"/>
-          </a:fontRef>
-        </p:style>
-        <p:txBody>
-          <a:bodyPr rtlCol="0" anchor="ctr"/>
-          <a:lstStyle/>
-          <a:p>
-            <a:pPr algn="ctr"/>
-            <a:endParaRPr lang="en-US"/>
+            <a:r>
+              <a:rPr lang="en-GB" sz="1600" dirty="0"/>
+              <a:t>(</a:t>
+            </a:r>
+            <a:r>
+              <a:rPr lang="en-GB" sz="1600" dirty="0" err="1"/>
+              <a:t>Lumo</a:t>
+            </a:r>
+            <a:r>
+              <a:rPr lang="en-GB" sz="1600" dirty="0"/>
+              <a:t>-specific functions for handling/</a:t>
+            </a:r>
+            <a:r>
+              <a:rPr lang="en-GB" sz="1600" dirty="0" err="1"/>
+              <a:t>preprocessing</a:t>
+            </a:r>
+            <a:r>
+              <a:rPr lang="en-GB" sz="1600" dirty="0"/>
+              <a:t>/displaying LUMO data)</a:t>
+            </a:r>
+          </a:p>
+          <a:p>
+            <a:pPr marL="285750" indent="-285750">
+              <a:spcAft>
+                <a:spcPts val="600"/>
+              </a:spcAft>
+              <a:buFont typeface="Arial" panose="020B0604020202020204" pitchFamily="34" charset="0"/>
+              <a:buChar char="•"/>
+            </a:pPr>
+            <a:r>
+              <a:rPr lang="en-GB" sz="1600" b="1" i="1" dirty="0"/>
+              <a:t>Library </a:t>
+            </a:r>
+            <a:r>
+              <a:rPr lang="en-GB" sz="1600" dirty="0"/>
+              <a:t>holds miscellaneous DOT-HUB scripts and replaces Rob’s </a:t>
+            </a:r>
+            <a:r>
+              <a:rPr lang="en-GB" sz="1600"/>
+              <a:t>Omniscripts</a:t>
+            </a:r>
+            <a:endParaRPr lang="en-GB" sz="1600" b="1" i="1" dirty="0"/>
+          </a:p>
+          <a:p>
+            <a:pPr marL="285750" indent="-285750">
+              <a:spcAft>
+                <a:spcPts val="600"/>
+              </a:spcAft>
+              <a:buFont typeface="Arial" panose="020B0604020202020204" pitchFamily="34" charset="0"/>
+              <a:buChar char="•"/>
+            </a:pPr>
+            <a:r>
+              <a:rPr lang="en-GB" sz="1600" dirty="0"/>
+              <a:t>There is no GUI.  Instead, there are a few fundamental functions and filetypes that make the process of going from raw, channel-wise intensity data to 3D images as simple and flexible as possible. </a:t>
+            </a:r>
+          </a:p>
+          <a:p>
+            <a:pPr marL="285750" indent="-285750">
+              <a:spcAft>
+                <a:spcPts val="600"/>
+              </a:spcAft>
+              <a:buFont typeface="Arial" panose="020B0604020202020204" pitchFamily="34" charset="0"/>
+              <a:buChar char="•"/>
+            </a:pPr>
+            <a:r>
+              <a:rPr lang="en-GB" sz="1600" dirty="0"/>
+              <a:t>This toolbox is not designed to do everything in the DOT analysis pipeline.  </a:t>
+            </a:r>
+          </a:p>
+          <a:p>
+            <a:pPr marL="285750" indent="-285750">
+              <a:spcAft>
+                <a:spcPts val="600"/>
+              </a:spcAft>
+              <a:buFont typeface="Arial" panose="020B0604020202020204" pitchFamily="34" charset="0"/>
+              <a:buChar char="•"/>
+            </a:pPr>
+            <a:r>
+              <a:rPr lang="en-GB" sz="1600" dirty="0"/>
+              <a:t>The guts of the DOT-HUB toolbox are designed to enable pre-processed, channel-wise </a:t>
+            </a:r>
+            <a:r>
+              <a:rPr lang="en-GB" sz="1600" dirty="0" err="1"/>
+              <a:t>fNIRS</a:t>
+            </a:r>
+            <a:r>
+              <a:rPr lang="en-GB" sz="1600" dirty="0"/>
+              <a:t>/DOT data to be converted into 3D volume and GM surface images of changes in oxy- and deoxy-haemoglobin concentration.  </a:t>
+            </a:r>
+          </a:p>
+          <a:p>
+            <a:pPr marL="285750" indent="-285750">
+              <a:spcAft>
+                <a:spcPts val="600"/>
+              </a:spcAft>
+              <a:buFont typeface="Arial" panose="020B0604020202020204" pitchFamily="34" charset="0"/>
+              <a:buChar char="•"/>
+            </a:pPr>
+            <a:r>
+              <a:rPr lang="en-GB" sz="1600" dirty="0"/>
+              <a:t>The fundamental steps of the pipeline are each associated with an output file type, and there is a ‘write’ function for each file type.  </a:t>
+            </a:r>
+          </a:p>
+          <a:p>
+            <a:pPr marL="285750" indent="-285750">
+              <a:spcAft>
+                <a:spcPts val="600"/>
+              </a:spcAft>
+              <a:buFont typeface="Arial" panose="020B0604020202020204" pitchFamily="34" charset="0"/>
+              <a:buChar char="•"/>
+            </a:pPr>
+            <a:r>
+              <a:rPr lang="en-GB" sz="1600" dirty="0"/>
+              <a:t>This enforces the required organizational structure. There are functions that perform each of the main steps of the pipeline and then write the appropriate files</a:t>
+            </a:r>
+          </a:p>
+          <a:p>
+            <a:pPr marL="285750" indent="-285750">
+              <a:spcAft>
+                <a:spcPts val="600"/>
+              </a:spcAft>
+              <a:buFont typeface="Arial" panose="020B0604020202020204" pitchFamily="34" charset="0"/>
+              <a:buChar char="•"/>
+            </a:pPr>
+            <a:r>
+              <a:rPr lang="en-GB" sz="1600" dirty="0"/>
+              <a:t>But, in theory you can (using the ‘write’ functions) create these files yourself and plug in to the pipeline at any </a:t>
+            </a:r>
+            <a:r>
+              <a:rPr lang="en-GB" sz="1600" dirty="0" err="1"/>
+              <a:t>steage</a:t>
+            </a:r>
+            <a:r>
+              <a:rPr lang="en-GB" sz="1600" dirty="0"/>
+              <a:t> if you need to.</a:t>
+            </a:r>
+          </a:p>
+          <a:p>
+            <a:endParaRPr lang="en-US" sz="2400" dirty="0"/>
           </a:p>
         </p:txBody>
       </p:sp>
     </p:spTree>
     <p:extLst>
       <p:ext uri="{BB962C8B-B14F-4D97-AF65-F5344CB8AC3E}">
-        <p14:creationId xmlns:p14="http://schemas.microsoft.com/office/powerpoint/2010/main" val="231358774"/>
+        <p14:creationId xmlns:p14="http://schemas.microsoft.com/office/powerpoint/2010/main" val="1923782363"/>
       </p:ext>
     </p:extLst>
   </p:cSld>
@@ -4678,6 +3634,1331 @@
           <a:p>
             <a:r>
               <a:rPr lang="en-US" sz="2000" b="1" dirty="0"/>
+              <a:t>Example Pipeline 1</a:t>
+            </a:r>
+          </a:p>
+          <a:p>
+            <a:pPr marL="285750" indent="-285750">
+              <a:buFont typeface="Arial" panose="020B0604020202020204" pitchFamily="34" charset="0"/>
+              <a:buChar char="•"/>
+            </a:pPr>
+            <a:r>
+              <a:rPr lang="en-US" sz="1400" dirty="0"/>
+              <a:t>Individual positioning data</a:t>
+            </a:r>
+          </a:p>
+          <a:p>
+            <a:pPr marL="285750" indent="-285750">
+              <a:buFont typeface="Arial" panose="020B0604020202020204" pitchFamily="34" charset="0"/>
+              <a:buChar char="•"/>
+            </a:pPr>
+            <a:r>
+              <a:rPr lang="en-US" sz="1400" dirty="0"/>
+              <a:t>Individual head model .</a:t>
+            </a:r>
+            <a:r>
+              <a:rPr lang="en-US" sz="1400" dirty="0" err="1"/>
+              <a:t>mshs</a:t>
+            </a:r>
+            <a:endParaRPr lang="en-US" sz="1400" dirty="0"/>
+          </a:p>
+        </p:txBody>
+      </p:sp>
+      <p:sp>
+        <p:nvSpPr>
+          <p:cNvPr id="5" name="Rectangle 4">
+            <a:extLst>
+              <a:ext uri="{FF2B5EF4-FFF2-40B4-BE49-F238E27FC236}">
+                <a16:creationId xmlns:a16="http://schemas.microsoft.com/office/drawing/2014/main" id="{6A0D9DE5-1B35-0842-96A6-55B75C056574}"/>
+              </a:ext>
+            </a:extLst>
+          </p:cNvPr>
+          <p:cNvSpPr/>
+          <p:nvPr/>
+        </p:nvSpPr>
+        <p:spPr>
+          <a:xfrm>
+            <a:off x="8756445" y="517588"/>
+            <a:ext cx="2775858" cy="5953451"/>
+          </a:xfrm>
+          <a:prstGeom prst="rect">
+            <a:avLst/>
+          </a:prstGeom>
+          <a:noFill/>
+          <a:ln w="28575">
+            <a:solidFill>
+              <a:schemeClr val="tx1"/>
+            </a:solidFill>
+            <a:prstDash val="sysDot"/>
+          </a:ln>
+          <a:effectLst/>
+        </p:spPr>
+        <p:style>
+          <a:lnRef idx="1">
+            <a:schemeClr val="accent1"/>
+          </a:lnRef>
+          <a:fillRef idx="3">
+            <a:schemeClr val="accent1"/>
+          </a:fillRef>
+          <a:effectRef idx="2">
+            <a:schemeClr val="accent1"/>
+          </a:effectRef>
+          <a:fontRef idx="minor">
+            <a:schemeClr val="lt1"/>
+          </a:fontRef>
+        </p:style>
+        <p:txBody>
+          <a:bodyPr rtlCol="0" anchor="t"/>
+          <a:lstStyle/>
+          <a:p>
+            <a:pPr algn="ctr"/>
+            <a:endParaRPr lang="en-US" sz="1200" dirty="0">
+              <a:solidFill>
+                <a:schemeClr val="tx1"/>
+              </a:solidFill>
+            </a:endParaRPr>
+          </a:p>
+        </p:txBody>
+      </p:sp>
+      <p:sp>
+        <p:nvSpPr>
+          <p:cNvPr id="6" name="Rectangle 5">
+            <a:extLst>
+              <a:ext uri="{FF2B5EF4-FFF2-40B4-BE49-F238E27FC236}">
+                <a16:creationId xmlns:a16="http://schemas.microsoft.com/office/drawing/2014/main" id="{121E5FDD-CD9E-F744-A864-6580FD69F7D0}"/>
+              </a:ext>
+            </a:extLst>
+          </p:cNvPr>
+          <p:cNvSpPr/>
+          <p:nvPr/>
+        </p:nvSpPr>
+        <p:spPr>
+          <a:xfrm>
+            <a:off x="9310203" y="606914"/>
+            <a:ext cx="1668342" cy="400110"/>
+          </a:xfrm>
+          <a:prstGeom prst="rect">
+            <a:avLst/>
+          </a:prstGeom>
+          <a:effectLst/>
+        </p:spPr>
+        <p:txBody>
+          <a:bodyPr wrap="none">
+            <a:spAutoFit/>
+          </a:bodyPr>
+          <a:lstStyle/>
+          <a:p>
+            <a:pPr algn="ctr"/>
+            <a:r>
+              <a:rPr lang="en-US" sz="2000" b="1" u="sng" dirty="0"/>
+              <a:t>Subject folder</a:t>
+            </a:r>
+          </a:p>
+        </p:txBody>
+      </p:sp>
+      <p:sp>
+        <p:nvSpPr>
+          <p:cNvPr id="7" name="Rectangle 6">
+            <a:extLst>
+              <a:ext uri="{FF2B5EF4-FFF2-40B4-BE49-F238E27FC236}">
+                <a16:creationId xmlns:a16="http://schemas.microsoft.com/office/drawing/2014/main" id="{EA65AD1B-3C27-2844-9DCB-EAE524429CA9}"/>
+              </a:ext>
+            </a:extLst>
+          </p:cNvPr>
+          <p:cNvSpPr/>
+          <p:nvPr/>
+        </p:nvSpPr>
+        <p:spPr>
+          <a:xfrm>
+            <a:off x="9129967" y="1133140"/>
+            <a:ext cx="2016407" cy="307777"/>
+          </a:xfrm>
+          <a:prstGeom prst="rect">
+            <a:avLst/>
+          </a:prstGeom>
+          <a:solidFill>
+            <a:schemeClr val="accent2">
+              <a:lumMod val="20000"/>
+              <a:lumOff val="80000"/>
+            </a:schemeClr>
+          </a:solidFill>
+          <a:ln w="38100">
+            <a:solidFill>
+              <a:schemeClr val="tx1"/>
+            </a:solidFill>
+          </a:ln>
+          <a:effectLst/>
+        </p:spPr>
+        <p:txBody>
+          <a:bodyPr wrap="square">
+            <a:spAutoFit/>
+          </a:bodyPr>
+          <a:lstStyle/>
+          <a:p>
+            <a:pPr algn="ctr"/>
+            <a:r>
+              <a:rPr lang="en-US" sz="1400" dirty="0"/>
+              <a:t>.</a:t>
+            </a:r>
+            <a:r>
+              <a:rPr lang="en-US" sz="1400" dirty="0" err="1"/>
+              <a:t>nirs</a:t>
+            </a:r>
+            <a:r>
+              <a:rPr lang="en-US" sz="1400" dirty="0"/>
+              <a:t> </a:t>
+            </a:r>
+          </a:p>
+        </p:txBody>
+      </p:sp>
+      <p:sp>
+        <p:nvSpPr>
+          <p:cNvPr id="8" name="Rectangle 7">
+            <a:extLst>
+              <a:ext uri="{FF2B5EF4-FFF2-40B4-BE49-F238E27FC236}">
+                <a16:creationId xmlns:a16="http://schemas.microsoft.com/office/drawing/2014/main" id="{96D81A0E-202B-5C4A-AD78-5E683BB91210}"/>
+              </a:ext>
+            </a:extLst>
+          </p:cNvPr>
+          <p:cNvSpPr/>
+          <p:nvPr/>
+        </p:nvSpPr>
+        <p:spPr>
+          <a:xfrm>
+            <a:off x="9129967" y="1584915"/>
+            <a:ext cx="2016407" cy="307777"/>
+          </a:xfrm>
+          <a:prstGeom prst="rect">
+            <a:avLst/>
+          </a:prstGeom>
+          <a:solidFill>
+            <a:schemeClr val="accent2">
+              <a:lumMod val="20000"/>
+              <a:lumOff val="80000"/>
+            </a:schemeClr>
+          </a:solidFill>
+          <a:ln w="38100">
+            <a:solidFill>
+              <a:schemeClr val="tx1"/>
+            </a:solidFill>
+          </a:ln>
+          <a:effectLst/>
+        </p:spPr>
+        <p:txBody>
+          <a:bodyPr wrap="square">
+            <a:spAutoFit/>
+          </a:bodyPr>
+          <a:lstStyle/>
+          <a:p>
+            <a:pPr algn="ctr"/>
+            <a:r>
+              <a:rPr lang="en-US" sz="1400" dirty="0"/>
+              <a:t>.SD3D </a:t>
+            </a:r>
+          </a:p>
+        </p:txBody>
+      </p:sp>
+      <p:sp>
+        <p:nvSpPr>
+          <p:cNvPr id="9" name="Rectangle 8">
+            <a:extLst>
+              <a:ext uri="{FF2B5EF4-FFF2-40B4-BE49-F238E27FC236}">
+                <a16:creationId xmlns:a16="http://schemas.microsoft.com/office/drawing/2014/main" id="{F9CE3692-F21D-F14B-B3A8-78AB98A96361}"/>
+              </a:ext>
+            </a:extLst>
+          </p:cNvPr>
+          <p:cNvSpPr/>
+          <p:nvPr/>
+        </p:nvSpPr>
+        <p:spPr>
+          <a:xfrm>
+            <a:off x="9259676" y="2043172"/>
+            <a:ext cx="1748490" cy="1090486"/>
+          </a:xfrm>
+          <a:prstGeom prst="rect">
+            <a:avLst/>
+          </a:prstGeom>
+          <a:noFill/>
+          <a:ln w="38100">
+            <a:solidFill>
+              <a:schemeClr val="tx1"/>
+            </a:solidFill>
+            <a:prstDash val="sysDash"/>
+          </a:ln>
+          <a:effectLst/>
+        </p:spPr>
+        <p:style>
+          <a:lnRef idx="1">
+            <a:schemeClr val="accent1"/>
+          </a:lnRef>
+          <a:fillRef idx="3">
+            <a:schemeClr val="accent1"/>
+          </a:fillRef>
+          <a:effectRef idx="2">
+            <a:schemeClr val="accent1"/>
+          </a:effectRef>
+          <a:fontRef idx="minor">
+            <a:schemeClr val="lt1"/>
+          </a:fontRef>
+        </p:style>
+        <p:txBody>
+          <a:bodyPr rtlCol="0" anchor="ctr"/>
+          <a:lstStyle/>
+          <a:p>
+            <a:pPr algn="ctr"/>
+            <a:r>
+              <a:rPr lang="en-US" sz="1200" b="1" dirty="0">
+                <a:solidFill>
+                  <a:schemeClr val="tx1"/>
+                </a:solidFill>
+              </a:rPr>
+              <a:t>Subject#.mshs</a:t>
+            </a:r>
+            <a:br>
+              <a:rPr lang="en-US" sz="1200" dirty="0">
+                <a:solidFill>
+                  <a:schemeClr val="tx1"/>
+                </a:solidFill>
+              </a:rPr>
+            </a:br>
+            <a:r>
+              <a:rPr lang="en-US" sz="900" dirty="0" err="1">
+                <a:solidFill>
+                  <a:schemeClr val="tx1"/>
+                </a:solidFill>
+              </a:rPr>
+              <a:t>HeadVolumeMesh</a:t>
+            </a:r>
+            <a:endParaRPr lang="en-US" sz="900" dirty="0">
+              <a:solidFill>
+                <a:schemeClr val="tx1"/>
+              </a:solidFill>
+            </a:endParaRPr>
+          </a:p>
+          <a:p>
+            <a:pPr algn="ctr"/>
+            <a:r>
+              <a:rPr lang="en-US" sz="900" dirty="0" err="1">
+                <a:solidFill>
+                  <a:schemeClr val="tx1"/>
+                </a:solidFill>
+              </a:rPr>
+              <a:t>GMSurfaceMesh</a:t>
+            </a:r>
+            <a:endParaRPr lang="en-US" sz="900" dirty="0">
+              <a:solidFill>
+                <a:schemeClr val="tx1"/>
+              </a:solidFill>
+            </a:endParaRPr>
+          </a:p>
+          <a:p>
+            <a:pPr algn="ctr"/>
+            <a:r>
+              <a:rPr lang="en-US" sz="900" dirty="0" err="1">
+                <a:solidFill>
+                  <a:schemeClr val="tx1"/>
+                </a:solidFill>
+              </a:rPr>
+              <a:t>ScalpSurfaceMesh</a:t>
+            </a:r>
+            <a:endParaRPr lang="en-US" sz="900" dirty="0">
+              <a:solidFill>
+                <a:schemeClr val="tx1"/>
+              </a:solidFill>
+            </a:endParaRPr>
+          </a:p>
+          <a:p>
+            <a:pPr algn="ctr"/>
+            <a:r>
+              <a:rPr lang="en-US" sz="900" dirty="0">
+                <a:solidFill>
+                  <a:schemeClr val="tx1"/>
+                </a:solidFill>
+              </a:rPr>
+              <a:t>landmarks</a:t>
+            </a:r>
+          </a:p>
+          <a:p>
+            <a:pPr algn="ctr"/>
+            <a:r>
+              <a:rPr lang="en-US" sz="900" dirty="0">
+                <a:solidFill>
+                  <a:schemeClr val="tx1"/>
+                </a:solidFill>
+              </a:rPr>
+              <a:t>vol2gm</a:t>
+            </a:r>
+          </a:p>
+        </p:txBody>
+      </p:sp>
+      <p:sp>
+        <p:nvSpPr>
+          <p:cNvPr id="10" name="Rectangle 9">
+            <a:extLst>
+              <a:ext uri="{FF2B5EF4-FFF2-40B4-BE49-F238E27FC236}">
+                <a16:creationId xmlns:a16="http://schemas.microsoft.com/office/drawing/2014/main" id="{1664CBF5-0EAC-2844-88DD-24679F894F05}"/>
+              </a:ext>
+            </a:extLst>
+          </p:cNvPr>
+          <p:cNvSpPr/>
+          <p:nvPr/>
+        </p:nvSpPr>
+        <p:spPr>
+          <a:xfrm>
+            <a:off x="2816288" y="517588"/>
+            <a:ext cx="2775858" cy="5953451"/>
+          </a:xfrm>
+          <a:prstGeom prst="rect">
+            <a:avLst/>
+          </a:prstGeom>
+          <a:noFill/>
+          <a:ln w="28575">
+            <a:solidFill>
+              <a:schemeClr val="tx1"/>
+            </a:solidFill>
+            <a:prstDash val="sysDot"/>
+          </a:ln>
+          <a:effectLst/>
+        </p:spPr>
+        <p:style>
+          <a:lnRef idx="1">
+            <a:schemeClr val="accent1"/>
+          </a:lnRef>
+          <a:fillRef idx="3">
+            <a:schemeClr val="accent1"/>
+          </a:fillRef>
+          <a:effectRef idx="2">
+            <a:schemeClr val="accent1"/>
+          </a:effectRef>
+          <a:fontRef idx="minor">
+            <a:schemeClr val="lt1"/>
+          </a:fontRef>
+        </p:style>
+        <p:txBody>
+          <a:bodyPr rtlCol="0" anchor="t"/>
+          <a:lstStyle/>
+          <a:p>
+            <a:pPr algn="ctr"/>
+            <a:endParaRPr lang="en-US" sz="1200" dirty="0">
+              <a:solidFill>
+                <a:schemeClr val="tx1"/>
+              </a:solidFill>
+            </a:endParaRPr>
+          </a:p>
+        </p:txBody>
+      </p:sp>
+      <p:sp>
+        <p:nvSpPr>
+          <p:cNvPr id="11" name="Rectangle 10">
+            <a:extLst>
+              <a:ext uri="{FF2B5EF4-FFF2-40B4-BE49-F238E27FC236}">
+                <a16:creationId xmlns:a16="http://schemas.microsoft.com/office/drawing/2014/main" id="{EB256E60-9EEA-7946-9D02-3FFA8866EB7A}"/>
+              </a:ext>
+            </a:extLst>
+          </p:cNvPr>
+          <p:cNvSpPr/>
+          <p:nvPr/>
+        </p:nvSpPr>
+        <p:spPr>
+          <a:xfrm>
+            <a:off x="3026173" y="606914"/>
+            <a:ext cx="2356094" cy="400110"/>
+          </a:xfrm>
+          <a:prstGeom prst="rect">
+            <a:avLst/>
+          </a:prstGeom>
+          <a:effectLst/>
+        </p:spPr>
+        <p:txBody>
+          <a:bodyPr wrap="none">
+            <a:spAutoFit/>
+          </a:bodyPr>
+          <a:lstStyle/>
+          <a:p>
+            <a:pPr algn="ctr"/>
+            <a:r>
+              <a:rPr lang="en-US" sz="2000" b="1" u="sng" dirty="0"/>
+              <a:t>Group folder / other</a:t>
+            </a:r>
+          </a:p>
+        </p:txBody>
+      </p:sp>
+      <p:sp>
+        <p:nvSpPr>
+          <p:cNvPr id="16" name="Rectangle 15">
+            <a:extLst>
+              <a:ext uri="{FF2B5EF4-FFF2-40B4-BE49-F238E27FC236}">
+                <a16:creationId xmlns:a16="http://schemas.microsoft.com/office/drawing/2014/main" id="{8E956AAF-925A-0748-B51B-85C58D4F7755}"/>
+              </a:ext>
+            </a:extLst>
+          </p:cNvPr>
+          <p:cNvSpPr/>
+          <p:nvPr/>
+        </p:nvSpPr>
+        <p:spPr>
+          <a:xfrm>
+            <a:off x="9164692" y="4590588"/>
+            <a:ext cx="2016407" cy="307777"/>
+          </a:xfrm>
+          <a:prstGeom prst="rect">
+            <a:avLst/>
+          </a:prstGeom>
+          <a:solidFill>
+            <a:schemeClr val="accent2">
+              <a:lumMod val="20000"/>
+              <a:lumOff val="80000"/>
+            </a:schemeClr>
+          </a:solidFill>
+          <a:ln w="38100">
+            <a:solidFill>
+              <a:schemeClr val="tx1"/>
+            </a:solidFill>
+          </a:ln>
+          <a:effectLst/>
+        </p:spPr>
+        <p:txBody>
+          <a:bodyPr wrap="square">
+            <a:spAutoFit/>
+          </a:bodyPr>
+          <a:lstStyle/>
+          <a:p>
+            <a:pPr algn="ctr"/>
+            <a:r>
+              <a:rPr lang="en-US" sz="1400" dirty="0"/>
+              <a:t>.</a:t>
+            </a:r>
+            <a:r>
+              <a:rPr lang="en-US" sz="1400" dirty="0" err="1"/>
+              <a:t>rmap</a:t>
+            </a:r>
+            <a:endParaRPr lang="en-US" sz="1400" dirty="0"/>
+          </a:p>
+        </p:txBody>
+      </p:sp>
+      <p:sp>
+        <p:nvSpPr>
+          <p:cNvPr id="17" name="Rectangle 16">
+            <a:extLst>
+              <a:ext uri="{FF2B5EF4-FFF2-40B4-BE49-F238E27FC236}">
+                <a16:creationId xmlns:a16="http://schemas.microsoft.com/office/drawing/2014/main" id="{39D79005-C1D2-6C46-A67F-FDDBE9F6BF7D}"/>
+              </a:ext>
+            </a:extLst>
+          </p:cNvPr>
+          <p:cNvSpPr/>
+          <p:nvPr/>
+        </p:nvSpPr>
+        <p:spPr>
+          <a:xfrm>
+            <a:off x="9164692" y="5042363"/>
+            <a:ext cx="2016407" cy="307777"/>
+          </a:xfrm>
+          <a:prstGeom prst="rect">
+            <a:avLst/>
+          </a:prstGeom>
+          <a:solidFill>
+            <a:schemeClr val="accent2">
+              <a:lumMod val="20000"/>
+              <a:lumOff val="80000"/>
+            </a:schemeClr>
+          </a:solidFill>
+          <a:ln w="38100">
+            <a:solidFill>
+              <a:schemeClr val="tx1"/>
+            </a:solidFill>
+          </a:ln>
+          <a:effectLst/>
+        </p:spPr>
+        <p:txBody>
+          <a:bodyPr wrap="square">
+            <a:spAutoFit/>
+          </a:bodyPr>
+          <a:lstStyle/>
+          <a:p>
+            <a:pPr algn="ctr"/>
+            <a:r>
+              <a:rPr lang="en-US" sz="1400" dirty="0"/>
+              <a:t>.</a:t>
+            </a:r>
+            <a:r>
+              <a:rPr lang="en-US" sz="1400" dirty="0" err="1"/>
+              <a:t>jac</a:t>
+            </a:r>
+            <a:endParaRPr lang="en-US" sz="1400" dirty="0"/>
+          </a:p>
+        </p:txBody>
+      </p:sp>
+      <p:sp>
+        <p:nvSpPr>
+          <p:cNvPr id="18" name="Rectangle 17">
+            <a:extLst>
+              <a:ext uri="{FF2B5EF4-FFF2-40B4-BE49-F238E27FC236}">
+                <a16:creationId xmlns:a16="http://schemas.microsoft.com/office/drawing/2014/main" id="{5671EC4E-FC82-224D-B1EB-4450AC3169A8}"/>
+              </a:ext>
+            </a:extLst>
+          </p:cNvPr>
+          <p:cNvSpPr/>
+          <p:nvPr/>
+        </p:nvSpPr>
+        <p:spPr>
+          <a:xfrm>
+            <a:off x="9164691" y="5482738"/>
+            <a:ext cx="2016407" cy="307777"/>
+          </a:xfrm>
+          <a:prstGeom prst="rect">
+            <a:avLst/>
+          </a:prstGeom>
+          <a:solidFill>
+            <a:schemeClr val="accent2">
+              <a:lumMod val="20000"/>
+              <a:lumOff val="80000"/>
+            </a:schemeClr>
+          </a:solidFill>
+          <a:ln w="38100">
+            <a:solidFill>
+              <a:schemeClr val="tx1"/>
+            </a:solidFill>
+          </a:ln>
+          <a:effectLst/>
+        </p:spPr>
+        <p:txBody>
+          <a:bodyPr wrap="square">
+            <a:spAutoFit/>
+          </a:bodyPr>
+          <a:lstStyle/>
+          <a:p>
+            <a:pPr algn="ctr"/>
+            <a:r>
+              <a:rPr lang="en-US" sz="1400" dirty="0"/>
+              <a:t>.</a:t>
+            </a:r>
+            <a:r>
+              <a:rPr lang="en-US" sz="1400" dirty="0" err="1"/>
+              <a:t>invjac</a:t>
+            </a:r>
+            <a:endParaRPr lang="en-US" sz="1400" dirty="0"/>
+          </a:p>
+        </p:txBody>
+      </p:sp>
+      <p:sp>
+        <p:nvSpPr>
+          <p:cNvPr id="19" name="Rectangle 18">
+            <a:extLst>
+              <a:ext uri="{FF2B5EF4-FFF2-40B4-BE49-F238E27FC236}">
+                <a16:creationId xmlns:a16="http://schemas.microsoft.com/office/drawing/2014/main" id="{9F47F780-2BEF-F748-80B1-C802E5CDCA8C}"/>
+              </a:ext>
+            </a:extLst>
+          </p:cNvPr>
+          <p:cNvSpPr/>
+          <p:nvPr/>
+        </p:nvSpPr>
+        <p:spPr>
+          <a:xfrm>
+            <a:off x="9164691" y="5923113"/>
+            <a:ext cx="2016407" cy="307777"/>
+          </a:xfrm>
+          <a:prstGeom prst="rect">
+            <a:avLst/>
+          </a:prstGeom>
+          <a:solidFill>
+            <a:schemeClr val="accent2">
+              <a:lumMod val="20000"/>
+              <a:lumOff val="80000"/>
+            </a:schemeClr>
+          </a:solidFill>
+          <a:ln w="38100">
+            <a:solidFill>
+              <a:schemeClr val="tx1"/>
+            </a:solidFill>
+          </a:ln>
+          <a:effectLst/>
+        </p:spPr>
+        <p:txBody>
+          <a:bodyPr wrap="square">
+            <a:spAutoFit/>
+          </a:bodyPr>
+          <a:lstStyle/>
+          <a:p>
+            <a:pPr algn="ctr"/>
+            <a:r>
+              <a:rPr lang="en-US" sz="1400" dirty="0"/>
+              <a:t>.</a:t>
+            </a:r>
+            <a:r>
+              <a:rPr lang="en-US" sz="1400" dirty="0" err="1"/>
+              <a:t>dotimg</a:t>
+            </a:r>
+            <a:endParaRPr lang="en-US" sz="1400" dirty="0"/>
+          </a:p>
+        </p:txBody>
+      </p:sp>
+      <p:sp>
+        <p:nvSpPr>
+          <p:cNvPr id="20" name="Rectangle 19">
+            <a:extLst>
+              <a:ext uri="{FF2B5EF4-FFF2-40B4-BE49-F238E27FC236}">
+                <a16:creationId xmlns:a16="http://schemas.microsoft.com/office/drawing/2014/main" id="{F76919EB-8677-3042-870D-992D0FC01213}"/>
+              </a:ext>
+            </a:extLst>
+          </p:cNvPr>
+          <p:cNvSpPr/>
+          <p:nvPr/>
+        </p:nvSpPr>
+        <p:spPr>
+          <a:xfrm>
+            <a:off x="6016045" y="2720240"/>
+            <a:ext cx="2250000" cy="374514"/>
+          </a:xfrm>
+          <a:prstGeom prst="rect">
+            <a:avLst/>
+          </a:prstGeom>
+          <a:solidFill>
+            <a:srgbClr val="92D050"/>
+          </a:solidFill>
+          <a:effectLst/>
+        </p:spPr>
+        <p:style>
+          <a:lnRef idx="1">
+            <a:schemeClr val="accent1"/>
+          </a:lnRef>
+          <a:fillRef idx="3">
+            <a:schemeClr val="accent1"/>
+          </a:fillRef>
+          <a:effectRef idx="2">
+            <a:schemeClr val="accent1"/>
+          </a:effectRef>
+          <a:fontRef idx="minor">
+            <a:schemeClr val="lt1"/>
+          </a:fontRef>
+        </p:style>
+        <p:txBody>
+          <a:bodyPr rtlCol="0" anchor="ctr"/>
+          <a:lstStyle/>
+          <a:p>
+            <a:pPr algn="ctr"/>
+            <a:r>
+              <a:rPr lang="en-US" sz="1200" b="1" dirty="0" err="1">
+                <a:solidFill>
+                  <a:schemeClr val="tx1"/>
+                </a:solidFill>
+              </a:rPr>
+              <a:t>DOTHUB_meshRegistration</a:t>
+            </a:r>
+            <a:endParaRPr lang="en-US" sz="1200" b="1" dirty="0">
+              <a:solidFill>
+                <a:schemeClr val="tx1"/>
+              </a:solidFill>
+            </a:endParaRPr>
+          </a:p>
+        </p:txBody>
+      </p:sp>
+      <p:sp>
+        <p:nvSpPr>
+          <p:cNvPr id="21" name="Rectangle 20">
+            <a:extLst>
+              <a:ext uri="{FF2B5EF4-FFF2-40B4-BE49-F238E27FC236}">
+                <a16:creationId xmlns:a16="http://schemas.microsoft.com/office/drawing/2014/main" id="{FB861A23-9EF3-0944-9104-EA65EC94996A}"/>
+              </a:ext>
+            </a:extLst>
+          </p:cNvPr>
+          <p:cNvSpPr/>
+          <p:nvPr/>
+        </p:nvSpPr>
+        <p:spPr>
+          <a:xfrm>
+            <a:off x="6016044" y="3137846"/>
+            <a:ext cx="2250000" cy="374514"/>
+          </a:xfrm>
+          <a:prstGeom prst="rect">
+            <a:avLst/>
+          </a:prstGeom>
+          <a:solidFill>
+            <a:srgbClr val="92D050"/>
+          </a:solidFill>
+          <a:effectLst/>
+        </p:spPr>
+        <p:style>
+          <a:lnRef idx="1">
+            <a:schemeClr val="accent1"/>
+          </a:lnRef>
+          <a:fillRef idx="3">
+            <a:schemeClr val="accent1"/>
+          </a:fillRef>
+          <a:effectRef idx="2">
+            <a:schemeClr val="accent1"/>
+          </a:effectRef>
+          <a:fontRef idx="minor">
+            <a:schemeClr val="lt1"/>
+          </a:fontRef>
+        </p:style>
+        <p:txBody>
+          <a:bodyPr rtlCol="0" anchor="ctr"/>
+          <a:lstStyle/>
+          <a:p>
+            <a:pPr algn="ctr"/>
+            <a:r>
+              <a:rPr lang="en-US" sz="1200" b="1" dirty="0" err="1">
+                <a:solidFill>
+                  <a:schemeClr val="tx1"/>
+                </a:solidFill>
+              </a:rPr>
+              <a:t>DOTHUB_makeToastJacobian</a:t>
+            </a:r>
+            <a:endParaRPr lang="en-US" sz="1200" b="1" dirty="0">
+              <a:solidFill>
+                <a:schemeClr val="tx1"/>
+              </a:solidFill>
+            </a:endParaRPr>
+          </a:p>
+        </p:txBody>
+      </p:sp>
+      <p:sp>
+        <p:nvSpPr>
+          <p:cNvPr id="22" name="Rectangle 21">
+            <a:extLst>
+              <a:ext uri="{FF2B5EF4-FFF2-40B4-BE49-F238E27FC236}">
+                <a16:creationId xmlns:a16="http://schemas.microsoft.com/office/drawing/2014/main" id="{F3B77052-5CF0-D848-BB87-BC1FD6310D2A}"/>
+              </a:ext>
+            </a:extLst>
+          </p:cNvPr>
+          <p:cNvSpPr/>
+          <p:nvPr/>
+        </p:nvSpPr>
+        <p:spPr>
+          <a:xfrm>
+            <a:off x="6016045" y="3555452"/>
+            <a:ext cx="2250000" cy="374514"/>
+          </a:xfrm>
+          <a:prstGeom prst="rect">
+            <a:avLst/>
+          </a:prstGeom>
+          <a:solidFill>
+            <a:srgbClr val="92D050"/>
+          </a:solidFill>
+          <a:effectLst/>
+        </p:spPr>
+        <p:style>
+          <a:lnRef idx="1">
+            <a:schemeClr val="accent1"/>
+          </a:lnRef>
+          <a:fillRef idx="3">
+            <a:schemeClr val="accent1"/>
+          </a:fillRef>
+          <a:effectRef idx="2">
+            <a:schemeClr val="accent1"/>
+          </a:effectRef>
+          <a:fontRef idx="minor">
+            <a:schemeClr val="lt1"/>
+          </a:fontRef>
+        </p:style>
+        <p:txBody>
+          <a:bodyPr rtlCol="0" anchor="ctr"/>
+          <a:lstStyle/>
+          <a:p>
+            <a:pPr algn="ctr"/>
+            <a:r>
+              <a:rPr lang="en-US" sz="1200" b="1" dirty="0" err="1">
+                <a:solidFill>
+                  <a:schemeClr val="tx1"/>
+                </a:solidFill>
+              </a:rPr>
+              <a:t>DOTHUB_invertJacobian</a:t>
+            </a:r>
+            <a:endParaRPr lang="en-US" sz="1200" b="1" dirty="0">
+              <a:solidFill>
+                <a:schemeClr val="tx1"/>
+              </a:solidFill>
+            </a:endParaRPr>
+          </a:p>
+        </p:txBody>
+      </p:sp>
+      <p:sp>
+        <p:nvSpPr>
+          <p:cNvPr id="23" name="Rectangle 22">
+            <a:extLst>
+              <a:ext uri="{FF2B5EF4-FFF2-40B4-BE49-F238E27FC236}">
+                <a16:creationId xmlns:a16="http://schemas.microsoft.com/office/drawing/2014/main" id="{FFCD128E-D91C-364F-A27E-F75577B5697A}"/>
+              </a:ext>
+            </a:extLst>
+          </p:cNvPr>
+          <p:cNvSpPr/>
+          <p:nvPr/>
+        </p:nvSpPr>
+        <p:spPr>
+          <a:xfrm>
+            <a:off x="6016044" y="2267694"/>
+            <a:ext cx="2250000" cy="409454"/>
+          </a:xfrm>
+          <a:prstGeom prst="rect">
+            <a:avLst/>
+          </a:prstGeom>
+          <a:solidFill>
+            <a:srgbClr val="92D050"/>
+          </a:solidFill>
+          <a:effectLst/>
+        </p:spPr>
+        <p:style>
+          <a:lnRef idx="1">
+            <a:schemeClr val="accent1"/>
+          </a:lnRef>
+          <a:fillRef idx="3">
+            <a:schemeClr val="accent1"/>
+          </a:fillRef>
+          <a:effectRef idx="2">
+            <a:schemeClr val="accent1"/>
+          </a:effectRef>
+          <a:fontRef idx="minor">
+            <a:schemeClr val="lt1"/>
+          </a:fontRef>
+        </p:style>
+        <p:txBody>
+          <a:bodyPr rtlCol="0" anchor="ctr"/>
+          <a:lstStyle/>
+          <a:p>
+            <a:pPr algn="ctr"/>
+            <a:r>
+              <a:rPr lang="en-US" sz="1200" b="1" dirty="0" err="1">
+                <a:solidFill>
+                  <a:schemeClr val="tx1"/>
+                </a:solidFill>
+              </a:rPr>
+              <a:t>DOTHUB_runHomerPrepro</a:t>
+            </a:r>
+            <a:endParaRPr lang="en-US" sz="1200" b="1" dirty="0">
+              <a:solidFill>
+                <a:schemeClr val="tx1"/>
+              </a:solidFill>
+            </a:endParaRPr>
+          </a:p>
+        </p:txBody>
+      </p:sp>
+      <p:sp>
+        <p:nvSpPr>
+          <p:cNvPr id="24" name="Rectangle 23">
+            <a:extLst>
+              <a:ext uri="{FF2B5EF4-FFF2-40B4-BE49-F238E27FC236}">
+                <a16:creationId xmlns:a16="http://schemas.microsoft.com/office/drawing/2014/main" id="{622103C7-D919-7445-BB61-1E3AD39778E0}"/>
+              </a:ext>
+            </a:extLst>
+          </p:cNvPr>
+          <p:cNvSpPr/>
+          <p:nvPr/>
+        </p:nvSpPr>
+        <p:spPr>
+          <a:xfrm>
+            <a:off x="6016044" y="3973058"/>
+            <a:ext cx="2250000" cy="374514"/>
+          </a:xfrm>
+          <a:prstGeom prst="rect">
+            <a:avLst/>
+          </a:prstGeom>
+          <a:solidFill>
+            <a:srgbClr val="92D050"/>
+          </a:solidFill>
+          <a:effectLst/>
+        </p:spPr>
+        <p:style>
+          <a:lnRef idx="1">
+            <a:schemeClr val="accent1"/>
+          </a:lnRef>
+          <a:fillRef idx="3">
+            <a:schemeClr val="accent1"/>
+          </a:fillRef>
+          <a:effectRef idx="2">
+            <a:schemeClr val="accent1"/>
+          </a:effectRef>
+          <a:fontRef idx="minor">
+            <a:schemeClr val="lt1"/>
+          </a:fontRef>
+        </p:style>
+        <p:txBody>
+          <a:bodyPr rtlCol="0" anchor="ctr"/>
+          <a:lstStyle/>
+          <a:p>
+            <a:pPr algn="ctr"/>
+            <a:r>
+              <a:rPr lang="en-US" sz="1200" b="1" dirty="0" err="1">
+                <a:solidFill>
+                  <a:schemeClr val="tx1"/>
+                </a:solidFill>
+              </a:rPr>
+              <a:t>DOTHUB_reconstruction</a:t>
+            </a:r>
+            <a:endParaRPr lang="en-US" sz="1200" b="1" dirty="0">
+              <a:solidFill>
+                <a:schemeClr val="tx1"/>
+              </a:solidFill>
+            </a:endParaRPr>
+          </a:p>
+        </p:txBody>
+      </p:sp>
+      <p:sp>
+        <p:nvSpPr>
+          <p:cNvPr id="25" name="Rectangle 24">
+            <a:extLst>
+              <a:ext uri="{FF2B5EF4-FFF2-40B4-BE49-F238E27FC236}">
+                <a16:creationId xmlns:a16="http://schemas.microsoft.com/office/drawing/2014/main" id="{206401C9-00CB-F346-99B7-C496493FA29C}"/>
+              </a:ext>
+            </a:extLst>
+          </p:cNvPr>
+          <p:cNvSpPr/>
+          <p:nvPr/>
+        </p:nvSpPr>
+        <p:spPr>
+          <a:xfrm>
+            <a:off x="9164690" y="4138813"/>
+            <a:ext cx="2016407" cy="307777"/>
+          </a:xfrm>
+          <a:prstGeom prst="rect">
+            <a:avLst/>
+          </a:prstGeom>
+          <a:solidFill>
+            <a:schemeClr val="accent2">
+              <a:lumMod val="20000"/>
+              <a:lumOff val="80000"/>
+            </a:schemeClr>
+          </a:solidFill>
+          <a:ln w="38100">
+            <a:solidFill>
+              <a:schemeClr val="tx1"/>
+            </a:solidFill>
+          </a:ln>
+          <a:effectLst/>
+        </p:spPr>
+        <p:txBody>
+          <a:bodyPr wrap="square">
+            <a:spAutoFit/>
+          </a:bodyPr>
+          <a:lstStyle/>
+          <a:p>
+            <a:pPr algn="ctr"/>
+            <a:r>
+              <a:rPr lang="en-US" sz="1400" dirty="0"/>
+              <a:t>.</a:t>
+            </a:r>
+            <a:r>
+              <a:rPr lang="en-US" sz="1400" dirty="0" err="1"/>
+              <a:t>prepro</a:t>
+            </a:r>
+            <a:endParaRPr lang="en-US" sz="1400" dirty="0"/>
+          </a:p>
+        </p:txBody>
+      </p:sp>
+      <p:cxnSp>
+        <p:nvCxnSpPr>
+          <p:cNvPr id="27" name="Elbow Connector 26">
+            <a:extLst>
+              <a:ext uri="{FF2B5EF4-FFF2-40B4-BE49-F238E27FC236}">
+                <a16:creationId xmlns:a16="http://schemas.microsoft.com/office/drawing/2014/main" id="{E6A6E913-0BCB-5C41-AA4E-69D5E5B6AC87}"/>
+              </a:ext>
+            </a:extLst>
+          </p:cNvPr>
+          <p:cNvCxnSpPr>
+            <a:cxnSpLocks/>
+            <a:stCxn id="7" idx="1"/>
+            <a:endCxn id="29" idx="1"/>
+          </p:cNvCxnSpPr>
+          <p:nvPr/>
+        </p:nvCxnSpPr>
+        <p:spPr>
+          <a:xfrm rot="10800000" flipV="1">
+            <a:off x="6600399" y="1287028"/>
+            <a:ext cx="2529568" cy="761903"/>
+          </a:xfrm>
+          <a:prstGeom prst="bentConnector3">
+            <a:avLst>
+              <a:gd name="adj1" fmla="val 109037"/>
+            </a:avLst>
+          </a:prstGeom>
+          <a:ln>
+            <a:tailEnd type="triangle"/>
+          </a:ln>
+        </p:spPr>
+        <p:style>
+          <a:lnRef idx="1">
+            <a:schemeClr val="accent1"/>
+          </a:lnRef>
+          <a:fillRef idx="0">
+            <a:schemeClr val="accent1"/>
+          </a:fillRef>
+          <a:effectRef idx="0">
+            <a:schemeClr val="accent1"/>
+          </a:effectRef>
+          <a:fontRef idx="minor">
+            <a:schemeClr val="tx1"/>
+          </a:fontRef>
+        </p:style>
+      </p:cxnSp>
+      <p:sp>
+        <p:nvSpPr>
+          <p:cNvPr id="29" name="Rectangle 28">
+            <a:extLst>
+              <a:ext uri="{FF2B5EF4-FFF2-40B4-BE49-F238E27FC236}">
+                <a16:creationId xmlns:a16="http://schemas.microsoft.com/office/drawing/2014/main" id="{C48091F8-E78F-0A4F-BAD9-6BC8A165D3BC}"/>
+              </a:ext>
+            </a:extLst>
+          </p:cNvPr>
+          <p:cNvSpPr/>
+          <p:nvPr/>
+        </p:nvSpPr>
+        <p:spPr>
+          <a:xfrm>
+            <a:off x="6600399" y="1848877"/>
+            <a:ext cx="1043876" cy="400110"/>
+          </a:xfrm>
+          <a:prstGeom prst="rect">
+            <a:avLst/>
+          </a:prstGeom>
+          <a:effectLst/>
+        </p:spPr>
+        <p:txBody>
+          <a:bodyPr wrap="none">
+            <a:spAutoFit/>
+          </a:bodyPr>
+          <a:lstStyle/>
+          <a:p>
+            <a:pPr algn="ctr"/>
+            <a:r>
+              <a:rPr lang="en-US" sz="2000" b="1" u="sng" dirty="0"/>
+              <a:t>Pipeline</a:t>
+            </a:r>
+          </a:p>
+        </p:txBody>
+      </p:sp>
+      <p:cxnSp>
+        <p:nvCxnSpPr>
+          <p:cNvPr id="31" name="Elbow Connector 30">
+            <a:extLst>
+              <a:ext uri="{FF2B5EF4-FFF2-40B4-BE49-F238E27FC236}">
+                <a16:creationId xmlns:a16="http://schemas.microsoft.com/office/drawing/2014/main" id="{7A9230F8-B125-594B-BEEF-0CF195B19840}"/>
+              </a:ext>
+            </a:extLst>
+          </p:cNvPr>
+          <p:cNvCxnSpPr>
+            <a:cxnSpLocks/>
+            <a:stCxn id="8" idx="1"/>
+            <a:endCxn id="29" idx="0"/>
+          </p:cNvCxnSpPr>
+          <p:nvPr/>
+        </p:nvCxnSpPr>
+        <p:spPr>
+          <a:xfrm rot="10800000" flipV="1">
+            <a:off x="7122337" y="1738803"/>
+            <a:ext cx="2007630" cy="110073"/>
+          </a:xfrm>
+          <a:prstGeom prst="bentConnector2">
+            <a:avLst/>
+          </a:prstGeom>
+          <a:ln>
+            <a:tailEnd type="triangle"/>
+          </a:ln>
+        </p:spPr>
+        <p:style>
+          <a:lnRef idx="1">
+            <a:schemeClr val="accent1"/>
+          </a:lnRef>
+          <a:fillRef idx="0">
+            <a:schemeClr val="accent1"/>
+          </a:fillRef>
+          <a:effectRef idx="0">
+            <a:schemeClr val="accent1"/>
+          </a:effectRef>
+          <a:fontRef idx="minor">
+            <a:schemeClr val="tx1"/>
+          </a:fontRef>
+        </p:style>
+      </p:cxnSp>
+      <p:cxnSp>
+        <p:nvCxnSpPr>
+          <p:cNvPr id="34" name="Elbow Connector 33">
+            <a:extLst>
+              <a:ext uri="{FF2B5EF4-FFF2-40B4-BE49-F238E27FC236}">
+                <a16:creationId xmlns:a16="http://schemas.microsoft.com/office/drawing/2014/main" id="{F5D2219A-9069-FC4C-993C-513934378373}"/>
+              </a:ext>
+            </a:extLst>
+          </p:cNvPr>
+          <p:cNvCxnSpPr>
+            <a:cxnSpLocks/>
+            <a:stCxn id="9" idx="1"/>
+            <a:endCxn id="29" idx="3"/>
+          </p:cNvCxnSpPr>
+          <p:nvPr/>
+        </p:nvCxnSpPr>
+        <p:spPr>
+          <a:xfrm rot="10800000">
+            <a:off x="7644276" y="2048933"/>
+            <a:ext cx="1615401" cy="539483"/>
+          </a:xfrm>
+          <a:prstGeom prst="bentConnector3">
+            <a:avLst>
+              <a:gd name="adj1" fmla="val 50000"/>
+            </a:avLst>
+          </a:prstGeom>
+          <a:ln>
+            <a:tailEnd type="triangle"/>
+          </a:ln>
+        </p:spPr>
+        <p:style>
+          <a:lnRef idx="1">
+            <a:schemeClr val="accent1"/>
+          </a:lnRef>
+          <a:fillRef idx="0">
+            <a:schemeClr val="accent1"/>
+          </a:fillRef>
+          <a:effectRef idx="0">
+            <a:schemeClr val="accent1"/>
+          </a:effectRef>
+          <a:fontRef idx="minor">
+            <a:schemeClr val="tx1"/>
+          </a:fontRef>
+        </p:style>
+      </p:cxnSp>
+      <p:cxnSp>
+        <p:nvCxnSpPr>
+          <p:cNvPr id="40" name="Elbow Connector 39">
+            <a:extLst>
+              <a:ext uri="{FF2B5EF4-FFF2-40B4-BE49-F238E27FC236}">
+                <a16:creationId xmlns:a16="http://schemas.microsoft.com/office/drawing/2014/main" id="{767AC985-36B1-EF42-A766-63B09159D606}"/>
+              </a:ext>
+            </a:extLst>
+          </p:cNvPr>
+          <p:cNvCxnSpPr>
+            <a:cxnSpLocks/>
+            <a:stCxn id="24" idx="2"/>
+            <a:endCxn id="43" idx="1"/>
+          </p:cNvCxnSpPr>
+          <p:nvPr/>
+        </p:nvCxnSpPr>
+        <p:spPr>
+          <a:xfrm rot="16200000" flipH="1">
+            <a:off x="7603885" y="3884730"/>
+            <a:ext cx="804633" cy="1730315"/>
+          </a:xfrm>
+          <a:prstGeom prst="bentConnector2">
+            <a:avLst/>
+          </a:prstGeom>
+          <a:ln>
+            <a:tailEnd type="triangle"/>
+          </a:ln>
+        </p:spPr>
+        <p:style>
+          <a:lnRef idx="1">
+            <a:schemeClr val="accent1"/>
+          </a:lnRef>
+          <a:fillRef idx="0">
+            <a:schemeClr val="accent1"/>
+          </a:fillRef>
+          <a:effectRef idx="0">
+            <a:schemeClr val="accent1"/>
+          </a:effectRef>
+          <a:fontRef idx="minor">
+            <a:schemeClr val="tx1"/>
+          </a:fontRef>
+        </p:style>
+      </p:cxnSp>
+      <p:sp>
+        <p:nvSpPr>
+          <p:cNvPr id="43" name="Left Brace 42">
+            <a:extLst>
+              <a:ext uri="{FF2B5EF4-FFF2-40B4-BE49-F238E27FC236}">
+                <a16:creationId xmlns:a16="http://schemas.microsoft.com/office/drawing/2014/main" id="{A3AE47F3-A02D-DE46-BE07-9355384FB6C1}"/>
+              </a:ext>
+            </a:extLst>
+          </p:cNvPr>
+          <p:cNvSpPr/>
+          <p:nvPr/>
+        </p:nvSpPr>
+        <p:spPr>
+          <a:xfrm>
+            <a:off x="8871359" y="3973058"/>
+            <a:ext cx="316483" cy="2358294"/>
+          </a:xfrm>
+          <a:prstGeom prst="leftBrace">
+            <a:avLst/>
+          </a:prstGeom>
+        </p:spPr>
+        <p:style>
+          <a:lnRef idx="1">
+            <a:schemeClr val="accent1"/>
+          </a:lnRef>
+          <a:fillRef idx="0">
+            <a:schemeClr val="accent1"/>
+          </a:fillRef>
+          <a:effectRef idx="0">
+            <a:schemeClr val="accent1"/>
+          </a:effectRef>
+          <a:fontRef idx="minor">
+            <a:schemeClr val="tx1"/>
+          </a:fontRef>
+        </p:style>
+        <p:txBody>
+          <a:bodyPr rtlCol="0" anchor="ctr"/>
+          <a:lstStyle/>
+          <a:p>
+            <a:pPr algn="ctr"/>
+            <a:endParaRPr lang="en-US"/>
+          </a:p>
+        </p:txBody>
+      </p:sp>
+    </p:spTree>
+    <p:extLst>
+      <p:ext uri="{BB962C8B-B14F-4D97-AF65-F5344CB8AC3E}">
+        <p14:creationId xmlns:p14="http://schemas.microsoft.com/office/powerpoint/2010/main" val="231358774"/>
+      </p:ext>
+    </p:extLst>
+  </p:cSld>
+  <p:clrMapOvr>
+    <a:masterClrMapping/>
+  </p:clrMapOvr>
+</p:sld>
+</file>
+
+<file path=ppt/slides/slide3.xml><?xml version="1.0" encoding="utf-8"?>
+<p:sld xmlns:a="http://schemas.openxmlformats.org/drawingml/2006/main" xmlns:r="http://schemas.openxmlformats.org/officeDocument/2006/relationships" xmlns:p="http://schemas.openxmlformats.org/presentationml/2006/main">
+  <p:cSld>
+    <p:spTree>
+      <p:nvGrpSpPr>
+        <p:cNvPr id="1" name=""/>
+        <p:cNvGrpSpPr/>
+        <p:nvPr/>
+      </p:nvGrpSpPr>
+      <p:grpSpPr>
+        <a:xfrm>
+          <a:off x="0" y="0"/>
+          <a:ext cx="0" cy="0"/>
+          <a:chOff x="0" y="0"/>
+          <a:chExt cx="0" cy="0"/>
+        </a:xfrm>
+      </p:grpSpPr>
+      <p:sp>
+        <p:nvSpPr>
+          <p:cNvPr id="4" name="Rectangle 3">
+            <a:extLst>
+              <a:ext uri="{FF2B5EF4-FFF2-40B4-BE49-F238E27FC236}">
+                <a16:creationId xmlns:a16="http://schemas.microsoft.com/office/drawing/2014/main" id="{A8CDE512-E1CD-D84B-ADEF-5DB06109A95B}"/>
+              </a:ext>
+            </a:extLst>
+          </p:cNvPr>
+          <p:cNvSpPr/>
+          <p:nvPr/>
+        </p:nvSpPr>
+        <p:spPr>
+          <a:xfrm>
+            <a:off x="207281" y="129054"/>
+            <a:ext cx="6334837" cy="830997"/>
+          </a:xfrm>
+          <a:prstGeom prst="rect">
+            <a:avLst/>
+          </a:prstGeom>
+          <a:effectLst/>
+        </p:spPr>
+        <p:txBody>
+          <a:bodyPr wrap="square">
+            <a:spAutoFit/>
+          </a:bodyPr>
+          <a:lstStyle/>
+          <a:p>
+            <a:r>
+              <a:rPr lang="en-US" sz="2000" b="1" dirty="0"/>
               <a:t>Example Pipeline 2</a:t>
             </a:r>
           </a:p>
@@ -5951,7 +6232,7 @@
 </p:sld>
 </file>
 
-<file path=ppt/slides/slide3.xml><?xml version="1.0" encoding="utf-8"?>
+<file path=ppt/slides/slide4.xml><?xml version="1.0" encoding="utf-8"?>
 <p:sld xmlns:a="http://schemas.openxmlformats.org/drawingml/2006/main" xmlns:r="http://schemas.openxmlformats.org/officeDocument/2006/relationships" xmlns:p="http://schemas.openxmlformats.org/presentationml/2006/main">
   <p:cSld>
     <p:spTree>

--- a/ExamplePipelineStructures.pptx
+++ b/ExamplePipelineStructures.pptx
@@ -6,9 +6,10 @@
   </p:sldMasterIdLst>
   <p:sldIdLst>
     <p:sldId id="260" r:id="rId2"/>
-    <p:sldId id="257" r:id="rId3"/>
-    <p:sldId id="256" r:id="rId4"/>
-    <p:sldId id="259" r:id="rId5"/>
+    <p:sldId id="261" r:id="rId3"/>
+    <p:sldId id="262" r:id="rId4"/>
+    <p:sldId id="257" r:id="rId5"/>
+    <p:sldId id="259" r:id="rId6"/>
   </p:sldIdLst>
   <p:sldSz cx="12192000" cy="6858000"/>
   <p:notesSz cx="6858000" cy="9144000"/>
@@ -107,6 +108,11 @@
       </a:defRPr>
     </a:lvl9pPr>
   </p:defaultTextStyle>
+  <p:extLst>
+    <p:ext uri="{EFAFB233-063F-42B5-8137-9DF3F51BA10A}">
+      <p15:sldGuideLst xmlns:p15="http://schemas.microsoft.com/office/powerpoint/2012/main"/>
+    </p:ext>
+  </p:extLst>
 </p:presentation>
 </file>
 
@@ -257,7 +263,7 @@
           <a:p>
             <a:fld id="{CF9354AC-5820-594C-8514-CC65AE9229FA}" type="datetimeFigureOut">
               <a:rPr lang="en-US" smtClean="0"/>
-              <a:t>5/4/20</a:t>
+              <a:t>12/7/20</a:t>
             </a:fld>
             <a:endParaRPr lang="en-US"/>
           </a:p>
@@ -455,7 +461,7 @@
           <a:p>
             <a:fld id="{CF9354AC-5820-594C-8514-CC65AE9229FA}" type="datetimeFigureOut">
               <a:rPr lang="en-US" smtClean="0"/>
-              <a:t>5/4/20</a:t>
+              <a:t>12/7/20</a:t>
             </a:fld>
             <a:endParaRPr lang="en-US"/>
           </a:p>
@@ -663,7 +669,7 @@
           <a:p>
             <a:fld id="{CF9354AC-5820-594C-8514-CC65AE9229FA}" type="datetimeFigureOut">
               <a:rPr lang="en-US" smtClean="0"/>
-              <a:t>5/4/20</a:t>
+              <a:t>12/7/20</a:t>
             </a:fld>
             <a:endParaRPr lang="en-US"/>
           </a:p>
@@ -861,7 +867,7 @@
           <a:p>
             <a:fld id="{CF9354AC-5820-594C-8514-CC65AE9229FA}" type="datetimeFigureOut">
               <a:rPr lang="en-US" smtClean="0"/>
-              <a:t>5/4/20</a:t>
+              <a:t>12/7/20</a:t>
             </a:fld>
             <a:endParaRPr lang="en-US"/>
           </a:p>
@@ -1136,7 +1142,7 @@
           <a:p>
             <a:fld id="{CF9354AC-5820-594C-8514-CC65AE9229FA}" type="datetimeFigureOut">
               <a:rPr lang="en-US" smtClean="0"/>
-              <a:t>5/4/20</a:t>
+              <a:t>12/7/20</a:t>
             </a:fld>
             <a:endParaRPr lang="en-US"/>
           </a:p>
@@ -1401,7 +1407,7 @@
           <a:p>
             <a:fld id="{CF9354AC-5820-594C-8514-CC65AE9229FA}" type="datetimeFigureOut">
               <a:rPr lang="en-US" smtClean="0"/>
-              <a:t>5/4/20</a:t>
+              <a:t>12/7/20</a:t>
             </a:fld>
             <a:endParaRPr lang="en-US"/>
           </a:p>
@@ -1813,7 +1819,7 @@
           <a:p>
             <a:fld id="{CF9354AC-5820-594C-8514-CC65AE9229FA}" type="datetimeFigureOut">
               <a:rPr lang="en-US" smtClean="0"/>
-              <a:t>5/4/20</a:t>
+              <a:t>12/7/20</a:t>
             </a:fld>
             <a:endParaRPr lang="en-US"/>
           </a:p>
@@ -1954,7 +1960,7 @@
           <a:p>
             <a:fld id="{CF9354AC-5820-594C-8514-CC65AE9229FA}" type="datetimeFigureOut">
               <a:rPr lang="en-US" smtClean="0"/>
-              <a:t>5/4/20</a:t>
+              <a:t>12/7/20</a:t>
             </a:fld>
             <a:endParaRPr lang="en-US"/>
           </a:p>
@@ -2067,7 +2073,7 @@
           <a:p>
             <a:fld id="{CF9354AC-5820-594C-8514-CC65AE9229FA}" type="datetimeFigureOut">
               <a:rPr lang="en-US" smtClean="0"/>
-              <a:t>5/4/20</a:t>
+              <a:t>12/7/20</a:t>
             </a:fld>
             <a:endParaRPr lang="en-US"/>
           </a:p>
@@ -2378,7 +2384,7 @@
           <a:p>
             <a:fld id="{CF9354AC-5820-594C-8514-CC65AE9229FA}" type="datetimeFigureOut">
               <a:rPr lang="en-US" smtClean="0"/>
-              <a:t>5/4/20</a:t>
+              <a:t>12/7/20</a:t>
             </a:fld>
             <a:endParaRPr lang="en-US"/>
           </a:p>
@@ -2666,7 +2672,7 @@
           <a:p>
             <a:fld id="{CF9354AC-5820-594C-8514-CC65AE9229FA}" type="datetimeFigureOut">
               <a:rPr lang="en-US" smtClean="0"/>
-              <a:t>5/4/20</a:t>
+              <a:t>12/7/20</a:t>
             </a:fld>
             <a:endParaRPr lang="en-US"/>
           </a:p>
@@ -2907,7 +2913,7 @@
           <a:p>
             <a:fld id="{CF9354AC-5820-594C-8514-CC65AE9229FA}" type="datetimeFigureOut">
               <a:rPr lang="en-US" smtClean="0"/>
-              <a:t>5/4/20</a:t>
+              <a:t>12/7/20</a:t>
             </a:fld>
             <a:endParaRPr lang="en-US"/>
           </a:p>
@@ -3618,8 +3624,8 @@
         </p:nvSpPr>
         <p:spPr>
           <a:xfrm>
-            <a:off x="207281" y="129054"/>
-            <a:ext cx="6334837" cy="830997"/>
+            <a:off x="0" y="129054"/>
+            <a:ext cx="2606410" cy="1477328"/>
           </a:xfrm>
           <a:prstGeom prst="rect">
             <a:avLst/>
@@ -3634,7 +3640,7 @@
           <a:p>
             <a:r>
               <a:rPr lang="en-US" sz="2000" b="1" dirty="0"/>
-              <a:t>Example Pipeline 1</a:t>
+              <a:t>PipelineExample1.m</a:t>
             </a:r>
           </a:p>
           <a:p>
@@ -3644,7 +3650,7 @@
             </a:pPr>
             <a:r>
               <a:rPr lang="en-US" sz="1400" dirty="0"/>
-              <a:t>Individual positioning data</a:t>
+              <a:t>LUMO data</a:t>
             </a:r>
           </a:p>
           <a:p>
@@ -3654,12 +3660,20 @@
             </a:pPr>
             <a:r>
               <a:rPr lang="en-US" sz="1400" dirty="0"/>
-              <a:t>Individual head model .</a:t>
-            </a:r>
-            <a:r>
-              <a:rPr lang="en-US" sz="1400" dirty="0" err="1"/>
-              <a:t>mshs</a:t>
-            </a:r>
+              <a:t>No subject-specific positioning information</a:t>
+            </a:r>
+          </a:p>
+          <a:p>
+            <a:pPr marL="285750" indent="-285750">
+              <a:buFont typeface="Arial" panose="020B0604020202020204" pitchFamily="34" charset="0"/>
+              <a:buChar char="•"/>
+            </a:pPr>
+            <a:r>
+              <a:rPr lang="en-US" sz="1400" dirty="0"/>
+              <a:t>Atlas head model</a:t>
+            </a:r>
+          </a:p>
+          <a:p>
             <a:endParaRPr lang="en-US" sz="1400" dirty="0"/>
           </a:p>
         </p:txBody>
@@ -3798,15 +3812,7 @@
             <a:pPr algn="ctr"/>
             <a:r>
               <a:rPr lang="en-US" sz="1400" dirty="0"/>
-              <a:t>.</a:t>
-            </a:r>
-            <a:r>
-              <a:rPr lang="en-US" sz="1400" dirty="0" err="1"/>
-              <a:t>nirs</a:t>
-            </a:r>
-            <a:r>
-              <a:rPr lang="en-US" sz="1400" dirty="0"/>
-              <a:t> </a:t>
+              <a:t>.LUMO</a:t>
             </a:r>
           </a:p>
         </p:txBody>
@@ -3825,7 +3831,7 @@
         </p:nvSpPr>
         <p:spPr>
           <a:xfrm>
-            <a:off x="9129967" y="1584915"/>
+            <a:off x="9164689" y="3725992"/>
             <a:ext cx="2016407" cy="307777"/>
           </a:xfrm>
           <a:prstGeom prst="rect">
@@ -3872,7 +3878,7 @@
         </p:nvSpPr>
         <p:spPr>
           <a:xfrm>
-            <a:off x="9259676" y="2043172"/>
+            <a:off x="3261475" y="1141896"/>
             <a:ext cx="1748490" cy="1090486"/>
           </a:xfrm>
           <a:prstGeom prst="rect">
@@ -3912,7 +3918,7 @@
                   <a:schemeClr val="tx1"/>
                 </a:solidFill>
               </a:rPr>
-              <a:t>Subject#.mshs</a:t>
+              <a:t>AdultMNI152.mshs</a:t>
             </a:r>
             <a:br>
               <a:rPr lang="en-US" sz="1200" dirty="0">
@@ -4097,7 +4103,7 @@
         </p:nvSpPr>
         <p:spPr>
           <a:xfrm>
-            <a:off x="9164692" y="4590588"/>
+            <a:off x="9164692" y="4604840"/>
             <a:ext cx="2016407" cy="307777"/>
           </a:xfrm>
           <a:prstGeom prst="rect">
@@ -4149,7 +4155,7 @@
         </p:nvSpPr>
         <p:spPr>
           <a:xfrm>
-            <a:off x="9164692" y="5042363"/>
+            <a:off x="9164692" y="5044264"/>
             <a:ext cx="2016407" cy="307777"/>
           </a:xfrm>
           <a:prstGeom prst="rect">
@@ -4201,7 +4207,7 @@
         </p:nvSpPr>
         <p:spPr>
           <a:xfrm>
-            <a:off x="9164691" y="5482738"/>
+            <a:off x="9164691" y="5483688"/>
             <a:ext cx="2016407" cy="307777"/>
           </a:xfrm>
           <a:prstGeom prst="rect">
@@ -4305,7 +4311,7 @@
         </p:nvSpPr>
         <p:spPr>
           <a:xfrm>
-            <a:off x="6016045" y="2720240"/>
+            <a:off x="6012755" y="3482554"/>
             <a:ext cx="2250000" cy="374514"/>
           </a:xfrm>
           <a:prstGeom prst="rect">
@@ -4365,7 +4371,7 @@
         </p:nvSpPr>
         <p:spPr>
           <a:xfrm>
-            <a:off x="6016044" y="3137846"/>
+            <a:off x="6012754" y="3900160"/>
             <a:ext cx="2250000" cy="374514"/>
           </a:xfrm>
           <a:prstGeom prst="rect">
@@ -4425,7 +4431,7 @@
         </p:nvSpPr>
         <p:spPr>
           <a:xfrm>
-            <a:off x="6016045" y="3555452"/>
+            <a:off x="6012755" y="4317766"/>
             <a:ext cx="2250000" cy="374514"/>
           </a:xfrm>
           <a:prstGeom prst="rect">
@@ -4485,7 +4491,7 @@
         </p:nvSpPr>
         <p:spPr>
           <a:xfrm>
-            <a:off x="6016044" y="2267694"/>
+            <a:off x="6012754" y="3030008"/>
             <a:ext cx="2250000" cy="409454"/>
           </a:xfrm>
           <a:prstGeom prst="rect">
@@ -4545,7 +4551,7 @@
         </p:nvSpPr>
         <p:spPr>
           <a:xfrm>
-            <a:off x="6016044" y="3973058"/>
+            <a:off x="6012754" y="4735372"/>
             <a:ext cx="2250000" cy="374514"/>
           </a:xfrm>
           <a:prstGeom prst="rect">
@@ -4605,7 +4611,7 @@
         </p:nvSpPr>
         <p:spPr>
           <a:xfrm>
-            <a:off x="9164690" y="4138813"/>
+            <a:off x="9164690" y="4165416"/>
             <a:ext cx="2016407" cy="307777"/>
           </a:xfrm>
           <a:prstGeom prst="rect">
@@ -4654,19 +4660,19 @@
           </p:cNvPr>
           <p:cNvCxnSpPr>
             <a:cxnSpLocks/>
-            <a:stCxn id="7" idx="1"/>
+            <a:stCxn id="9" idx="3"/>
             <a:endCxn id="29" idx="1"/>
           </p:cNvCxnSpPr>
           <p:nvPr/>
         </p:nvCxnSpPr>
         <p:spPr>
-          <a:xfrm rot="10800000" flipV="1">
-            <a:off x="6600399" y="1287028"/>
-            <a:ext cx="2529568" cy="761903"/>
+          <a:xfrm>
+            <a:off x="5009965" y="1687139"/>
+            <a:ext cx="1590434" cy="131649"/>
           </a:xfrm>
           <a:prstGeom prst="bentConnector3">
             <a:avLst>
-              <a:gd name="adj1" fmla="val 109037"/>
+              <a:gd name="adj1" fmla="val 50000"/>
             </a:avLst>
           </a:prstGeom>
           <a:ln>
@@ -4702,7 +4708,7 @@
         </p:nvSpPr>
         <p:spPr>
           <a:xfrm>
-            <a:off x="6600399" y="1848877"/>
+            <a:off x="6600399" y="1618733"/>
             <a:ext cx="1043876" cy="400110"/>
           </a:xfrm>
           <a:prstGeom prst="rect">
@@ -4735,63 +4741,18 @@
           </p:cNvPr>
           <p:cNvCxnSpPr>
             <a:cxnSpLocks/>
-            <a:stCxn id="8" idx="1"/>
+            <a:stCxn id="7" idx="1"/>
             <a:endCxn id="29" idx="0"/>
           </p:cNvCxnSpPr>
           <p:nvPr/>
         </p:nvCxnSpPr>
         <p:spPr>
           <a:xfrm rot="10800000" flipV="1">
-            <a:off x="7122337" y="1738803"/>
-            <a:ext cx="2007630" cy="110073"/>
+            <a:off x="7122337" y="1287029"/>
+            <a:ext cx="2007630" cy="331704"/>
           </a:xfrm>
           <a:prstGeom prst="bentConnector2">
             <a:avLst/>
-          </a:prstGeom>
-          <a:ln>
-            <a:tailEnd type="triangle"/>
-          </a:ln>
-        </p:spPr>
-        <p:style>
-          <a:lnRef idx="1">
-            <a:schemeClr val="accent1"/>
-          </a:lnRef>
-          <a:fillRef idx="0">
-            <a:schemeClr val="accent1"/>
-          </a:fillRef>
-          <a:effectRef idx="0">
-            <a:schemeClr val="accent1"/>
-          </a:effectRef>
-          <a:fontRef idx="minor">
-            <a:schemeClr val="tx1"/>
-          </a:fontRef>
-        </p:style>
-      </p:cxnSp>
-      <p:cxnSp>
-        <p:nvCxnSpPr>
-          <p:cNvPr id="34" name="Elbow Connector 33">
-            <a:extLst>
-              <a:ext uri="{FF2B5EF4-FFF2-40B4-BE49-F238E27FC236}">
-                <a16:creationId xmlns:a16="http://schemas.microsoft.com/office/drawing/2014/main" id="{F5D2219A-9069-FC4C-993C-513934378373}"/>
-              </a:ext>
-            </a:extLst>
-          </p:cNvPr>
-          <p:cNvCxnSpPr>
-            <a:cxnSpLocks/>
-            <a:stCxn id="9" idx="1"/>
-            <a:endCxn id="29" idx="3"/>
-          </p:cNvCxnSpPr>
-          <p:nvPr/>
-        </p:nvCxnSpPr>
-        <p:spPr>
-          <a:xfrm rot="10800000">
-            <a:off x="7644276" y="2048933"/>
-            <a:ext cx="1615401" cy="539483"/>
-          </a:xfrm>
-          <a:prstGeom prst="bentConnector3">
-            <a:avLst>
-              <a:gd name="adj1" fmla="val 50000"/>
-            </a:avLst>
           </a:prstGeom>
           <a:ln>
             <a:tailEnd type="triangle"/>
@@ -4829,12 +4790,15 @@
           <p:nvPr/>
         </p:nvCxnSpPr>
         <p:spPr>
-          <a:xfrm rot="16200000" flipH="1">
-            <a:off x="7603885" y="3884730"/>
-            <a:ext cx="804633" cy="1730315"/>
-          </a:xfrm>
-          <a:prstGeom prst="bentConnector2">
-            <a:avLst/>
+          <a:xfrm rot="5400000" flipH="1" flipV="1">
+            <a:off x="7780593" y="4019120"/>
+            <a:ext cx="447926" cy="1733605"/>
+          </a:xfrm>
+          <a:prstGeom prst="bentConnector4">
+            <a:avLst>
+              <a:gd name="adj1" fmla="val -51035"/>
+              <a:gd name="adj2" fmla="val 82447"/>
+            </a:avLst>
           </a:prstGeom>
           <a:ln>
             <a:tailEnd type="triangle"/>
@@ -4869,11 +4833,14 @@
         </p:nvSpPr>
         <p:spPr>
           <a:xfrm>
-            <a:off x="8871359" y="3973058"/>
-            <a:ext cx="316483" cy="2358294"/>
+            <a:off x="8871359" y="2675854"/>
+            <a:ext cx="316483" cy="3655499"/>
           </a:xfrm>
           <a:prstGeom prst="leftBrace">
-            <a:avLst/>
+            <a:avLst>
+              <a:gd name="adj1" fmla="val 8333"/>
+              <a:gd name="adj2" fmla="val 54332"/>
+            </a:avLst>
           </a:prstGeom>
         </p:spPr>
         <p:style>
@@ -4899,10 +4866,325 @@
           </a:p>
         </p:txBody>
       </p:sp>
+      <p:sp>
+        <p:nvSpPr>
+          <p:cNvPr id="30" name="Rectangle 29">
+            <a:extLst>
+              <a:ext uri="{FF2B5EF4-FFF2-40B4-BE49-F238E27FC236}">
+                <a16:creationId xmlns:a16="http://schemas.microsoft.com/office/drawing/2014/main" id="{A0F36D7D-5AB4-CC4C-A592-339F7CEF9E16}"/>
+              </a:ext>
+            </a:extLst>
+          </p:cNvPr>
+          <p:cNvSpPr/>
+          <p:nvPr/>
+        </p:nvSpPr>
+        <p:spPr>
+          <a:xfrm>
+            <a:off x="6012753" y="2123652"/>
+            <a:ext cx="2250000" cy="409454"/>
+          </a:xfrm>
+          <a:prstGeom prst="rect">
+            <a:avLst/>
+          </a:prstGeom>
+          <a:solidFill>
+            <a:srgbClr val="92D050"/>
+          </a:solidFill>
+          <a:effectLst/>
+        </p:spPr>
+        <p:style>
+          <a:lnRef idx="1">
+            <a:schemeClr val="accent1"/>
+          </a:lnRef>
+          <a:fillRef idx="3">
+            <a:schemeClr val="accent1"/>
+          </a:fillRef>
+          <a:effectRef idx="2">
+            <a:schemeClr val="accent1"/>
+          </a:effectRef>
+          <a:fontRef idx="minor">
+            <a:schemeClr val="lt1"/>
+          </a:fontRef>
+        </p:style>
+        <p:txBody>
+          <a:bodyPr rtlCol="0" anchor="ctr"/>
+          <a:lstStyle/>
+          <a:p>
+            <a:pPr algn="ctr"/>
+            <a:r>
+              <a:rPr lang="en-US" sz="1200" b="1" dirty="0">
+                <a:solidFill>
+                  <a:schemeClr val="tx1"/>
+                </a:solidFill>
+              </a:rPr>
+              <a:t>DOTHUB_LUMO2nirs</a:t>
+            </a:r>
+          </a:p>
+        </p:txBody>
+      </p:sp>
+      <p:sp>
+        <p:nvSpPr>
+          <p:cNvPr id="32" name="Rectangle 31">
+            <a:extLst>
+              <a:ext uri="{FF2B5EF4-FFF2-40B4-BE49-F238E27FC236}">
+                <a16:creationId xmlns:a16="http://schemas.microsoft.com/office/drawing/2014/main" id="{693B14CD-CB98-3F4A-B810-C4678DC9BB3D}"/>
+              </a:ext>
+            </a:extLst>
+          </p:cNvPr>
+          <p:cNvSpPr/>
+          <p:nvPr/>
+        </p:nvSpPr>
+        <p:spPr>
+          <a:xfrm>
+            <a:off x="9164689" y="2847144"/>
+            <a:ext cx="2016407" cy="307777"/>
+          </a:xfrm>
+          <a:prstGeom prst="rect">
+            <a:avLst/>
+          </a:prstGeom>
+          <a:solidFill>
+            <a:schemeClr val="accent2">
+              <a:lumMod val="20000"/>
+              <a:lumOff val="80000"/>
+            </a:schemeClr>
+          </a:solidFill>
+          <a:ln w="38100">
+            <a:solidFill>
+              <a:schemeClr val="tx1"/>
+            </a:solidFill>
+          </a:ln>
+          <a:effectLst/>
+        </p:spPr>
+        <p:txBody>
+          <a:bodyPr wrap="square">
+            <a:spAutoFit/>
+          </a:bodyPr>
+          <a:lstStyle/>
+          <a:p>
+            <a:pPr algn="ctr"/>
+            <a:r>
+              <a:rPr lang="en-US" sz="1400" dirty="0"/>
+              <a:t>.</a:t>
+            </a:r>
+            <a:r>
+              <a:rPr lang="en-US" sz="1400" dirty="0" err="1"/>
+              <a:t>nirs</a:t>
+            </a:r>
+            <a:endParaRPr lang="en-US" sz="1400" dirty="0"/>
+          </a:p>
+        </p:txBody>
+      </p:sp>
+      <p:sp>
+        <p:nvSpPr>
+          <p:cNvPr id="42" name="Rectangle 41">
+            <a:extLst>
+              <a:ext uri="{FF2B5EF4-FFF2-40B4-BE49-F238E27FC236}">
+                <a16:creationId xmlns:a16="http://schemas.microsoft.com/office/drawing/2014/main" id="{ABA4E64D-3B1E-8B45-8D4A-2688A07225E7}"/>
+              </a:ext>
+            </a:extLst>
+          </p:cNvPr>
+          <p:cNvSpPr/>
+          <p:nvPr/>
+        </p:nvSpPr>
+        <p:spPr>
+          <a:xfrm>
+            <a:off x="9134386" y="1574708"/>
+            <a:ext cx="2016407" cy="307777"/>
+          </a:xfrm>
+          <a:prstGeom prst="rect">
+            <a:avLst/>
+          </a:prstGeom>
+          <a:solidFill>
+            <a:schemeClr val="accent2">
+              <a:lumMod val="20000"/>
+              <a:lumOff val="80000"/>
+            </a:schemeClr>
+          </a:solidFill>
+          <a:ln w="38100">
+            <a:solidFill>
+              <a:schemeClr val="tx1"/>
+            </a:solidFill>
+          </a:ln>
+          <a:effectLst/>
+        </p:spPr>
+        <p:txBody>
+          <a:bodyPr wrap="square">
+            <a:spAutoFit/>
+          </a:bodyPr>
+          <a:lstStyle/>
+          <a:p>
+            <a:pPr algn="ctr"/>
+            <a:r>
+              <a:rPr lang="en-US" sz="1400" dirty="0"/>
+              <a:t>Homer2 style .</a:t>
+            </a:r>
+            <a:r>
+              <a:rPr lang="en-US" sz="1400" dirty="0" err="1"/>
+              <a:t>cfg</a:t>
+            </a:r>
+            <a:r>
+              <a:rPr lang="en-US" sz="1400" dirty="0"/>
+              <a:t> file</a:t>
+            </a:r>
+          </a:p>
+        </p:txBody>
+      </p:sp>
+      <p:cxnSp>
+        <p:nvCxnSpPr>
+          <p:cNvPr id="44" name="Elbow Connector 43">
+            <a:extLst>
+              <a:ext uri="{FF2B5EF4-FFF2-40B4-BE49-F238E27FC236}">
+                <a16:creationId xmlns:a16="http://schemas.microsoft.com/office/drawing/2014/main" id="{8341C8D1-1C11-3141-A009-77D5D87FBB03}"/>
+              </a:ext>
+            </a:extLst>
+          </p:cNvPr>
+          <p:cNvCxnSpPr>
+            <a:cxnSpLocks/>
+            <a:stCxn id="42" idx="1"/>
+            <a:endCxn id="29" idx="3"/>
+          </p:cNvCxnSpPr>
+          <p:nvPr/>
+        </p:nvCxnSpPr>
+        <p:spPr>
+          <a:xfrm rot="10800000" flipV="1">
+            <a:off x="7644276" y="1728596"/>
+            <a:ext cx="1490111" cy="90191"/>
+          </a:xfrm>
+          <a:prstGeom prst="bentConnector3">
+            <a:avLst>
+              <a:gd name="adj1" fmla="val 50000"/>
+            </a:avLst>
+          </a:prstGeom>
+          <a:ln>
+            <a:tailEnd type="triangle"/>
+          </a:ln>
+        </p:spPr>
+        <p:style>
+          <a:lnRef idx="1">
+            <a:schemeClr val="accent1"/>
+          </a:lnRef>
+          <a:fillRef idx="0">
+            <a:schemeClr val="accent1"/>
+          </a:fillRef>
+          <a:effectRef idx="0">
+            <a:schemeClr val="accent1"/>
+          </a:effectRef>
+          <a:fontRef idx="minor">
+            <a:schemeClr val="tx1"/>
+          </a:fontRef>
+        </p:style>
+      </p:cxnSp>
+      <p:sp>
+        <p:nvSpPr>
+          <p:cNvPr id="46" name="Rectangle 45">
+            <a:extLst>
+              <a:ext uri="{FF2B5EF4-FFF2-40B4-BE49-F238E27FC236}">
+                <a16:creationId xmlns:a16="http://schemas.microsoft.com/office/drawing/2014/main" id="{45D9A9B1-661C-A046-B1D7-C3C0A554C33B}"/>
+              </a:ext>
+            </a:extLst>
+          </p:cNvPr>
+          <p:cNvSpPr/>
+          <p:nvPr/>
+        </p:nvSpPr>
+        <p:spPr>
+          <a:xfrm>
+            <a:off x="6012753" y="2576198"/>
+            <a:ext cx="2250000" cy="409454"/>
+          </a:xfrm>
+          <a:prstGeom prst="rect">
+            <a:avLst/>
+          </a:prstGeom>
+          <a:solidFill>
+            <a:srgbClr val="92D050"/>
+          </a:solidFill>
+          <a:effectLst/>
+        </p:spPr>
+        <p:style>
+          <a:lnRef idx="1">
+            <a:schemeClr val="accent1"/>
+          </a:lnRef>
+          <a:fillRef idx="3">
+            <a:schemeClr val="accent1"/>
+          </a:fillRef>
+          <a:effectRef idx="2">
+            <a:schemeClr val="accent1"/>
+          </a:effectRef>
+          <a:fontRef idx="minor">
+            <a:schemeClr val="lt1"/>
+          </a:fontRef>
+        </p:style>
+        <p:txBody>
+          <a:bodyPr rtlCol="0" anchor="ctr"/>
+          <a:lstStyle/>
+          <a:p>
+            <a:pPr algn="ctr"/>
+            <a:r>
+              <a:rPr lang="en-US" sz="1200" b="1" dirty="0" err="1">
+                <a:solidFill>
+                  <a:schemeClr val="tx1"/>
+                </a:solidFill>
+              </a:rPr>
+              <a:t>DOTHUB_dataQualityCheck</a:t>
+            </a:r>
+            <a:endParaRPr lang="en-US" sz="1200" b="1" dirty="0">
+              <a:solidFill>
+                <a:schemeClr val="tx1"/>
+              </a:solidFill>
+            </a:endParaRPr>
+          </a:p>
+        </p:txBody>
+      </p:sp>
+      <p:sp>
+        <p:nvSpPr>
+          <p:cNvPr id="48" name="Rectangle 47">
+            <a:extLst>
+              <a:ext uri="{FF2B5EF4-FFF2-40B4-BE49-F238E27FC236}">
+                <a16:creationId xmlns:a16="http://schemas.microsoft.com/office/drawing/2014/main" id="{DB93A598-7B1F-F94F-8CAD-FBE03628DFA8}"/>
+              </a:ext>
+            </a:extLst>
+          </p:cNvPr>
+          <p:cNvSpPr/>
+          <p:nvPr/>
+        </p:nvSpPr>
+        <p:spPr>
+          <a:xfrm>
+            <a:off x="9164688" y="3286568"/>
+            <a:ext cx="2016407" cy="307777"/>
+          </a:xfrm>
+          <a:prstGeom prst="rect">
+            <a:avLst/>
+          </a:prstGeom>
+          <a:solidFill>
+            <a:schemeClr val="accent2">
+              <a:lumMod val="20000"/>
+              <a:lumOff val="80000"/>
+            </a:schemeClr>
+          </a:solidFill>
+          <a:ln w="38100">
+            <a:solidFill>
+              <a:schemeClr val="tx1"/>
+            </a:solidFill>
+          </a:ln>
+          <a:effectLst/>
+        </p:spPr>
+        <p:txBody>
+          <a:bodyPr wrap="square">
+            <a:spAutoFit/>
+          </a:bodyPr>
+          <a:lstStyle/>
+          <a:p>
+            <a:pPr algn="ctr"/>
+            <a:r>
+              <a:rPr lang="en-US" sz="1400" dirty="0" err="1"/>
+              <a:t>dataQualityCheck.txt</a:t>
+            </a:r>
+            <a:endParaRPr lang="en-US" sz="1400" dirty="0"/>
+          </a:p>
+        </p:txBody>
+      </p:sp>
     </p:spTree>
     <p:extLst>
       <p:ext uri="{BB962C8B-B14F-4D97-AF65-F5344CB8AC3E}">
-        <p14:creationId xmlns:p14="http://schemas.microsoft.com/office/powerpoint/2010/main" val="231358774"/>
+        <p14:creationId xmlns:p14="http://schemas.microsoft.com/office/powerpoint/2010/main" val="3323084168"/>
       </p:ext>
     </p:extLst>
   </p:cSld>
@@ -4943,8 +5225,8 @@
         </p:nvSpPr>
         <p:spPr>
           <a:xfrm>
-            <a:off x="207281" y="129054"/>
-            <a:ext cx="6334837" cy="830997"/>
+            <a:off x="1" y="129054"/>
+            <a:ext cx="2707716" cy="1908215"/>
           </a:xfrm>
           <a:prstGeom prst="rect">
             <a:avLst/>
@@ -4959,7 +5241,7 @@
           <a:p>
             <a:r>
               <a:rPr lang="en-US" sz="2000" b="1" dirty="0"/>
-              <a:t>Example Pipeline 2</a:t>
+              <a:t>PipelineExample2.m</a:t>
             </a:r>
           </a:p>
           <a:p>
@@ -4969,8 +5251,33 @@
             </a:pPr>
             <a:r>
               <a:rPr lang="en-US" sz="1400" dirty="0"/>
-              <a:t>Individual positioning data</a:t>
-            </a:r>
+              <a:t>LUMO data</a:t>
+            </a:r>
+          </a:p>
+          <a:p>
+            <a:pPr marL="285750" indent="-285750">
+              <a:buFont typeface="Arial" panose="020B0604020202020204" pitchFamily="34" charset="0"/>
+              <a:buChar char="•"/>
+            </a:pPr>
+            <a:r>
+              <a:rPr lang="en-US" sz="1400" dirty="0"/>
+              <a:t>Subject-specific positioning information (.csv)</a:t>
+            </a:r>
+          </a:p>
+          <a:p>
+            <a:pPr marL="285750" indent="-285750">
+              <a:buFont typeface="Arial" panose="020B0604020202020204" pitchFamily="34" charset="0"/>
+              <a:buChar char="•"/>
+            </a:pPr>
+            <a:r>
+              <a:rPr lang="en-US" sz="1400" dirty="0"/>
+              <a:t>Homer2 pre-processing run line-by-line rather than call to </a:t>
+            </a:r>
+            <a:r>
+              <a:rPr lang="en-US" sz="1400" dirty="0" err="1"/>
+              <a:t>DOTHUB_runHumerPrepro</a:t>
+            </a:r>
+            <a:endParaRPr lang="en-US" sz="1400" dirty="0"/>
           </a:p>
           <a:p>
             <a:pPr marL="285750" indent="-285750">
@@ -5118,15 +5425,7 @@
             <a:pPr algn="ctr"/>
             <a:r>
               <a:rPr lang="en-US" sz="1400" dirty="0"/>
-              <a:t>.</a:t>
-            </a:r>
-            <a:r>
-              <a:rPr lang="en-US" sz="1400" dirty="0" err="1"/>
-              <a:t>nirs</a:t>
-            </a:r>
-            <a:r>
-              <a:rPr lang="en-US" sz="1400" dirty="0"/>
-              <a:t> </a:t>
+              <a:t>.LUMO</a:t>
             </a:r>
           </a:p>
         </p:txBody>
@@ -5145,7 +5444,7 @@
         </p:nvSpPr>
         <p:spPr>
           <a:xfrm>
-            <a:off x="9129967" y="1584915"/>
+            <a:off x="9164689" y="3692738"/>
             <a:ext cx="2016407" cy="307777"/>
           </a:xfrm>
           <a:prstGeom prst="rect">
@@ -5625,7 +5924,7 @@
         </p:nvSpPr>
         <p:spPr>
           <a:xfrm>
-            <a:off x="6016045" y="2720240"/>
+            <a:off x="6028171" y="3975304"/>
             <a:ext cx="2250000" cy="374514"/>
           </a:xfrm>
           <a:prstGeom prst="rect">
@@ -5685,7 +5984,7 @@
         </p:nvSpPr>
         <p:spPr>
           <a:xfrm>
-            <a:off x="6016044" y="3137846"/>
+            <a:off x="6028170" y="4403277"/>
             <a:ext cx="2250000" cy="374514"/>
           </a:xfrm>
           <a:prstGeom prst="rect">
@@ -5745,7 +6044,7 @@
         </p:nvSpPr>
         <p:spPr>
           <a:xfrm>
-            <a:off x="6016045" y="3555452"/>
+            <a:off x="6028171" y="4831250"/>
             <a:ext cx="2250000" cy="374514"/>
           </a:xfrm>
           <a:prstGeom prst="rect">
@@ -5793,10 +6092,10 @@
       </p:sp>
       <p:sp>
         <p:nvSpPr>
-          <p:cNvPr id="23" name="Rectangle 22">
-            <a:extLst>
-              <a:ext uri="{FF2B5EF4-FFF2-40B4-BE49-F238E27FC236}">
-                <a16:creationId xmlns:a16="http://schemas.microsoft.com/office/drawing/2014/main" id="{FFCD128E-D91C-364F-A27E-F75577B5697A}"/>
+          <p:cNvPr id="24" name="Rectangle 23">
+            <a:extLst>
+              <a:ext uri="{FF2B5EF4-FFF2-40B4-BE49-F238E27FC236}">
+                <a16:creationId xmlns:a16="http://schemas.microsoft.com/office/drawing/2014/main" id="{622103C7-D919-7445-BB61-1E3AD39778E0}"/>
               </a:ext>
             </a:extLst>
           </p:cNvPr>
@@ -5805,67 +6104,7 @@
         </p:nvSpPr>
         <p:spPr>
           <a:xfrm>
-            <a:off x="6016044" y="2267694"/>
-            <a:ext cx="2250000" cy="409454"/>
-          </a:xfrm>
-          <a:prstGeom prst="rect">
-            <a:avLst/>
-          </a:prstGeom>
-          <a:solidFill>
-            <a:srgbClr val="92D050"/>
-          </a:solidFill>
-          <a:effectLst/>
-        </p:spPr>
-        <p:style>
-          <a:lnRef idx="1">
-            <a:schemeClr val="accent1"/>
-          </a:lnRef>
-          <a:fillRef idx="3">
-            <a:schemeClr val="accent1"/>
-          </a:fillRef>
-          <a:effectRef idx="2">
-            <a:schemeClr val="accent1"/>
-          </a:effectRef>
-          <a:fontRef idx="minor">
-            <a:schemeClr val="lt1"/>
-          </a:fontRef>
-        </p:style>
-        <p:txBody>
-          <a:bodyPr rtlCol="0" anchor="ctr"/>
-          <a:lstStyle/>
-          <a:p>
-            <a:pPr algn="ctr"/>
-            <a:r>
-              <a:rPr lang="en-US" sz="1200" b="1" dirty="0" err="1">
-                <a:solidFill>
-                  <a:schemeClr val="tx1"/>
-                </a:solidFill>
-              </a:rPr>
-              <a:t>DOTHUB_runHomerPrepro</a:t>
-            </a:r>
-            <a:endParaRPr lang="en-US" sz="1200" b="1" dirty="0">
-              <a:solidFill>
-                <a:schemeClr val="tx1"/>
-              </a:solidFill>
-            </a:endParaRPr>
-          </a:p>
-        </p:txBody>
-      </p:sp>
-      <p:sp>
-        <p:nvSpPr>
-          <p:cNvPr id="24" name="Rectangle 23">
-            <a:extLst>
-              <a:ext uri="{FF2B5EF4-FFF2-40B4-BE49-F238E27FC236}">
-                <a16:creationId xmlns:a16="http://schemas.microsoft.com/office/drawing/2014/main" id="{622103C7-D919-7445-BB61-1E3AD39778E0}"/>
-              </a:ext>
-            </a:extLst>
-          </p:cNvPr>
-          <p:cNvSpPr/>
-          <p:nvPr/>
-        </p:nvSpPr>
-        <p:spPr>
-          <a:xfrm>
-            <a:off x="6016044" y="3973058"/>
+            <a:off x="6028170" y="5259223"/>
             <a:ext cx="2250000" cy="374514"/>
           </a:xfrm>
           <a:prstGeom prst="rect">
@@ -5982,7 +6221,7 @@
         <p:spPr>
           <a:xfrm>
             <a:off x="5009965" y="1687139"/>
-            <a:ext cx="1590434" cy="361793"/>
+            <a:ext cx="1590434" cy="131649"/>
           </a:xfrm>
           <a:prstGeom prst="bentConnector3">
             <a:avLst>
@@ -6022,7 +6261,7 @@
         </p:nvSpPr>
         <p:spPr>
           <a:xfrm>
-            <a:off x="6600399" y="1848877"/>
+            <a:off x="6600399" y="1618733"/>
             <a:ext cx="1043876" cy="400110"/>
           </a:xfrm>
           <a:prstGeom prst="rect">
@@ -6063,55 +6302,10 @@
         <p:spPr>
           <a:xfrm rot="10800000" flipV="1">
             <a:off x="7122337" y="1287029"/>
-            <a:ext cx="2007630" cy="561848"/>
+            <a:ext cx="2007630" cy="331704"/>
           </a:xfrm>
           <a:prstGeom prst="bentConnector2">
             <a:avLst/>
-          </a:prstGeom>
-          <a:ln>
-            <a:tailEnd type="triangle"/>
-          </a:ln>
-        </p:spPr>
-        <p:style>
-          <a:lnRef idx="1">
-            <a:schemeClr val="accent1"/>
-          </a:lnRef>
-          <a:fillRef idx="0">
-            <a:schemeClr val="accent1"/>
-          </a:fillRef>
-          <a:effectRef idx="0">
-            <a:schemeClr val="accent1"/>
-          </a:effectRef>
-          <a:fontRef idx="minor">
-            <a:schemeClr val="tx1"/>
-          </a:fontRef>
-        </p:style>
-      </p:cxnSp>
-      <p:cxnSp>
-        <p:nvCxnSpPr>
-          <p:cNvPr id="34" name="Elbow Connector 33">
-            <a:extLst>
-              <a:ext uri="{FF2B5EF4-FFF2-40B4-BE49-F238E27FC236}">
-                <a16:creationId xmlns:a16="http://schemas.microsoft.com/office/drawing/2014/main" id="{F5D2219A-9069-FC4C-993C-513934378373}"/>
-              </a:ext>
-            </a:extLst>
-          </p:cNvPr>
-          <p:cNvCxnSpPr>
-            <a:cxnSpLocks/>
-            <a:stCxn id="8" idx="1"/>
-            <a:endCxn id="29" idx="3"/>
-          </p:cNvCxnSpPr>
-          <p:nvPr/>
-        </p:nvCxnSpPr>
-        <p:spPr>
-          <a:xfrm rot="10800000" flipV="1">
-            <a:off x="7644275" y="1738804"/>
-            <a:ext cx="1485692" cy="310128"/>
-          </a:xfrm>
-          <a:prstGeom prst="bentConnector3">
-            <a:avLst>
-              <a:gd name="adj1" fmla="val 50000"/>
-            </a:avLst>
           </a:prstGeom>
           <a:ln>
             <a:tailEnd type="triangle"/>
@@ -6149,12 +6343,15 @@
           <p:nvPr/>
         </p:nvCxnSpPr>
         <p:spPr>
-          <a:xfrm rot="16200000" flipH="1">
-            <a:off x="7603885" y="3884730"/>
-            <a:ext cx="804633" cy="1730315"/>
-          </a:xfrm>
-          <a:prstGeom prst="bentConnector2">
-            <a:avLst/>
+          <a:xfrm rot="5400000" flipH="1" flipV="1">
+            <a:off x="7526375" y="4288754"/>
+            <a:ext cx="971777" cy="1718189"/>
+          </a:xfrm>
+          <a:prstGeom prst="bentConnector4">
+            <a:avLst>
+              <a:gd name="adj1" fmla="val -23524"/>
+              <a:gd name="adj2" fmla="val 82738"/>
+            </a:avLst>
           </a:prstGeom>
           <a:ln>
             <a:tailEnd type="triangle"/>
@@ -6189,11 +6386,14 @@
         </p:nvSpPr>
         <p:spPr>
           <a:xfrm>
-            <a:off x="8871359" y="3973058"/>
-            <a:ext cx="316483" cy="2358294"/>
+            <a:off x="8871359" y="2675854"/>
+            <a:ext cx="316483" cy="3655499"/>
           </a:xfrm>
           <a:prstGeom prst="leftBrace">
-            <a:avLst/>
+            <a:avLst>
+              <a:gd name="adj1" fmla="val 8333"/>
+              <a:gd name="adj2" fmla="val 54332"/>
+            </a:avLst>
           </a:prstGeom>
         </p:spPr>
         <p:style>
@@ -6219,10 +6419,435 @@
           </a:p>
         </p:txBody>
       </p:sp>
+      <p:sp>
+        <p:nvSpPr>
+          <p:cNvPr id="30" name="Rectangle 29">
+            <a:extLst>
+              <a:ext uri="{FF2B5EF4-FFF2-40B4-BE49-F238E27FC236}">
+                <a16:creationId xmlns:a16="http://schemas.microsoft.com/office/drawing/2014/main" id="{A0F36D7D-5AB4-CC4C-A592-339F7CEF9E16}"/>
+              </a:ext>
+            </a:extLst>
+          </p:cNvPr>
+          <p:cNvSpPr/>
+          <p:nvPr/>
+        </p:nvSpPr>
+        <p:spPr>
+          <a:xfrm>
+            <a:off x="6012753" y="2123652"/>
+            <a:ext cx="2250000" cy="409454"/>
+          </a:xfrm>
+          <a:prstGeom prst="rect">
+            <a:avLst/>
+          </a:prstGeom>
+          <a:solidFill>
+            <a:srgbClr val="92D050"/>
+          </a:solidFill>
+          <a:effectLst/>
+        </p:spPr>
+        <p:style>
+          <a:lnRef idx="1">
+            <a:schemeClr val="accent1"/>
+          </a:lnRef>
+          <a:fillRef idx="3">
+            <a:schemeClr val="accent1"/>
+          </a:fillRef>
+          <a:effectRef idx="2">
+            <a:schemeClr val="accent1"/>
+          </a:effectRef>
+          <a:fontRef idx="minor">
+            <a:schemeClr val="lt1"/>
+          </a:fontRef>
+        </p:style>
+        <p:txBody>
+          <a:bodyPr rtlCol="0" anchor="ctr"/>
+          <a:lstStyle/>
+          <a:p>
+            <a:pPr algn="ctr"/>
+            <a:r>
+              <a:rPr lang="en-US" sz="1200" b="1" dirty="0">
+                <a:solidFill>
+                  <a:schemeClr val="tx1"/>
+                </a:solidFill>
+              </a:rPr>
+              <a:t>DOTHUB_LUMO2nirs</a:t>
+            </a:r>
+          </a:p>
+        </p:txBody>
+      </p:sp>
+      <p:sp>
+        <p:nvSpPr>
+          <p:cNvPr id="32" name="Rectangle 31">
+            <a:extLst>
+              <a:ext uri="{FF2B5EF4-FFF2-40B4-BE49-F238E27FC236}">
+                <a16:creationId xmlns:a16="http://schemas.microsoft.com/office/drawing/2014/main" id="{693B14CD-CB98-3F4A-B810-C4678DC9BB3D}"/>
+              </a:ext>
+            </a:extLst>
+          </p:cNvPr>
+          <p:cNvSpPr/>
+          <p:nvPr/>
+        </p:nvSpPr>
+        <p:spPr>
+          <a:xfrm>
+            <a:off x="9161434" y="2843594"/>
+            <a:ext cx="2016407" cy="307777"/>
+          </a:xfrm>
+          <a:prstGeom prst="rect">
+            <a:avLst/>
+          </a:prstGeom>
+          <a:solidFill>
+            <a:schemeClr val="accent2">
+              <a:lumMod val="20000"/>
+              <a:lumOff val="80000"/>
+            </a:schemeClr>
+          </a:solidFill>
+          <a:ln w="38100">
+            <a:solidFill>
+              <a:schemeClr val="tx1"/>
+            </a:solidFill>
+          </a:ln>
+          <a:effectLst/>
+        </p:spPr>
+        <p:txBody>
+          <a:bodyPr wrap="square">
+            <a:spAutoFit/>
+          </a:bodyPr>
+          <a:lstStyle/>
+          <a:p>
+            <a:pPr algn="ctr"/>
+            <a:r>
+              <a:rPr lang="en-US" sz="1400" dirty="0"/>
+              <a:t>.</a:t>
+            </a:r>
+            <a:r>
+              <a:rPr lang="en-US" sz="1400" dirty="0" err="1"/>
+              <a:t>nirs</a:t>
+            </a:r>
+            <a:endParaRPr lang="en-US" sz="1400" dirty="0"/>
+          </a:p>
+        </p:txBody>
+      </p:sp>
+      <p:sp>
+        <p:nvSpPr>
+          <p:cNvPr id="42" name="Rectangle 41">
+            <a:extLst>
+              <a:ext uri="{FF2B5EF4-FFF2-40B4-BE49-F238E27FC236}">
+                <a16:creationId xmlns:a16="http://schemas.microsoft.com/office/drawing/2014/main" id="{ABA4E64D-3B1E-8B45-8D4A-2688A07225E7}"/>
+              </a:ext>
+            </a:extLst>
+          </p:cNvPr>
+          <p:cNvSpPr/>
+          <p:nvPr/>
+        </p:nvSpPr>
+        <p:spPr>
+          <a:xfrm>
+            <a:off x="9134386" y="1574708"/>
+            <a:ext cx="2016407" cy="307777"/>
+          </a:xfrm>
+          <a:prstGeom prst="rect">
+            <a:avLst/>
+          </a:prstGeom>
+          <a:solidFill>
+            <a:schemeClr val="accent2">
+              <a:lumMod val="20000"/>
+              <a:lumOff val="80000"/>
+            </a:schemeClr>
+          </a:solidFill>
+          <a:ln w="38100">
+            <a:solidFill>
+              <a:schemeClr val="tx1"/>
+            </a:solidFill>
+          </a:ln>
+          <a:effectLst/>
+        </p:spPr>
+        <p:txBody>
+          <a:bodyPr wrap="square">
+            <a:spAutoFit/>
+          </a:bodyPr>
+          <a:lstStyle/>
+          <a:p>
+            <a:pPr algn="ctr"/>
+            <a:r>
+              <a:rPr lang="en-US" sz="1400" dirty="0"/>
+              <a:t>Example2_Polhemus.csv</a:t>
+            </a:r>
+          </a:p>
+        </p:txBody>
+      </p:sp>
+      <p:cxnSp>
+        <p:nvCxnSpPr>
+          <p:cNvPr id="44" name="Elbow Connector 43">
+            <a:extLst>
+              <a:ext uri="{FF2B5EF4-FFF2-40B4-BE49-F238E27FC236}">
+                <a16:creationId xmlns:a16="http://schemas.microsoft.com/office/drawing/2014/main" id="{8341C8D1-1C11-3141-A009-77D5D87FBB03}"/>
+              </a:ext>
+            </a:extLst>
+          </p:cNvPr>
+          <p:cNvCxnSpPr>
+            <a:cxnSpLocks/>
+            <a:stCxn id="42" idx="1"/>
+            <a:endCxn id="29" idx="3"/>
+          </p:cNvCxnSpPr>
+          <p:nvPr/>
+        </p:nvCxnSpPr>
+        <p:spPr>
+          <a:xfrm rot="10800000" flipV="1">
+            <a:off x="7644276" y="1728596"/>
+            <a:ext cx="1490111" cy="90191"/>
+          </a:xfrm>
+          <a:prstGeom prst="bentConnector3">
+            <a:avLst>
+              <a:gd name="adj1" fmla="val 50000"/>
+            </a:avLst>
+          </a:prstGeom>
+          <a:ln>
+            <a:tailEnd type="triangle"/>
+          </a:ln>
+        </p:spPr>
+        <p:style>
+          <a:lnRef idx="1">
+            <a:schemeClr val="accent1"/>
+          </a:lnRef>
+          <a:fillRef idx="0">
+            <a:schemeClr val="accent1"/>
+          </a:fillRef>
+          <a:effectRef idx="0">
+            <a:schemeClr val="accent1"/>
+          </a:effectRef>
+          <a:fontRef idx="minor">
+            <a:schemeClr val="tx1"/>
+          </a:fontRef>
+        </p:style>
+      </p:cxnSp>
+      <p:sp>
+        <p:nvSpPr>
+          <p:cNvPr id="33" name="Rectangle 32">
+            <a:extLst>
+              <a:ext uri="{FF2B5EF4-FFF2-40B4-BE49-F238E27FC236}">
+                <a16:creationId xmlns:a16="http://schemas.microsoft.com/office/drawing/2014/main" id="{679B3E4D-C8F5-A748-A68A-123466676C59}"/>
+              </a:ext>
+            </a:extLst>
+          </p:cNvPr>
+          <p:cNvSpPr/>
+          <p:nvPr/>
+        </p:nvSpPr>
+        <p:spPr>
+          <a:xfrm>
+            <a:off x="6012753" y="2586565"/>
+            <a:ext cx="2250000" cy="409454"/>
+          </a:xfrm>
+          <a:prstGeom prst="rect">
+            <a:avLst/>
+          </a:prstGeom>
+          <a:solidFill>
+            <a:srgbClr val="92D050"/>
+          </a:solidFill>
+          <a:effectLst/>
+        </p:spPr>
+        <p:style>
+          <a:lnRef idx="1">
+            <a:schemeClr val="accent1"/>
+          </a:lnRef>
+          <a:fillRef idx="3">
+            <a:schemeClr val="accent1"/>
+          </a:fillRef>
+          <a:effectRef idx="2">
+            <a:schemeClr val="accent1"/>
+          </a:effectRef>
+          <a:fontRef idx="minor">
+            <a:schemeClr val="lt1"/>
+          </a:fontRef>
+        </p:style>
+        <p:txBody>
+          <a:bodyPr rtlCol="0" anchor="ctr"/>
+          <a:lstStyle/>
+          <a:p>
+            <a:pPr algn="ctr"/>
+            <a:r>
+              <a:rPr lang="en-US" sz="1200" b="1" dirty="0" err="1">
+                <a:solidFill>
+                  <a:schemeClr val="tx1"/>
+                </a:solidFill>
+              </a:rPr>
+              <a:t>DOTHUB_dataQualityCheck</a:t>
+            </a:r>
+            <a:endParaRPr lang="en-US" sz="1200" b="1" dirty="0">
+              <a:solidFill>
+                <a:schemeClr val="tx1"/>
+              </a:solidFill>
+            </a:endParaRPr>
+          </a:p>
+        </p:txBody>
+      </p:sp>
+      <p:sp>
+        <p:nvSpPr>
+          <p:cNvPr id="34" name="Rectangle 33">
+            <a:extLst>
+              <a:ext uri="{FF2B5EF4-FFF2-40B4-BE49-F238E27FC236}">
+                <a16:creationId xmlns:a16="http://schemas.microsoft.com/office/drawing/2014/main" id="{D9EEC5F1-CE0A-1B49-8C45-D5E66910861B}"/>
+              </a:ext>
+            </a:extLst>
+          </p:cNvPr>
+          <p:cNvSpPr/>
+          <p:nvPr/>
+        </p:nvSpPr>
+        <p:spPr>
+          <a:xfrm>
+            <a:off x="6028169" y="3512391"/>
+            <a:ext cx="2250000" cy="409454"/>
+          </a:xfrm>
+          <a:prstGeom prst="rect">
+            <a:avLst/>
+          </a:prstGeom>
+          <a:solidFill>
+            <a:srgbClr val="92D050"/>
+          </a:solidFill>
+          <a:effectLst/>
+        </p:spPr>
+        <p:style>
+          <a:lnRef idx="1">
+            <a:schemeClr val="accent1"/>
+          </a:lnRef>
+          <a:fillRef idx="3">
+            <a:schemeClr val="accent1"/>
+          </a:fillRef>
+          <a:effectRef idx="2">
+            <a:schemeClr val="accent1"/>
+          </a:effectRef>
+          <a:fontRef idx="minor">
+            <a:schemeClr val="lt1"/>
+          </a:fontRef>
+        </p:style>
+        <p:txBody>
+          <a:bodyPr rtlCol="0" anchor="ctr"/>
+          <a:lstStyle/>
+          <a:p>
+            <a:pPr algn="ctr"/>
+            <a:r>
+              <a:rPr lang="en-US" sz="1200" b="1" dirty="0" err="1">
+                <a:solidFill>
+                  <a:schemeClr val="tx1"/>
+                </a:solidFill>
+              </a:rPr>
+              <a:t>DOTHUB_writePrepro</a:t>
+            </a:r>
+            <a:endParaRPr lang="en-US" sz="1200" b="1" dirty="0">
+              <a:solidFill>
+                <a:schemeClr val="tx1"/>
+              </a:solidFill>
+            </a:endParaRPr>
+          </a:p>
+        </p:txBody>
+      </p:sp>
+      <p:sp>
+        <p:nvSpPr>
+          <p:cNvPr id="35" name="Rectangle 34">
+            <a:extLst>
+              <a:ext uri="{FF2B5EF4-FFF2-40B4-BE49-F238E27FC236}">
+                <a16:creationId xmlns:a16="http://schemas.microsoft.com/office/drawing/2014/main" id="{1B7145AF-8111-A843-A802-BC09475979E7}"/>
+              </a:ext>
+            </a:extLst>
+          </p:cNvPr>
+          <p:cNvSpPr/>
+          <p:nvPr/>
+        </p:nvSpPr>
+        <p:spPr>
+          <a:xfrm>
+            <a:off x="9161434" y="3268166"/>
+            <a:ext cx="2016407" cy="307777"/>
+          </a:xfrm>
+          <a:prstGeom prst="rect">
+            <a:avLst/>
+          </a:prstGeom>
+          <a:solidFill>
+            <a:schemeClr val="accent2">
+              <a:lumMod val="20000"/>
+              <a:lumOff val="80000"/>
+            </a:schemeClr>
+          </a:solidFill>
+          <a:ln w="38100">
+            <a:solidFill>
+              <a:schemeClr val="tx1"/>
+            </a:solidFill>
+          </a:ln>
+          <a:effectLst/>
+        </p:spPr>
+        <p:txBody>
+          <a:bodyPr wrap="square">
+            <a:spAutoFit/>
+          </a:bodyPr>
+          <a:lstStyle/>
+          <a:p>
+            <a:pPr algn="ctr"/>
+            <a:r>
+              <a:rPr lang="en-US" sz="1400" dirty="0" err="1"/>
+              <a:t>dataQualityCheck.txt</a:t>
+            </a:r>
+            <a:endParaRPr lang="en-US" sz="1400" dirty="0"/>
+          </a:p>
+        </p:txBody>
+      </p:sp>
+      <p:sp>
+        <p:nvSpPr>
+          <p:cNvPr id="36" name="Rectangle 35">
+            <a:extLst>
+              <a:ext uri="{FF2B5EF4-FFF2-40B4-BE49-F238E27FC236}">
+                <a16:creationId xmlns:a16="http://schemas.microsoft.com/office/drawing/2014/main" id="{81B9CD27-53E6-0E46-951D-326CAD1B1ABD}"/>
+              </a:ext>
+            </a:extLst>
+          </p:cNvPr>
+          <p:cNvSpPr/>
+          <p:nvPr/>
+        </p:nvSpPr>
+        <p:spPr>
+          <a:xfrm>
+            <a:off x="6028169" y="3049478"/>
+            <a:ext cx="2250000" cy="409454"/>
+          </a:xfrm>
+          <a:prstGeom prst="rect">
+            <a:avLst/>
+          </a:prstGeom>
+          <a:solidFill>
+            <a:schemeClr val="accent2">
+              <a:lumMod val="60000"/>
+              <a:lumOff val="40000"/>
+            </a:schemeClr>
+          </a:solidFill>
+          <a:effectLst/>
+        </p:spPr>
+        <p:style>
+          <a:lnRef idx="1">
+            <a:schemeClr val="accent1"/>
+          </a:lnRef>
+          <a:fillRef idx="3">
+            <a:schemeClr val="accent1"/>
+          </a:fillRef>
+          <a:effectRef idx="2">
+            <a:schemeClr val="accent1"/>
+          </a:effectRef>
+          <a:fontRef idx="minor">
+            <a:schemeClr val="lt1"/>
+          </a:fontRef>
+        </p:style>
+        <p:txBody>
+          <a:bodyPr rtlCol="0" anchor="ctr"/>
+          <a:lstStyle/>
+          <a:p>
+            <a:pPr algn="ctr"/>
+            <a:r>
+              <a:rPr lang="en-US" sz="1200" b="1" dirty="0">
+                <a:solidFill>
+                  <a:schemeClr val="tx1"/>
+                </a:solidFill>
+              </a:rPr>
+              <a:t>[pre-processing steps]</a:t>
+            </a:r>
+          </a:p>
+        </p:txBody>
+      </p:sp>
     </p:spTree>
     <p:extLst>
       <p:ext uri="{BB962C8B-B14F-4D97-AF65-F5344CB8AC3E}">
-        <p14:creationId xmlns:p14="http://schemas.microsoft.com/office/powerpoint/2010/main" val="1627735017"/>
+        <p14:creationId xmlns:p14="http://schemas.microsoft.com/office/powerpoint/2010/main" val="1874111859"/>
       </p:ext>
     </p:extLst>
   </p:cSld>
@@ -6264,7 +6889,7 @@
         <p:spPr>
           <a:xfrm>
             <a:off x="207281" y="129054"/>
-            <a:ext cx="2609007" cy="1261884"/>
+            <a:ext cx="6334837" cy="830997"/>
           </a:xfrm>
           <a:prstGeom prst="rect">
             <a:avLst/>
@@ -6279,7 +6904,1332 @@
           <a:p>
             <a:r>
               <a:rPr lang="en-US" sz="2000" b="1" dirty="0"/>
-              <a:t>Example Pipeline 3</a:t>
+              <a:t>TBD</a:t>
+            </a:r>
+          </a:p>
+          <a:p>
+            <a:pPr marL="285750" indent="-285750">
+              <a:buFont typeface="Arial" panose="020B0604020202020204" pitchFamily="34" charset="0"/>
+              <a:buChar char="•"/>
+            </a:pPr>
+            <a:r>
+              <a:rPr lang="en-US" sz="1400" dirty="0"/>
+              <a:t>Individual positioning data</a:t>
+            </a:r>
+          </a:p>
+          <a:p>
+            <a:pPr marL="285750" indent="-285750">
+              <a:buFont typeface="Arial" panose="020B0604020202020204" pitchFamily="34" charset="0"/>
+              <a:buChar char="•"/>
+            </a:pPr>
+            <a:r>
+              <a:rPr lang="en-US" sz="1400" dirty="0"/>
+              <a:t>Individual head model .</a:t>
+            </a:r>
+            <a:r>
+              <a:rPr lang="en-US" sz="1400" dirty="0" err="1"/>
+              <a:t>mshs</a:t>
+            </a:r>
+            <a:endParaRPr lang="en-US" sz="1400" dirty="0"/>
+          </a:p>
+        </p:txBody>
+      </p:sp>
+      <p:sp>
+        <p:nvSpPr>
+          <p:cNvPr id="5" name="Rectangle 4">
+            <a:extLst>
+              <a:ext uri="{FF2B5EF4-FFF2-40B4-BE49-F238E27FC236}">
+                <a16:creationId xmlns:a16="http://schemas.microsoft.com/office/drawing/2014/main" id="{6A0D9DE5-1B35-0842-96A6-55B75C056574}"/>
+              </a:ext>
+            </a:extLst>
+          </p:cNvPr>
+          <p:cNvSpPr/>
+          <p:nvPr/>
+        </p:nvSpPr>
+        <p:spPr>
+          <a:xfrm>
+            <a:off x="8756445" y="517588"/>
+            <a:ext cx="2775858" cy="5953451"/>
+          </a:xfrm>
+          <a:prstGeom prst="rect">
+            <a:avLst/>
+          </a:prstGeom>
+          <a:noFill/>
+          <a:ln w="28575">
+            <a:solidFill>
+              <a:schemeClr val="tx1"/>
+            </a:solidFill>
+            <a:prstDash val="sysDot"/>
+          </a:ln>
+          <a:effectLst/>
+        </p:spPr>
+        <p:style>
+          <a:lnRef idx="1">
+            <a:schemeClr val="accent1"/>
+          </a:lnRef>
+          <a:fillRef idx="3">
+            <a:schemeClr val="accent1"/>
+          </a:fillRef>
+          <a:effectRef idx="2">
+            <a:schemeClr val="accent1"/>
+          </a:effectRef>
+          <a:fontRef idx="minor">
+            <a:schemeClr val="lt1"/>
+          </a:fontRef>
+        </p:style>
+        <p:txBody>
+          <a:bodyPr rtlCol="0" anchor="t"/>
+          <a:lstStyle/>
+          <a:p>
+            <a:pPr algn="ctr"/>
+            <a:endParaRPr lang="en-US" sz="1200" dirty="0">
+              <a:solidFill>
+                <a:schemeClr val="tx1"/>
+              </a:solidFill>
+            </a:endParaRPr>
+          </a:p>
+        </p:txBody>
+      </p:sp>
+      <p:sp>
+        <p:nvSpPr>
+          <p:cNvPr id="6" name="Rectangle 5">
+            <a:extLst>
+              <a:ext uri="{FF2B5EF4-FFF2-40B4-BE49-F238E27FC236}">
+                <a16:creationId xmlns:a16="http://schemas.microsoft.com/office/drawing/2014/main" id="{121E5FDD-CD9E-F744-A864-6580FD69F7D0}"/>
+              </a:ext>
+            </a:extLst>
+          </p:cNvPr>
+          <p:cNvSpPr/>
+          <p:nvPr/>
+        </p:nvSpPr>
+        <p:spPr>
+          <a:xfrm>
+            <a:off x="9310203" y="606914"/>
+            <a:ext cx="1668342" cy="400110"/>
+          </a:xfrm>
+          <a:prstGeom prst="rect">
+            <a:avLst/>
+          </a:prstGeom>
+          <a:effectLst/>
+        </p:spPr>
+        <p:txBody>
+          <a:bodyPr wrap="none">
+            <a:spAutoFit/>
+          </a:bodyPr>
+          <a:lstStyle/>
+          <a:p>
+            <a:pPr algn="ctr"/>
+            <a:r>
+              <a:rPr lang="en-US" sz="2000" b="1" u="sng" dirty="0"/>
+              <a:t>Subject folder</a:t>
+            </a:r>
+          </a:p>
+        </p:txBody>
+      </p:sp>
+      <p:sp>
+        <p:nvSpPr>
+          <p:cNvPr id="7" name="Rectangle 6">
+            <a:extLst>
+              <a:ext uri="{FF2B5EF4-FFF2-40B4-BE49-F238E27FC236}">
+                <a16:creationId xmlns:a16="http://schemas.microsoft.com/office/drawing/2014/main" id="{EA65AD1B-3C27-2844-9DCB-EAE524429CA9}"/>
+              </a:ext>
+            </a:extLst>
+          </p:cNvPr>
+          <p:cNvSpPr/>
+          <p:nvPr/>
+        </p:nvSpPr>
+        <p:spPr>
+          <a:xfrm>
+            <a:off x="9129967" y="1133140"/>
+            <a:ext cx="2016407" cy="307777"/>
+          </a:xfrm>
+          <a:prstGeom prst="rect">
+            <a:avLst/>
+          </a:prstGeom>
+          <a:solidFill>
+            <a:schemeClr val="accent2">
+              <a:lumMod val="20000"/>
+              <a:lumOff val="80000"/>
+            </a:schemeClr>
+          </a:solidFill>
+          <a:ln w="38100">
+            <a:solidFill>
+              <a:schemeClr val="tx1"/>
+            </a:solidFill>
+          </a:ln>
+          <a:effectLst/>
+        </p:spPr>
+        <p:txBody>
+          <a:bodyPr wrap="square">
+            <a:spAutoFit/>
+          </a:bodyPr>
+          <a:lstStyle/>
+          <a:p>
+            <a:pPr algn="ctr"/>
+            <a:r>
+              <a:rPr lang="en-US" sz="1400" dirty="0"/>
+              <a:t>.</a:t>
+            </a:r>
+            <a:r>
+              <a:rPr lang="en-US" sz="1400" dirty="0" err="1"/>
+              <a:t>nirs</a:t>
+            </a:r>
+            <a:r>
+              <a:rPr lang="en-US" sz="1400" dirty="0"/>
+              <a:t> </a:t>
+            </a:r>
+          </a:p>
+        </p:txBody>
+      </p:sp>
+      <p:sp>
+        <p:nvSpPr>
+          <p:cNvPr id="8" name="Rectangle 7">
+            <a:extLst>
+              <a:ext uri="{FF2B5EF4-FFF2-40B4-BE49-F238E27FC236}">
+                <a16:creationId xmlns:a16="http://schemas.microsoft.com/office/drawing/2014/main" id="{96D81A0E-202B-5C4A-AD78-5E683BB91210}"/>
+              </a:ext>
+            </a:extLst>
+          </p:cNvPr>
+          <p:cNvSpPr/>
+          <p:nvPr/>
+        </p:nvSpPr>
+        <p:spPr>
+          <a:xfrm>
+            <a:off x="9129967" y="1584915"/>
+            <a:ext cx="2016407" cy="307777"/>
+          </a:xfrm>
+          <a:prstGeom prst="rect">
+            <a:avLst/>
+          </a:prstGeom>
+          <a:solidFill>
+            <a:schemeClr val="accent2">
+              <a:lumMod val="20000"/>
+              <a:lumOff val="80000"/>
+            </a:schemeClr>
+          </a:solidFill>
+          <a:ln w="38100">
+            <a:solidFill>
+              <a:schemeClr val="tx1"/>
+            </a:solidFill>
+          </a:ln>
+          <a:effectLst/>
+        </p:spPr>
+        <p:txBody>
+          <a:bodyPr wrap="square">
+            <a:spAutoFit/>
+          </a:bodyPr>
+          <a:lstStyle/>
+          <a:p>
+            <a:pPr algn="ctr"/>
+            <a:r>
+              <a:rPr lang="en-US" sz="1400" dirty="0"/>
+              <a:t>.SD3D </a:t>
+            </a:r>
+          </a:p>
+        </p:txBody>
+      </p:sp>
+      <p:sp>
+        <p:nvSpPr>
+          <p:cNvPr id="9" name="Rectangle 8">
+            <a:extLst>
+              <a:ext uri="{FF2B5EF4-FFF2-40B4-BE49-F238E27FC236}">
+                <a16:creationId xmlns:a16="http://schemas.microsoft.com/office/drawing/2014/main" id="{F9CE3692-F21D-F14B-B3A8-78AB98A96361}"/>
+              </a:ext>
+            </a:extLst>
+          </p:cNvPr>
+          <p:cNvSpPr/>
+          <p:nvPr/>
+        </p:nvSpPr>
+        <p:spPr>
+          <a:xfrm>
+            <a:off x="9259676" y="2043172"/>
+            <a:ext cx="1748490" cy="1090486"/>
+          </a:xfrm>
+          <a:prstGeom prst="rect">
+            <a:avLst/>
+          </a:prstGeom>
+          <a:noFill/>
+          <a:ln w="38100">
+            <a:solidFill>
+              <a:schemeClr val="tx1"/>
+            </a:solidFill>
+            <a:prstDash val="sysDash"/>
+          </a:ln>
+          <a:effectLst/>
+        </p:spPr>
+        <p:style>
+          <a:lnRef idx="1">
+            <a:schemeClr val="accent1"/>
+          </a:lnRef>
+          <a:fillRef idx="3">
+            <a:schemeClr val="accent1"/>
+          </a:fillRef>
+          <a:effectRef idx="2">
+            <a:schemeClr val="accent1"/>
+          </a:effectRef>
+          <a:fontRef idx="minor">
+            <a:schemeClr val="lt1"/>
+          </a:fontRef>
+        </p:style>
+        <p:txBody>
+          <a:bodyPr rtlCol="0" anchor="ctr"/>
+          <a:lstStyle/>
+          <a:p>
+            <a:pPr algn="ctr"/>
+            <a:r>
+              <a:rPr lang="en-US" sz="1200" b="1" dirty="0">
+                <a:solidFill>
+                  <a:schemeClr val="tx1"/>
+                </a:solidFill>
+              </a:rPr>
+              <a:t>Subject#.mshs</a:t>
+            </a:r>
+            <a:br>
+              <a:rPr lang="en-US" sz="1200" dirty="0">
+                <a:solidFill>
+                  <a:schemeClr val="tx1"/>
+                </a:solidFill>
+              </a:rPr>
+            </a:br>
+            <a:r>
+              <a:rPr lang="en-US" sz="900" dirty="0" err="1">
+                <a:solidFill>
+                  <a:schemeClr val="tx1"/>
+                </a:solidFill>
+              </a:rPr>
+              <a:t>HeadVolumeMesh</a:t>
+            </a:r>
+            <a:endParaRPr lang="en-US" sz="900" dirty="0">
+              <a:solidFill>
+                <a:schemeClr val="tx1"/>
+              </a:solidFill>
+            </a:endParaRPr>
+          </a:p>
+          <a:p>
+            <a:pPr algn="ctr"/>
+            <a:r>
+              <a:rPr lang="en-US" sz="900" dirty="0" err="1">
+                <a:solidFill>
+                  <a:schemeClr val="tx1"/>
+                </a:solidFill>
+              </a:rPr>
+              <a:t>GMSurfaceMesh</a:t>
+            </a:r>
+            <a:endParaRPr lang="en-US" sz="900" dirty="0">
+              <a:solidFill>
+                <a:schemeClr val="tx1"/>
+              </a:solidFill>
+            </a:endParaRPr>
+          </a:p>
+          <a:p>
+            <a:pPr algn="ctr"/>
+            <a:r>
+              <a:rPr lang="en-US" sz="900" dirty="0" err="1">
+                <a:solidFill>
+                  <a:schemeClr val="tx1"/>
+                </a:solidFill>
+              </a:rPr>
+              <a:t>ScalpSurfaceMesh</a:t>
+            </a:r>
+            <a:endParaRPr lang="en-US" sz="900" dirty="0">
+              <a:solidFill>
+                <a:schemeClr val="tx1"/>
+              </a:solidFill>
+            </a:endParaRPr>
+          </a:p>
+          <a:p>
+            <a:pPr algn="ctr"/>
+            <a:r>
+              <a:rPr lang="en-US" sz="900" dirty="0">
+                <a:solidFill>
+                  <a:schemeClr val="tx1"/>
+                </a:solidFill>
+              </a:rPr>
+              <a:t>landmarks</a:t>
+            </a:r>
+          </a:p>
+          <a:p>
+            <a:pPr algn="ctr"/>
+            <a:r>
+              <a:rPr lang="en-US" sz="900" dirty="0">
+                <a:solidFill>
+                  <a:schemeClr val="tx1"/>
+                </a:solidFill>
+              </a:rPr>
+              <a:t>vol2gm</a:t>
+            </a:r>
+          </a:p>
+        </p:txBody>
+      </p:sp>
+      <p:sp>
+        <p:nvSpPr>
+          <p:cNvPr id="10" name="Rectangle 9">
+            <a:extLst>
+              <a:ext uri="{FF2B5EF4-FFF2-40B4-BE49-F238E27FC236}">
+                <a16:creationId xmlns:a16="http://schemas.microsoft.com/office/drawing/2014/main" id="{1664CBF5-0EAC-2844-88DD-24679F894F05}"/>
+              </a:ext>
+            </a:extLst>
+          </p:cNvPr>
+          <p:cNvSpPr/>
+          <p:nvPr/>
+        </p:nvSpPr>
+        <p:spPr>
+          <a:xfrm>
+            <a:off x="2816288" y="517588"/>
+            <a:ext cx="2775858" cy="5953451"/>
+          </a:xfrm>
+          <a:prstGeom prst="rect">
+            <a:avLst/>
+          </a:prstGeom>
+          <a:noFill/>
+          <a:ln w="28575">
+            <a:solidFill>
+              <a:schemeClr val="tx1"/>
+            </a:solidFill>
+            <a:prstDash val="sysDot"/>
+          </a:ln>
+          <a:effectLst/>
+        </p:spPr>
+        <p:style>
+          <a:lnRef idx="1">
+            <a:schemeClr val="accent1"/>
+          </a:lnRef>
+          <a:fillRef idx="3">
+            <a:schemeClr val="accent1"/>
+          </a:fillRef>
+          <a:effectRef idx="2">
+            <a:schemeClr val="accent1"/>
+          </a:effectRef>
+          <a:fontRef idx="minor">
+            <a:schemeClr val="lt1"/>
+          </a:fontRef>
+        </p:style>
+        <p:txBody>
+          <a:bodyPr rtlCol="0" anchor="t"/>
+          <a:lstStyle/>
+          <a:p>
+            <a:pPr algn="ctr"/>
+            <a:endParaRPr lang="en-US" sz="1200" dirty="0">
+              <a:solidFill>
+                <a:schemeClr val="tx1"/>
+              </a:solidFill>
+            </a:endParaRPr>
+          </a:p>
+        </p:txBody>
+      </p:sp>
+      <p:sp>
+        <p:nvSpPr>
+          <p:cNvPr id="11" name="Rectangle 10">
+            <a:extLst>
+              <a:ext uri="{FF2B5EF4-FFF2-40B4-BE49-F238E27FC236}">
+                <a16:creationId xmlns:a16="http://schemas.microsoft.com/office/drawing/2014/main" id="{EB256E60-9EEA-7946-9D02-3FFA8866EB7A}"/>
+              </a:ext>
+            </a:extLst>
+          </p:cNvPr>
+          <p:cNvSpPr/>
+          <p:nvPr/>
+        </p:nvSpPr>
+        <p:spPr>
+          <a:xfrm>
+            <a:off x="3026173" y="606914"/>
+            <a:ext cx="2356094" cy="400110"/>
+          </a:xfrm>
+          <a:prstGeom prst="rect">
+            <a:avLst/>
+          </a:prstGeom>
+          <a:effectLst/>
+        </p:spPr>
+        <p:txBody>
+          <a:bodyPr wrap="none">
+            <a:spAutoFit/>
+          </a:bodyPr>
+          <a:lstStyle/>
+          <a:p>
+            <a:pPr algn="ctr"/>
+            <a:r>
+              <a:rPr lang="en-US" sz="2000" b="1" u="sng" dirty="0"/>
+              <a:t>Group folder / other</a:t>
+            </a:r>
+          </a:p>
+        </p:txBody>
+      </p:sp>
+      <p:sp>
+        <p:nvSpPr>
+          <p:cNvPr id="16" name="Rectangle 15">
+            <a:extLst>
+              <a:ext uri="{FF2B5EF4-FFF2-40B4-BE49-F238E27FC236}">
+                <a16:creationId xmlns:a16="http://schemas.microsoft.com/office/drawing/2014/main" id="{8E956AAF-925A-0748-B51B-85C58D4F7755}"/>
+              </a:ext>
+            </a:extLst>
+          </p:cNvPr>
+          <p:cNvSpPr/>
+          <p:nvPr/>
+        </p:nvSpPr>
+        <p:spPr>
+          <a:xfrm>
+            <a:off x="9164692" y="4590588"/>
+            <a:ext cx="2016407" cy="307777"/>
+          </a:xfrm>
+          <a:prstGeom prst="rect">
+            <a:avLst/>
+          </a:prstGeom>
+          <a:solidFill>
+            <a:schemeClr val="accent2">
+              <a:lumMod val="20000"/>
+              <a:lumOff val="80000"/>
+            </a:schemeClr>
+          </a:solidFill>
+          <a:ln w="38100">
+            <a:solidFill>
+              <a:schemeClr val="tx1"/>
+            </a:solidFill>
+          </a:ln>
+          <a:effectLst/>
+        </p:spPr>
+        <p:txBody>
+          <a:bodyPr wrap="square">
+            <a:spAutoFit/>
+          </a:bodyPr>
+          <a:lstStyle/>
+          <a:p>
+            <a:pPr algn="ctr"/>
+            <a:r>
+              <a:rPr lang="en-US" sz="1400" dirty="0"/>
+              <a:t>.</a:t>
+            </a:r>
+            <a:r>
+              <a:rPr lang="en-US" sz="1400" dirty="0" err="1"/>
+              <a:t>rmap</a:t>
+            </a:r>
+            <a:endParaRPr lang="en-US" sz="1400" dirty="0"/>
+          </a:p>
+        </p:txBody>
+      </p:sp>
+      <p:sp>
+        <p:nvSpPr>
+          <p:cNvPr id="17" name="Rectangle 16">
+            <a:extLst>
+              <a:ext uri="{FF2B5EF4-FFF2-40B4-BE49-F238E27FC236}">
+                <a16:creationId xmlns:a16="http://schemas.microsoft.com/office/drawing/2014/main" id="{39D79005-C1D2-6C46-A67F-FDDBE9F6BF7D}"/>
+              </a:ext>
+            </a:extLst>
+          </p:cNvPr>
+          <p:cNvSpPr/>
+          <p:nvPr/>
+        </p:nvSpPr>
+        <p:spPr>
+          <a:xfrm>
+            <a:off x="9164692" y="5042363"/>
+            <a:ext cx="2016407" cy="307777"/>
+          </a:xfrm>
+          <a:prstGeom prst="rect">
+            <a:avLst/>
+          </a:prstGeom>
+          <a:solidFill>
+            <a:schemeClr val="accent2">
+              <a:lumMod val="20000"/>
+              <a:lumOff val="80000"/>
+            </a:schemeClr>
+          </a:solidFill>
+          <a:ln w="38100">
+            <a:solidFill>
+              <a:schemeClr val="tx1"/>
+            </a:solidFill>
+          </a:ln>
+          <a:effectLst/>
+        </p:spPr>
+        <p:txBody>
+          <a:bodyPr wrap="square">
+            <a:spAutoFit/>
+          </a:bodyPr>
+          <a:lstStyle/>
+          <a:p>
+            <a:pPr algn="ctr"/>
+            <a:r>
+              <a:rPr lang="en-US" sz="1400" dirty="0"/>
+              <a:t>.</a:t>
+            </a:r>
+            <a:r>
+              <a:rPr lang="en-US" sz="1400" dirty="0" err="1"/>
+              <a:t>jac</a:t>
+            </a:r>
+            <a:endParaRPr lang="en-US" sz="1400" dirty="0"/>
+          </a:p>
+        </p:txBody>
+      </p:sp>
+      <p:sp>
+        <p:nvSpPr>
+          <p:cNvPr id="18" name="Rectangle 17">
+            <a:extLst>
+              <a:ext uri="{FF2B5EF4-FFF2-40B4-BE49-F238E27FC236}">
+                <a16:creationId xmlns:a16="http://schemas.microsoft.com/office/drawing/2014/main" id="{5671EC4E-FC82-224D-B1EB-4450AC3169A8}"/>
+              </a:ext>
+            </a:extLst>
+          </p:cNvPr>
+          <p:cNvSpPr/>
+          <p:nvPr/>
+        </p:nvSpPr>
+        <p:spPr>
+          <a:xfrm>
+            <a:off x="9164691" y="5482738"/>
+            <a:ext cx="2016407" cy="307777"/>
+          </a:xfrm>
+          <a:prstGeom prst="rect">
+            <a:avLst/>
+          </a:prstGeom>
+          <a:solidFill>
+            <a:schemeClr val="accent2">
+              <a:lumMod val="20000"/>
+              <a:lumOff val="80000"/>
+            </a:schemeClr>
+          </a:solidFill>
+          <a:ln w="38100">
+            <a:solidFill>
+              <a:schemeClr val="tx1"/>
+            </a:solidFill>
+          </a:ln>
+          <a:effectLst/>
+        </p:spPr>
+        <p:txBody>
+          <a:bodyPr wrap="square">
+            <a:spAutoFit/>
+          </a:bodyPr>
+          <a:lstStyle/>
+          <a:p>
+            <a:pPr algn="ctr"/>
+            <a:r>
+              <a:rPr lang="en-US" sz="1400" dirty="0"/>
+              <a:t>.</a:t>
+            </a:r>
+            <a:r>
+              <a:rPr lang="en-US" sz="1400" dirty="0" err="1"/>
+              <a:t>invjac</a:t>
+            </a:r>
+            <a:endParaRPr lang="en-US" sz="1400" dirty="0"/>
+          </a:p>
+        </p:txBody>
+      </p:sp>
+      <p:sp>
+        <p:nvSpPr>
+          <p:cNvPr id="19" name="Rectangle 18">
+            <a:extLst>
+              <a:ext uri="{FF2B5EF4-FFF2-40B4-BE49-F238E27FC236}">
+                <a16:creationId xmlns:a16="http://schemas.microsoft.com/office/drawing/2014/main" id="{9F47F780-2BEF-F748-80B1-C802E5CDCA8C}"/>
+              </a:ext>
+            </a:extLst>
+          </p:cNvPr>
+          <p:cNvSpPr/>
+          <p:nvPr/>
+        </p:nvSpPr>
+        <p:spPr>
+          <a:xfrm>
+            <a:off x="9164691" y="5923113"/>
+            <a:ext cx="2016407" cy="307777"/>
+          </a:xfrm>
+          <a:prstGeom prst="rect">
+            <a:avLst/>
+          </a:prstGeom>
+          <a:solidFill>
+            <a:schemeClr val="accent2">
+              <a:lumMod val="20000"/>
+              <a:lumOff val="80000"/>
+            </a:schemeClr>
+          </a:solidFill>
+          <a:ln w="38100">
+            <a:solidFill>
+              <a:schemeClr val="tx1"/>
+            </a:solidFill>
+          </a:ln>
+          <a:effectLst/>
+        </p:spPr>
+        <p:txBody>
+          <a:bodyPr wrap="square">
+            <a:spAutoFit/>
+          </a:bodyPr>
+          <a:lstStyle/>
+          <a:p>
+            <a:pPr algn="ctr"/>
+            <a:r>
+              <a:rPr lang="en-US" sz="1400" dirty="0"/>
+              <a:t>.</a:t>
+            </a:r>
+            <a:r>
+              <a:rPr lang="en-US" sz="1400" dirty="0" err="1"/>
+              <a:t>dotimg</a:t>
+            </a:r>
+            <a:endParaRPr lang="en-US" sz="1400" dirty="0"/>
+          </a:p>
+        </p:txBody>
+      </p:sp>
+      <p:sp>
+        <p:nvSpPr>
+          <p:cNvPr id="20" name="Rectangle 19">
+            <a:extLst>
+              <a:ext uri="{FF2B5EF4-FFF2-40B4-BE49-F238E27FC236}">
+                <a16:creationId xmlns:a16="http://schemas.microsoft.com/office/drawing/2014/main" id="{F76919EB-8677-3042-870D-992D0FC01213}"/>
+              </a:ext>
+            </a:extLst>
+          </p:cNvPr>
+          <p:cNvSpPr/>
+          <p:nvPr/>
+        </p:nvSpPr>
+        <p:spPr>
+          <a:xfrm>
+            <a:off x="6016045" y="2720240"/>
+            <a:ext cx="2250000" cy="374514"/>
+          </a:xfrm>
+          <a:prstGeom prst="rect">
+            <a:avLst/>
+          </a:prstGeom>
+          <a:solidFill>
+            <a:srgbClr val="92D050"/>
+          </a:solidFill>
+          <a:effectLst/>
+        </p:spPr>
+        <p:style>
+          <a:lnRef idx="1">
+            <a:schemeClr val="accent1"/>
+          </a:lnRef>
+          <a:fillRef idx="3">
+            <a:schemeClr val="accent1"/>
+          </a:fillRef>
+          <a:effectRef idx="2">
+            <a:schemeClr val="accent1"/>
+          </a:effectRef>
+          <a:fontRef idx="minor">
+            <a:schemeClr val="lt1"/>
+          </a:fontRef>
+        </p:style>
+        <p:txBody>
+          <a:bodyPr rtlCol="0" anchor="ctr"/>
+          <a:lstStyle/>
+          <a:p>
+            <a:pPr algn="ctr"/>
+            <a:r>
+              <a:rPr lang="en-US" sz="1200" b="1" dirty="0" err="1">
+                <a:solidFill>
+                  <a:schemeClr val="tx1"/>
+                </a:solidFill>
+              </a:rPr>
+              <a:t>DOTHUB_meshRegistration</a:t>
+            </a:r>
+            <a:endParaRPr lang="en-US" sz="1200" b="1" dirty="0">
+              <a:solidFill>
+                <a:schemeClr val="tx1"/>
+              </a:solidFill>
+            </a:endParaRPr>
+          </a:p>
+        </p:txBody>
+      </p:sp>
+      <p:sp>
+        <p:nvSpPr>
+          <p:cNvPr id="21" name="Rectangle 20">
+            <a:extLst>
+              <a:ext uri="{FF2B5EF4-FFF2-40B4-BE49-F238E27FC236}">
+                <a16:creationId xmlns:a16="http://schemas.microsoft.com/office/drawing/2014/main" id="{FB861A23-9EF3-0944-9104-EA65EC94996A}"/>
+              </a:ext>
+            </a:extLst>
+          </p:cNvPr>
+          <p:cNvSpPr/>
+          <p:nvPr/>
+        </p:nvSpPr>
+        <p:spPr>
+          <a:xfrm>
+            <a:off x="6016044" y="3137846"/>
+            <a:ext cx="2250000" cy="374514"/>
+          </a:xfrm>
+          <a:prstGeom prst="rect">
+            <a:avLst/>
+          </a:prstGeom>
+          <a:solidFill>
+            <a:srgbClr val="92D050"/>
+          </a:solidFill>
+          <a:effectLst/>
+        </p:spPr>
+        <p:style>
+          <a:lnRef idx="1">
+            <a:schemeClr val="accent1"/>
+          </a:lnRef>
+          <a:fillRef idx="3">
+            <a:schemeClr val="accent1"/>
+          </a:fillRef>
+          <a:effectRef idx="2">
+            <a:schemeClr val="accent1"/>
+          </a:effectRef>
+          <a:fontRef idx="minor">
+            <a:schemeClr val="lt1"/>
+          </a:fontRef>
+        </p:style>
+        <p:txBody>
+          <a:bodyPr rtlCol="0" anchor="ctr"/>
+          <a:lstStyle/>
+          <a:p>
+            <a:pPr algn="ctr"/>
+            <a:r>
+              <a:rPr lang="en-US" sz="1200" b="1" dirty="0" err="1">
+                <a:solidFill>
+                  <a:schemeClr val="tx1"/>
+                </a:solidFill>
+              </a:rPr>
+              <a:t>DOTHUB_makeToastJacobian</a:t>
+            </a:r>
+            <a:endParaRPr lang="en-US" sz="1200" b="1" dirty="0">
+              <a:solidFill>
+                <a:schemeClr val="tx1"/>
+              </a:solidFill>
+            </a:endParaRPr>
+          </a:p>
+        </p:txBody>
+      </p:sp>
+      <p:sp>
+        <p:nvSpPr>
+          <p:cNvPr id="22" name="Rectangle 21">
+            <a:extLst>
+              <a:ext uri="{FF2B5EF4-FFF2-40B4-BE49-F238E27FC236}">
+                <a16:creationId xmlns:a16="http://schemas.microsoft.com/office/drawing/2014/main" id="{F3B77052-5CF0-D848-BB87-BC1FD6310D2A}"/>
+              </a:ext>
+            </a:extLst>
+          </p:cNvPr>
+          <p:cNvSpPr/>
+          <p:nvPr/>
+        </p:nvSpPr>
+        <p:spPr>
+          <a:xfrm>
+            <a:off x="6016045" y="3555452"/>
+            <a:ext cx="2250000" cy="374514"/>
+          </a:xfrm>
+          <a:prstGeom prst="rect">
+            <a:avLst/>
+          </a:prstGeom>
+          <a:solidFill>
+            <a:srgbClr val="92D050"/>
+          </a:solidFill>
+          <a:effectLst/>
+        </p:spPr>
+        <p:style>
+          <a:lnRef idx="1">
+            <a:schemeClr val="accent1"/>
+          </a:lnRef>
+          <a:fillRef idx="3">
+            <a:schemeClr val="accent1"/>
+          </a:fillRef>
+          <a:effectRef idx="2">
+            <a:schemeClr val="accent1"/>
+          </a:effectRef>
+          <a:fontRef idx="minor">
+            <a:schemeClr val="lt1"/>
+          </a:fontRef>
+        </p:style>
+        <p:txBody>
+          <a:bodyPr rtlCol="0" anchor="ctr"/>
+          <a:lstStyle/>
+          <a:p>
+            <a:pPr algn="ctr"/>
+            <a:r>
+              <a:rPr lang="en-US" sz="1200" b="1" dirty="0" err="1">
+                <a:solidFill>
+                  <a:schemeClr val="tx1"/>
+                </a:solidFill>
+              </a:rPr>
+              <a:t>DOTHUB_invertJacobian</a:t>
+            </a:r>
+            <a:endParaRPr lang="en-US" sz="1200" b="1" dirty="0">
+              <a:solidFill>
+                <a:schemeClr val="tx1"/>
+              </a:solidFill>
+            </a:endParaRPr>
+          </a:p>
+        </p:txBody>
+      </p:sp>
+      <p:sp>
+        <p:nvSpPr>
+          <p:cNvPr id="23" name="Rectangle 22">
+            <a:extLst>
+              <a:ext uri="{FF2B5EF4-FFF2-40B4-BE49-F238E27FC236}">
+                <a16:creationId xmlns:a16="http://schemas.microsoft.com/office/drawing/2014/main" id="{FFCD128E-D91C-364F-A27E-F75577B5697A}"/>
+              </a:ext>
+            </a:extLst>
+          </p:cNvPr>
+          <p:cNvSpPr/>
+          <p:nvPr/>
+        </p:nvSpPr>
+        <p:spPr>
+          <a:xfrm>
+            <a:off x="6016044" y="2267694"/>
+            <a:ext cx="2250000" cy="409454"/>
+          </a:xfrm>
+          <a:prstGeom prst="rect">
+            <a:avLst/>
+          </a:prstGeom>
+          <a:solidFill>
+            <a:srgbClr val="92D050"/>
+          </a:solidFill>
+          <a:effectLst/>
+        </p:spPr>
+        <p:style>
+          <a:lnRef idx="1">
+            <a:schemeClr val="accent1"/>
+          </a:lnRef>
+          <a:fillRef idx="3">
+            <a:schemeClr val="accent1"/>
+          </a:fillRef>
+          <a:effectRef idx="2">
+            <a:schemeClr val="accent1"/>
+          </a:effectRef>
+          <a:fontRef idx="minor">
+            <a:schemeClr val="lt1"/>
+          </a:fontRef>
+        </p:style>
+        <p:txBody>
+          <a:bodyPr rtlCol="0" anchor="ctr"/>
+          <a:lstStyle/>
+          <a:p>
+            <a:pPr algn="ctr"/>
+            <a:r>
+              <a:rPr lang="en-US" sz="1200" b="1" dirty="0" err="1">
+                <a:solidFill>
+                  <a:schemeClr val="tx1"/>
+                </a:solidFill>
+              </a:rPr>
+              <a:t>DOTHUB_runHomerPrepro</a:t>
+            </a:r>
+            <a:endParaRPr lang="en-US" sz="1200" b="1" dirty="0">
+              <a:solidFill>
+                <a:schemeClr val="tx1"/>
+              </a:solidFill>
+            </a:endParaRPr>
+          </a:p>
+        </p:txBody>
+      </p:sp>
+      <p:sp>
+        <p:nvSpPr>
+          <p:cNvPr id="24" name="Rectangle 23">
+            <a:extLst>
+              <a:ext uri="{FF2B5EF4-FFF2-40B4-BE49-F238E27FC236}">
+                <a16:creationId xmlns:a16="http://schemas.microsoft.com/office/drawing/2014/main" id="{622103C7-D919-7445-BB61-1E3AD39778E0}"/>
+              </a:ext>
+            </a:extLst>
+          </p:cNvPr>
+          <p:cNvSpPr/>
+          <p:nvPr/>
+        </p:nvSpPr>
+        <p:spPr>
+          <a:xfrm>
+            <a:off x="6016044" y="3973058"/>
+            <a:ext cx="2250000" cy="374514"/>
+          </a:xfrm>
+          <a:prstGeom prst="rect">
+            <a:avLst/>
+          </a:prstGeom>
+          <a:solidFill>
+            <a:srgbClr val="92D050"/>
+          </a:solidFill>
+          <a:effectLst/>
+        </p:spPr>
+        <p:style>
+          <a:lnRef idx="1">
+            <a:schemeClr val="accent1"/>
+          </a:lnRef>
+          <a:fillRef idx="3">
+            <a:schemeClr val="accent1"/>
+          </a:fillRef>
+          <a:effectRef idx="2">
+            <a:schemeClr val="accent1"/>
+          </a:effectRef>
+          <a:fontRef idx="minor">
+            <a:schemeClr val="lt1"/>
+          </a:fontRef>
+        </p:style>
+        <p:txBody>
+          <a:bodyPr rtlCol="0" anchor="ctr"/>
+          <a:lstStyle/>
+          <a:p>
+            <a:pPr algn="ctr"/>
+            <a:r>
+              <a:rPr lang="en-US" sz="1200" b="1" dirty="0" err="1">
+                <a:solidFill>
+                  <a:schemeClr val="tx1"/>
+                </a:solidFill>
+              </a:rPr>
+              <a:t>DOTHUB_reconstruction</a:t>
+            </a:r>
+            <a:endParaRPr lang="en-US" sz="1200" b="1" dirty="0">
+              <a:solidFill>
+                <a:schemeClr val="tx1"/>
+              </a:solidFill>
+            </a:endParaRPr>
+          </a:p>
+        </p:txBody>
+      </p:sp>
+      <p:sp>
+        <p:nvSpPr>
+          <p:cNvPr id="25" name="Rectangle 24">
+            <a:extLst>
+              <a:ext uri="{FF2B5EF4-FFF2-40B4-BE49-F238E27FC236}">
+                <a16:creationId xmlns:a16="http://schemas.microsoft.com/office/drawing/2014/main" id="{206401C9-00CB-F346-99B7-C496493FA29C}"/>
+              </a:ext>
+            </a:extLst>
+          </p:cNvPr>
+          <p:cNvSpPr/>
+          <p:nvPr/>
+        </p:nvSpPr>
+        <p:spPr>
+          <a:xfrm>
+            <a:off x="9164690" y="4138813"/>
+            <a:ext cx="2016407" cy="307777"/>
+          </a:xfrm>
+          <a:prstGeom prst="rect">
+            <a:avLst/>
+          </a:prstGeom>
+          <a:solidFill>
+            <a:schemeClr val="accent2">
+              <a:lumMod val="20000"/>
+              <a:lumOff val="80000"/>
+            </a:schemeClr>
+          </a:solidFill>
+          <a:ln w="38100">
+            <a:solidFill>
+              <a:schemeClr val="tx1"/>
+            </a:solidFill>
+          </a:ln>
+          <a:effectLst/>
+        </p:spPr>
+        <p:txBody>
+          <a:bodyPr wrap="square">
+            <a:spAutoFit/>
+          </a:bodyPr>
+          <a:lstStyle/>
+          <a:p>
+            <a:pPr algn="ctr"/>
+            <a:r>
+              <a:rPr lang="en-US" sz="1400" dirty="0"/>
+              <a:t>.</a:t>
+            </a:r>
+            <a:r>
+              <a:rPr lang="en-US" sz="1400" dirty="0" err="1"/>
+              <a:t>prepro</a:t>
+            </a:r>
+            <a:endParaRPr lang="en-US" sz="1400" dirty="0"/>
+          </a:p>
+        </p:txBody>
+      </p:sp>
+      <p:cxnSp>
+        <p:nvCxnSpPr>
+          <p:cNvPr id="27" name="Elbow Connector 26">
+            <a:extLst>
+              <a:ext uri="{FF2B5EF4-FFF2-40B4-BE49-F238E27FC236}">
+                <a16:creationId xmlns:a16="http://schemas.microsoft.com/office/drawing/2014/main" id="{E6A6E913-0BCB-5C41-AA4E-69D5E5B6AC87}"/>
+              </a:ext>
+            </a:extLst>
+          </p:cNvPr>
+          <p:cNvCxnSpPr>
+            <a:cxnSpLocks/>
+            <a:stCxn id="7" idx="1"/>
+            <a:endCxn id="29" idx="1"/>
+          </p:cNvCxnSpPr>
+          <p:nvPr/>
+        </p:nvCxnSpPr>
+        <p:spPr>
+          <a:xfrm rot="10800000" flipV="1">
+            <a:off x="6600399" y="1287028"/>
+            <a:ext cx="2529568" cy="761903"/>
+          </a:xfrm>
+          <a:prstGeom prst="bentConnector3">
+            <a:avLst>
+              <a:gd name="adj1" fmla="val 109037"/>
+            </a:avLst>
+          </a:prstGeom>
+          <a:ln>
+            <a:tailEnd type="triangle"/>
+          </a:ln>
+        </p:spPr>
+        <p:style>
+          <a:lnRef idx="1">
+            <a:schemeClr val="accent1"/>
+          </a:lnRef>
+          <a:fillRef idx="0">
+            <a:schemeClr val="accent1"/>
+          </a:fillRef>
+          <a:effectRef idx="0">
+            <a:schemeClr val="accent1"/>
+          </a:effectRef>
+          <a:fontRef idx="minor">
+            <a:schemeClr val="tx1"/>
+          </a:fontRef>
+        </p:style>
+      </p:cxnSp>
+      <p:sp>
+        <p:nvSpPr>
+          <p:cNvPr id="29" name="Rectangle 28">
+            <a:extLst>
+              <a:ext uri="{FF2B5EF4-FFF2-40B4-BE49-F238E27FC236}">
+                <a16:creationId xmlns:a16="http://schemas.microsoft.com/office/drawing/2014/main" id="{C48091F8-E78F-0A4F-BAD9-6BC8A165D3BC}"/>
+              </a:ext>
+            </a:extLst>
+          </p:cNvPr>
+          <p:cNvSpPr/>
+          <p:nvPr/>
+        </p:nvSpPr>
+        <p:spPr>
+          <a:xfrm>
+            <a:off x="6600399" y="1848877"/>
+            <a:ext cx="1043876" cy="400110"/>
+          </a:xfrm>
+          <a:prstGeom prst="rect">
+            <a:avLst/>
+          </a:prstGeom>
+          <a:effectLst/>
+        </p:spPr>
+        <p:txBody>
+          <a:bodyPr wrap="none">
+            <a:spAutoFit/>
+          </a:bodyPr>
+          <a:lstStyle/>
+          <a:p>
+            <a:pPr algn="ctr"/>
+            <a:r>
+              <a:rPr lang="en-US" sz="2000" b="1" u="sng" dirty="0"/>
+              <a:t>Pipeline</a:t>
+            </a:r>
+          </a:p>
+        </p:txBody>
+      </p:sp>
+      <p:cxnSp>
+        <p:nvCxnSpPr>
+          <p:cNvPr id="31" name="Elbow Connector 30">
+            <a:extLst>
+              <a:ext uri="{FF2B5EF4-FFF2-40B4-BE49-F238E27FC236}">
+                <a16:creationId xmlns:a16="http://schemas.microsoft.com/office/drawing/2014/main" id="{7A9230F8-B125-594B-BEEF-0CF195B19840}"/>
+              </a:ext>
+            </a:extLst>
+          </p:cNvPr>
+          <p:cNvCxnSpPr>
+            <a:cxnSpLocks/>
+            <a:stCxn id="8" idx="1"/>
+            <a:endCxn id="29" idx="0"/>
+          </p:cNvCxnSpPr>
+          <p:nvPr/>
+        </p:nvCxnSpPr>
+        <p:spPr>
+          <a:xfrm rot="10800000" flipV="1">
+            <a:off x="7122337" y="1738803"/>
+            <a:ext cx="2007630" cy="110073"/>
+          </a:xfrm>
+          <a:prstGeom prst="bentConnector2">
+            <a:avLst/>
+          </a:prstGeom>
+          <a:ln>
+            <a:tailEnd type="triangle"/>
+          </a:ln>
+        </p:spPr>
+        <p:style>
+          <a:lnRef idx="1">
+            <a:schemeClr val="accent1"/>
+          </a:lnRef>
+          <a:fillRef idx="0">
+            <a:schemeClr val="accent1"/>
+          </a:fillRef>
+          <a:effectRef idx="0">
+            <a:schemeClr val="accent1"/>
+          </a:effectRef>
+          <a:fontRef idx="minor">
+            <a:schemeClr val="tx1"/>
+          </a:fontRef>
+        </p:style>
+      </p:cxnSp>
+      <p:cxnSp>
+        <p:nvCxnSpPr>
+          <p:cNvPr id="34" name="Elbow Connector 33">
+            <a:extLst>
+              <a:ext uri="{FF2B5EF4-FFF2-40B4-BE49-F238E27FC236}">
+                <a16:creationId xmlns:a16="http://schemas.microsoft.com/office/drawing/2014/main" id="{F5D2219A-9069-FC4C-993C-513934378373}"/>
+              </a:ext>
+            </a:extLst>
+          </p:cNvPr>
+          <p:cNvCxnSpPr>
+            <a:cxnSpLocks/>
+            <a:stCxn id="9" idx="1"/>
+            <a:endCxn id="29" idx="3"/>
+          </p:cNvCxnSpPr>
+          <p:nvPr/>
+        </p:nvCxnSpPr>
+        <p:spPr>
+          <a:xfrm rot="10800000">
+            <a:off x="7644276" y="2048933"/>
+            <a:ext cx="1615401" cy="539483"/>
+          </a:xfrm>
+          <a:prstGeom prst="bentConnector3">
+            <a:avLst>
+              <a:gd name="adj1" fmla="val 50000"/>
+            </a:avLst>
+          </a:prstGeom>
+          <a:ln>
+            <a:tailEnd type="triangle"/>
+          </a:ln>
+        </p:spPr>
+        <p:style>
+          <a:lnRef idx="1">
+            <a:schemeClr val="accent1"/>
+          </a:lnRef>
+          <a:fillRef idx="0">
+            <a:schemeClr val="accent1"/>
+          </a:fillRef>
+          <a:effectRef idx="0">
+            <a:schemeClr val="accent1"/>
+          </a:effectRef>
+          <a:fontRef idx="minor">
+            <a:schemeClr val="tx1"/>
+          </a:fontRef>
+        </p:style>
+      </p:cxnSp>
+      <p:cxnSp>
+        <p:nvCxnSpPr>
+          <p:cNvPr id="40" name="Elbow Connector 39">
+            <a:extLst>
+              <a:ext uri="{FF2B5EF4-FFF2-40B4-BE49-F238E27FC236}">
+                <a16:creationId xmlns:a16="http://schemas.microsoft.com/office/drawing/2014/main" id="{767AC985-36B1-EF42-A766-63B09159D606}"/>
+              </a:ext>
+            </a:extLst>
+          </p:cNvPr>
+          <p:cNvCxnSpPr>
+            <a:cxnSpLocks/>
+            <a:stCxn id="24" idx="2"/>
+            <a:endCxn id="43" idx="1"/>
+          </p:cNvCxnSpPr>
+          <p:nvPr/>
+        </p:nvCxnSpPr>
+        <p:spPr>
+          <a:xfrm rot="16200000" flipH="1">
+            <a:off x="7603885" y="3884730"/>
+            <a:ext cx="804633" cy="1730315"/>
+          </a:xfrm>
+          <a:prstGeom prst="bentConnector2">
+            <a:avLst/>
+          </a:prstGeom>
+          <a:ln>
+            <a:tailEnd type="triangle"/>
+          </a:ln>
+        </p:spPr>
+        <p:style>
+          <a:lnRef idx="1">
+            <a:schemeClr val="accent1"/>
+          </a:lnRef>
+          <a:fillRef idx="0">
+            <a:schemeClr val="accent1"/>
+          </a:fillRef>
+          <a:effectRef idx="0">
+            <a:schemeClr val="accent1"/>
+          </a:effectRef>
+          <a:fontRef idx="minor">
+            <a:schemeClr val="tx1"/>
+          </a:fontRef>
+        </p:style>
+      </p:cxnSp>
+      <p:sp>
+        <p:nvSpPr>
+          <p:cNvPr id="43" name="Left Brace 42">
+            <a:extLst>
+              <a:ext uri="{FF2B5EF4-FFF2-40B4-BE49-F238E27FC236}">
+                <a16:creationId xmlns:a16="http://schemas.microsoft.com/office/drawing/2014/main" id="{A3AE47F3-A02D-DE46-BE07-9355384FB6C1}"/>
+              </a:ext>
+            </a:extLst>
+          </p:cNvPr>
+          <p:cNvSpPr/>
+          <p:nvPr/>
+        </p:nvSpPr>
+        <p:spPr>
+          <a:xfrm>
+            <a:off x="8871359" y="3973058"/>
+            <a:ext cx="316483" cy="2358294"/>
+          </a:xfrm>
+          <a:prstGeom prst="leftBrace">
+            <a:avLst/>
+          </a:prstGeom>
+        </p:spPr>
+        <p:style>
+          <a:lnRef idx="1">
+            <a:schemeClr val="accent1"/>
+          </a:lnRef>
+          <a:fillRef idx="0">
+            <a:schemeClr val="accent1"/>
+          </a:fillRef>
+          <a:effectRef idx="0">
+            <a:schemeClr val="accent1"/>
+          </a:effectRef>
+          <a:fontRef idx="minor">
+            <a:schemeClr val="tx1"/>
+          </a:fontRef>
+        </p:style>
+        <p:txBody>
+          <a:bodyPr rtlCol="0" anchor="ctr"/>
+          <a:lstStyle/>
+          <a:p>
+            <a:pPr algn="ctr"/>
+            <a:endParaRPr lang="en-US"/>
+          </a:p>
+        </p:txBody>
+      </p:sp>
+    </p:spTree>
+    <p:extLst>
+      <p:ext uri="{BB962C8B-B14F-4D97-AF65-F5344CB8AC3E}">
+        <p14:creationId xmlns:p14="http://schemas.microsoft.com/office/powerpoint/2010/main" val="231358774"/>
+      </p:ext>
+    </p:extLst>
+  </p:cSld>
+  <p:clrMapOvr>
+    <a:masterClrMapping/>
+  </p:clrMapOvr>
+</p:sld>
+</file>
+
+<file path=ppt/slides/slide5.xml><?xml version="1.0" encoding="utf-8"?>
+<p:sld xmlns:a="http://schemas.openxmlformats.org/drawingml/2006/main" xmlns:r="http://schemas.openxmlformats.org/officeDocument/2006/relationships" xmlns:p="http://schemas.openxmlformats.org/presentationml/2006/main">
+  <p:cSld>
+    <p:spTree>
+      <p:nvGrpSpPr>
+        <p:cNvPr id="1" name=""/>
+        <p:cNvGrpSpPr/>
+        <p:nvPr/>
+      </p:nvGrpSpPr>
+      <p:grpSpPr>
+        <a:xfrm>
+          <a:off x="0" y="0"/>
+          <a:ext cx="0" cy="0"/>
+          <a:chOff x="0" y="0"/>
+          <a:chExt cx="0" cy="0"/>
+        </a:xfrm>
+      </p:grpSpPr>
+      <p:sp>
+        <p:nvSpPr>
+          <p:cNvPr id="4" name="Rectangle 3">
+            <a:extLst>
+              <a:ext uri="{FF2B5EF4-FFF2-40B4-BE49-F238E27FC236}">
+                <a16:creationId xmlns:a16="http://schemas.microsoft.com/office/drawing/2014/main" id="{A8CDE512-E1CD-D84B-ADEF-5DB06109A95B}"/>
+              </a:ext>
+            </a:extLst>
+          </p:cNvPr>
+          <p:cNvSpPr/>
+          <p:nvPr/>
+        </p:nvSpPr>
+        <p:spPr>
+          <a:xfrm>
+            <a:off x="207281" y="129054"/>
+            <a:ext cx="2609007" cy="1261884"/>
+          </a:xfrm>
+          <a:prstGeom prst="rect">
+            <a:avLst/>
+          </a:prstGeom>
+          <a:effectLst/>
+        </p:spPr>
+        <p:txBody>
+          <a:bodyPr wrap="square">
+            <a:spAutoFit/>
+          </a:bodyPr>
+          <a:lstStyle/>
+          <a:p>
+            <a:r>
+              <a:rPr lang="en-US" sz="2000" b="1" dirty="0"/>
+              <a:t>TBD</a:t>
             </a:r>
           </a:p>
           <a:p>
